--- a/docs/Project Presentation/NFL_Database_Presentation.pptx
+++ b/docs/Project Presentation/NFL_Database_Presentation.pptx
@@ -7,13 +7,16 @@
     <p:sldMasterId id="2147493647" r:id="rId5"/>
   </p:sldMasterIdLst>
   <p:notesMasterIdLst>
-    <p:notesMasterId r:id="rId10"/>
+    <p:notesMasterId r:id="rId13"/>
   </p:notesMasterIdLst>
   <p:sldIdLst>
     <p:sldId id="256" r:id="rId6"/>
-    <p:sldId id="258" r:id="rId7"/>
-    <p:sldId id="303" r:id="rId8"/>
-    <p:sldId id="292" r:id="rId9"/>
+    <p:sldId id="303" r:id="rId7"/>
+    <p:sldId id="292" r:id="rId8"/>
+    <p:sldId id="304" r:id="rId9"/>
+    <p:sldId id="305" r:id="rId10"/>
+    <p:sldId id="306" r:id="rId11"/>
+    <p:sldId id="307" r:id="rId12"/>
   </p:sldIdLst>
   <p:sldSz cx="9144000" cy="5143500" type="screen16x9"/>
   <p:notesSz cx="6858000" cy="9144000"/>
@@ -317,7 +320,7 @@
               <a:pPr>
                 <a:defRPr/>
               </a:pPr>
-              <a:t>4/5/2024</a:t>
+              <a:t>5/5/2024</a:t>
             </a:fld>
             <a:endParaRPr lang="en-US"/>
           </a:p>
@@ -764,7 +767,7 @@
                 <a:tabLst/>
                 <a:defRPr/>
               </a:pPr>
-              <a:t>3</a:t>
+              <a:t>2</a:t>
             </a:fld>
             <a:endParaRPr kumimoji="0" lang="en-US" sz="1200" b="0" i="0" u="none" strike="noStrike" kern="1200" cap="none" spc="0" normalizeH="0" baseline="0" noProof="0">
               <a:ln>
@@ -991,7 +994,7 @@
               <a:pPr>
                 <a:defRPr/>
               </a:pPr>
-              <a:t>4/5/2024</a:t>
+              <a:t>5/5/2024</a:t>
             </a:fld>
             <a:endParaRPr lang="en-US" altLang="en-US"/>
           </a:p>
@@ -1204,7 +1207,7 @@
               <a:pPr>
                 <a:defRPr/>
               </a:pPr>
-              <a:t>4/5/2024</a:t>
+              <a:t>5/5/2024</a:t>
             </a:fld>
             <a:endParaRPr lang="en-US" altLang="en-US"/>
           </a:p>
@@ -1427,7 +1430,7 @@
               <a:pPr>
                 <a:defRPr/>
               </a:pPr>
-              <a:t>4/5/2024</a:t>
+              <a:t>5/5/2024</a:t>
             </a:fld>
             <a:endParaRPr lang="en-US" altLang="en-US"/>
           </a:p>
@@ -1710,7 +1713,7 @@
           <a:p>
             <a:fld id="{E50E5C25-56AA-4438-AD6E-26640E642245}" type="datetime1">
               <a:rPr lang="en-US" altLang="en-US" smtClean="0"/>
-              <a:t>4/5/2024</a:t>
+              <a:t>5/5/2024</a:t>
             </a:fld>
             <a:endParaRPr lang="en-US" altLang="en-US"/>
           </a:p>
@@ -1851,7 +1854,7 @@
           <a:p>
             <a:fld id="{67F32251-6916-45C2-A272-6283A0536015}" type="datetime1">
               <a:rPr lang="en-US" altLang="en-US" smtClean="0"/>
-              <a:t>4/5/2024</a:t>
+              <a:t>5/5/2024</a:t>
             </a:fld>
             <a:endParaRPr lang="en-US" altLang="en-US"/>
           </a:p>
@@ -2064,7 +2067,7 @@
           <a:p>
             <a:fld id="{1EC02D62-401F-4E79-A959-973DD4C4BB88}" type="datetime1">
               <a:rPr lang="en-US" altLang="en-US" smtClean="0"/>
-              <a:t>4/5/2024</a:t>
+              <a:t>5/5/2024</a:t>
             </a:fld>
             <a:endParaRPr lang="en-US" altLang="en-US"/>
           </a:p>
@@ -2317,7 +2320,7 @@
           <a:p>
             <a:fld id="{DC4C5EDA-51DA-4F30-9D87-867196E31CA7}" type="datetime1">
               <a:rPr lang="en-US" altLang="en-US" smtClean="0"/>
-              <a:t>4/5/2024</a:t>
+              <a:t>5/5/2024</a:t>
             </a:fld>
             <a:endParaRPr lang="en-US" altLang="en-US"/>
           </a:p>
@@ -2724,7 +2727,7 @@
           <a:p>
             <a:fld id="{D2012CD1-D44A-4319-A627-10B0DDD5EB0B}" type="datetime1">
               <a:rPr lang="en-US" altLang="en-US" smtClean="0"/>
-              <a:t>4/5/2024</a:t>
+              <a:t>5/5/2024</a:t>
             </a:fld>
             <a:endParaRPr lang="en-US" altLang="en-US"/>
           </a:p>
@@ -2894,7 +2897,7 @@
           <a:p>
             <a:fld id="{44FE3290-3C8F-4E6C-AC44-105D50CA132B}" type="datetime1">
               <a:rPr lang="en-US" altLang="en-US" smtClean="0"/>
-              <a:t>4/5/2024</a:t>
+              <a:t>5/5/2024</a:t>
             </a:fld>
             <a:endParaRPr lang="en-US" altLang="en-US"/>
           </a:p>
@@ -2957,7 +2960,7 @@
           <a:p>
             <a:fld id="{B5A37BB2-08EF-48DB-B15F-3284930E03D6}" type="datetime1">
               <a:rPr lang="en-US" altLang="en-US" smtClean="0"/>
-              <a:t>4/5/2024</a:t>
+              <a:t>5/5/2024</a:t>
             </a:fld>
             <a:endParaRPr lang="en-US" altLang="en-US"/>
           </a:p>
@@ -3212,7 +3215,7 @@
           <a:p>
             <a:fld id="{A7E9E4C9-05D0-4299-8997-4155B0A825E6}" type="datetime1">
               <a:rPr lang="en-US" altLang="en-US" smtClean="0"/>
-              <a:t>4/5/2024</a:t>
+              <a:t>5/5/2024</a:t>
             </a:fld>
             <a:endParaRPr lang="en-US" altLang="en-US"/>
           </a:p>
@@ -3364,7 +3367,7 @@
               <a:pPr>
                 <a:defRPr/>
               </a:pPr>
-              <a:t>4/5/2024</a:t>
+              <a:t>5/5/2024</a:t>
             </a:fld>
             <a:endParaRPr lang="en-US" altLang="en-US"/>
           </a:p>
@@ -3658,7 +3661,7 @@
           <a:p>
             <a:fld id="{D717D05F-7A65-46D0-979F-093BDE2DBDEF}" type="datetime1">
               <a:rPr lang="en-US" altLang="en-US" smtClean="0"/>
-              <a:t>4/5/2024</a:t>
+              <a:t>5/5/2024</a:t>
             </a:fld>
             <a:endParaRPr lang="en-US" altLang="en-US"/>
           </a:p>
@@ -3820,7 +3823,7 @@
           <a:p>
             <a:fld id="{55DF9BD9-DAFE-4A80-A823-DFF01A0C119F}" type="datetime1">
               <a:rPr lang="en-US" altLang="en-US" smtClean="0"/>
-              <a:t>4/5/2024</a:t>
+              <a:t>5/5/2024</a:t>
             </a:fld>
             <a:endParaRPr lang="en-US" altLang="en-US"/>
           </a:p>
@@ -3970,7 +3973,7 @@
           <a:p>
             <a:fld id="{477543E7-97B5-4574-B373-7D0521B8F418}" type="datetime1">
               <a:rPr lang="en-US" altLang="en-US" smtClean="0"/>
-              <a:t>4/5/2024</a:t>
+              <a:t>5/5/2024</a:t>
             </a:fld>
             <a:endParaRPr lang="en-US" altLang="en-US"/>
           </a:p>
@@ -4178,7 +4181,7 @@
           <a:p>
             <a:fld id="{EA10C001-7378-4DAD-9F44-DC6AA92FE8CF}" type="datetime1">
               <a:rPr lang="en-US" altLang="en-US" smtClean="0"/>
-              <a:t>4/5/2024</a:t>
+              <a:t>5/5/2024</a:t>
             </a:fld>
             <a:endParaRPr lang="en-US" altLang="en-US"/>
           </a:p>
@@ -4401,7 +4404,7 @@
           <a:p>
             <a:fld id="{90A0E91D-AA81-4926-9A54-B28918612F01}" type="datetime1">
               <a:rPr lang="en-US" altLang="en-US" smtClean="0"/>
-              <a:t>4/5/2024</a:t>
+              <a:t>5/5/2024</a:t>
             </a:fld>
             <a:endParaRPr lang="en-US" altLang="en-US"/>
           </a:p>
@@ -4683,7 +4686,7 @@
           <a:p>
             <a:fld id="{47F791DC-7B58-46F7-A1B0-D56EEA83221C}" type="datetime1">
               <a:rPr lang="en-US" altLang="en-US" smtClean="0"/>
-              <a:t>4/5/2024</a:t>
+              <a:t>5/5/2024</a:t>
             </a:fld>
             <a:endParaRPr lang="en-US" altLang="en-US"/>
           </a:p>
@@ -4983,7 +4986,7 @@
           <a:p>
             <a:fld id="{CEBF0440-8247-4136-97B9-8B41AA6C8536}" type="datetime1">
               <a:rPr lang="en-US" altLang="en-US" smtClean="0"/>
-              <a:t>4/5/2024</a:t>
+              <a:t>5/5/2024</a:t>
             </a:fld>
             <a:endParaRPr lang="en-US" altLang="en-US"/>
           </a:p>
@@ -5454,7 +5457,7 @@
           <a:p>
             <a:fld id="{5B8244A5-54A8-4791-B32E-AD96B9812175}" type="datetime1">
               <a:rPr lang="en-US" altLang="en-US" smtClean="0"/>
-              <a:t>4/5/2024</a:t>
+              <a:t>5/5/2024</a:t>
             </a:fld>
             <a:endParaRPr lang="en-US" altLang="en-US"/>
           </a:p>
@@ -5627,7 +5630,7 @@
           <a:p>
             <a:fld id="{75D2BB9B-578B-4216-8B17-0AE947C5976D}" type="datetime1">
               <a:rPr lang="en-US" altLang="en-US" smtClean="0"/>
-              <a:t>4/5/2024</a:t>
+              <a:t>5/5/2024</a:t>
             </a:fld>
             <a:endParaRPr lang="en-US" altLang="en-US"/>
           </a:p>
@@ -5800,7 +5803,7 @@
           <a:p>
             <a:fld id="{D3F7117F-74BD-4C0E-95BB-065470FB80E4}" type="datetime1">
               <a:rPr lang="en-US" altLang="en-US" smtClean="0"/>
-              <a:t>4/5/2024</a:t>
+              <a:t>5/5/2024</a:t>
             </a:fld>
             <a:endParaRPr lang="en-US" altLang="en-US"/>
           </a:p>
@@ -6088,7 +6091,7 @@
               <a:pPr>
                 <a:defRPr/>
               </a:pPr>
-              <a:t>4/5/2024</a:t>
+              <a:t>5/5/2024</a:t>
             </a:fld>
             <a:endParaRPr lang="en-US" altLang="en-US"/>
           </a:p>
@@ -6402,7 +6405,7 @@
           <a:p>
             <a:fld id="{0B6DCB02-C3ED-439B-9BC5-8A766F38DD0C}" type="datetime1">
               <a:rPr lang="en-US" altLang="en-US" smtClean="0"/>
-              <a:t>4/5/2024</a:t>
+              <a:t>5/5/2024</a:t>
             </a:fld>
             <a:endParaRPr lang="en-US" altLang="en-US"/>
           </a:p>
@@ -6701,7 +6704,7 @@
           <a:p>
             <a:fld id="{7BEF7774-06E3-4B6E-A02C-0698D9521A63}" type="datetime1">
               <a:rPr lang="en-US" altLang="en-US" smtClean="0"/>
-              <a:t>4/5/2024</a:t>
+              <a:t>5/5/2024</a:t>
             </a:fld>
             <a:endParaRPr lang="en-US" altLang="en-US"/>
           </a:p>
@@ -6889,7 +6892,7 @@
           <a:p>
             <a:fld id="{10814916-2284-4DC6-85F3-E9D769B30417}" type="datetime1">
               <a:rPr lang="en-US" altLang="en-US" smtClean="0"/>
-              <a:t>4/5/2024</a:t>
+              <a:t>5/5/2024</a:t>
             </a:fld>
             <a:endParaRPr lang="en-US" altLang="en-US"/>
           </a:p>
@@ -7145,7 +7148,7 @@
           <a:p>
             <a:fld id="{A063EDB7-6E96-468D-98AD-385D8C1330C6}" type="datetime1">
               <a:rPr lang="en-US" altLang="en-US" smtClean="0"/>
-              <a:t>4/5/2024</a:t>
+              <a:t>5/5/2024</a:t>
             </a:fld>
             <a:endParaRPr lang="en-US" altLang="en-US"/>
           </a:p>
@@ -7473,7 +7476,7 @@
               <a:pPr>
                 <a:defRPr/>
               </a:pPr>
-              <a:t>4/5/2024</a:t>
+              <a:t>5/5/2024</a:t>
             </a:fld>
             <a:endParaRPr lang="en-US" altLang="en-US"/>
           </a:p>
@@ -7937,7 +7940,7 @@
               <a:pPr>
                 <a:defRPr/>
               </a:pPr>
-              <a:t>4/5/2024</a:t>
+              <a:t>5/5/2024</a:t>
             </a:fld>
             <a:endParaRPr lang="en-US" altLang="en-US"/>
           </a:p>
@@ -8104,7 +8107,7 @@
               <a:pPr>
                 <a:defRPr/>
               </a:pPr>
-              <a:t>4/5/2024</a:t>
+              <a:t>5/5/2024</a:t>
             </a:fld>
             <a:endParaRPr lang="en-US" altLang="en-US"/>
           </a:p>
@@ -8244,7 +8247,7 @@
               <a:pPr>
                 <a:defRPr/>
               </a:pPr>
-              <a:t>4/5/2024</a:t>
+              <a:t>5/5/2024</a:t>
             </a:fld>
             <a:endParaRPr lang="en-US" altLang="en-US"/>
           </a:p>
@@ -8564,7 +8567,7 @@
               <a:pPr>
                 <a:defRPr/>
               </a:pPr>
-              <a:t>4/5/2024</a:t>
+              <a:t>5/5/2024</a:t>
             </a:fld>
             <a:endParaRPr lang="en-US" altLang="en-US"/>
           </a:p>
@@ -8868,7 +8871,7 @@
               <a:pPr>
                 <a:defRPr/>
               </a:pPr>
-              <a:t>4/5/2024</a:t>
+              <a:t>5/5/2024</a:t>
             </a:fld>
             <a:endParaRPr lang="en-US" altLang="en-US"/>
           </a:p>
@@ -9184,7 +9187,7 @@
               <a:pPr>
                 <a:defRPr/>
               </a:pPr>
-              <a:t>4/5/2024</a:t>
+              <a:t>5/5/2024</a:t>
             </a:fld>
             <a:endParaRPr lang="en-US" altLang="en-US"/>
           </a:p>
@@ -9944,7 +9947,7 @@
           <a:p>
             <a:fld id="{4A7B1C05-EA21-4143-BF9B-5A7AE622790B}" type="datetime1">
               <a:rPr lang="en-US" altLang="en-US" smtClean="0"/>
-              <a:t>4/5/2024</a:t>
+              <a:t>5/5/2024</a:t>
             </a:fld>
             <a:endParaRPr lang="en-US" altLang="en-US"/>
           </a:p>
@@ -10598,7 +10601,7 @@
           <a:p>
             <a:fld id="{DB56B676-FD35-4A81-AE7E-A88C163C26B0}" type="datetime1">
               <a:rPr lang="en-US" altLang="en-US" smtClean="0"/>
-              <a:t>4/5/2024</a:t>
+              <a:t>5/5/2024</a:t>
             </a:fld>
             <a:endParaRPr lang="en-US" altLang="en-US"/>
           </a:p>
@@ -12079,14 +12082,6 @@
 <file path=ppt/slides/slide2.xml><?xml version="1.0" encoding="utf-8"?>
 <p:sld xmlns:a="http://schemas.openxmlformats.org/drawingml/2006/main" xmlns:r="http://schemas.openxmlformats.org/officeDocument/2006/relationships" xmlns:p="http://schemas.openxmlformats.org/presentationml/2006/main">
   <p:cSld>
-    <p:bg>
-      <p:bgPr>
-        <a:solidFill>
-          <a:schemeClr val="bg1"/>
-        </a:solidFill>
-        <a:effectLst/>
-      </p:bgPr>
-    </p:bg>
     <p:spTree>
       <p:nvGrpSpPr>
         <p:cNvPr id="1" name=""/>
@@ -12101,684 +12096,6 @@
           <a:chExt cx="0" cy="0"/>
         </a:xfrm>
       </p:grpSpPr>
-      <p:sp useBgFill="1">
-        <p:nvSpPr>
-          <p:cNvPr id="10" name="Rectangle 9">
-            <a:extLst>
-              <a:ext uri="{FF2B5EF4-FFF2-40B4-BE49-F238E27FC236}">
-                <a16:creationId xmlns:a16="http://schemas.microsoft.com/office/drawing/2014/main" id="{8D0D6D3E-D7F9-4591-9CA9-DDF4DB1F73DA}"/>
-              </a:ext>
-              <a:ext uri="{C183D7F6-B498-43B3-948B-1728B52AA6E4}">
-                <adec:decorative xmlns:adec="http://schemas.microsoft.com/office/drawing/2017/decorative" val="1"/>
-              </a:ext>
-            </a:extLst>
-          </p:cNvPr>
-          <p:cNvSpPr>
-            <a:spLocks noGrp="1" noRot="1" noChangeAspect="1" noMove="1" noResize="1" noEditPoints="1" noAdjustHandles="1" noChangeArrowheads="1" noChangeShapeType="1" noTextEdit="1"/>
-          </p:cNvSpPr>
-          <p:nvPr>
-            <p:extLst>
-              <p:ext uri="{386F3935-93C4-4BCD-93E2-E3B085C9AB24}">
-                <p16:designElem xmlns:p16="http://schemas.microsoft.com/office/powerpoint/2015/main" val="1"/>
-              </p:ext>
-            </p:extLst>
-          </p:nvPr>
-        </p:nvSpPr>
-        <p:spPr>
-          <a:xfrm>
-            <a:off x="0" y="1"/>
-            <a:ext cx="9144000" cy="5143498"/>
-          </a:xfrm>
-          <a:prstGeom prst="rect">
-            <a:avLst/>
-          </a:prstGeom>
-          <a:ln>
-            <a:noFill/>
-          </a:ln>
-        </p:spPr>
-        <p:style>
-          <a:lnRef idx="2">
-            <a:schemeClr val="accent1">
-              <a:shade val="50000"/>
-            </a:schemeClr>
-          </a:lnRef>
-          <a:fillRef idx="1">
-            <a:schemeClr val="accent1"/>
-          </a:fillRef>
-          <a:effectRef idx="0">
-            <a:schemeClr val="accent1"/>
-          </a:effectRef>
-          <a:fontRef idx="minor">
-            <a:schemeClr val="lt1"/>
-          </a:fontRef>
-        </p:style>
-        <p:txBody>
-          <a:bodyPr rtlCol="0" anchor="ctr"/>
-          <a:lstStyle/>
-          <a:p>
-            <a:pPr marL="0" marR="0" lvl="0" indent="0" algn="ctr" defTabSz="457200" rtl="0" eaLnBrk="1" fontAlgn="base" latinLnBrk="0" hangingPunct="1">
-              <a:lnSpc>
-                <a:spcPct val="100000"/>
-              </a:lnSpc>
-              <a:spcBef>
-                <a:spcPct val="0"/>
-              </a:spcBef>
-              <a:spcAft>
-                <a:spcPct val="0"/>
-              </a:spcAft>
-              <a:buClrTx/>
-              <a:buSzTx/>
-              <a:buFontTx/>
-              <a:buNone/>
-              <a:tabLst/>
-              <a:defRPr/>
-            </a:pPr>
-            <a:endParaRPr kumimoji="0" lang="en-US" sz="1800" b="0" i="0" u="none" strike="noStrike" kern="1200" cap="none" spc="0" normalizeH="0" baseline="0" noProof="0" dirty="0">
-              <a:ln>
-                <a:noFill/>
-              </a:ln>
-              <a:solidFill>
-                <a:prstClr val="white"/>
-              </a:solidFill>
-              <a:effectLst/>
-              <a:uLnTx/>
-              <a:uFillTx/>
-              <a:latin typeface="Calibri"/>
-              <a:ea typeface="+mn-ea"/>
-              <a:cs typeface="+mn-cs"/>
-            </a:endParaRPr>
-          </a:p>
-        </p:txBody>
-      </p:sp>
-      <p:sp>
-        <p:nvSpPr>
-          <p:cNvPr id="2" name="Title 1">
-            <a:extLst>
-              <a:ext uri="{FF2B5EF4-FFF2-40B4-BE49-F238E27FC236}">
-                <a16:creationId xmlns:a16="http://schemas.microsoft.com/office/drawing/2014/main" id="{0E0ED4D0-2510-714B-ACE5-A069B72AA696}"/>
-              </a:ext>
-            </a:extLst>
-          </p:cNvPr>
-          <p:cNvSpPr>
-            <a:spLocks noGrp="1"/>
-          </p:cNvSpPr>
-          <p:nvPr>
-            <p:ph type="ctrTitle"/>
-          </p:nvPr>
-        </p:nvSpPr>
-        <p:spPr>
-          <a:xfrm>
-            <a:off x="342901" y="665451"/>
-            <a:ext cx="5560188" cy="2372418"/>
-          </a:xfrm>
-        </p:spPr>
-        <p:txBody>
-          <a:bodyPr anchor="t">
-            <a:normAutofit/>
-          </a:bodyPr>
-          <a:lstStyle/>
-          <a:p>
-            <a:pPr algn="l"/>
-            <a:br>
-              <a:rPr lang="en-US" sz="2400">
-                <a:latin typeface="Times New Roman" panose="02020603050405020304" pitchFamily="18" charset="0"/>
-              </a:rPr>
-            </a:br>
-            <a:r>
-              <a:rPr lang="en-US" sz="2800">
-                <a:latin typeface="Times New Roman" panose="02020603050405020304" pitchFamily="18" charset="0"/>
-              </a:rPr>
-              <a:t> Example slides from previous presentations  With Kansas State University background</a:t>
-            </a:r>
-            <a:endParaRPr lang="en-US" sz="2400" dirty="0"/>
-          </a:p>
-        </p:txBody>
-      </p:sp>
-      <p:sp>
-        <p:nvSpPr>
-          <p:cNvPr id="3" name="Subtitle 2">
-            <a:extLst>
-              <a:ext uri="{FF2B5EF4-FFF2-40B4-BE49-F238E27FC236}">
-                <a16:creationId xmlns:a16="http://schemas.microsoft.com/office/drawing/2014/main" id="{BA33F610-3A0D-4D4C-976E-07C887904982}"/>
-              </a:ext>
-            </a:extLst>
-          </p:cNvPr>
-          <p:cNvSpPr>
-            <a:spLocks noGrp="1"/>
-          </p:cNvSpPr>
-          <p:nvPr>
-            <p:ph type="subTitle" idx="1"/>
-          </p:nvPr>
-        </p:nvSpPr>
-        <p:spPr>
-          <a:xfrm>
-            <a:off x="736978" y="3291840"/>
-            <a:ext cx="3306171" cy="894611"/>
-          </a:xfrm>
-        </p:spPr>
-        <p:txBody>
-          <a:bodyPr anchor="b">
-            <a:normAutofit/>
-          </a:bodyPr>
-          <a:lstStyle/>
-          <a:p>
-            <a:pPr marL="0" marR="0" algn="l">
-              <a:lnSpc>
-                <a:spcPct val="90000"/>
-              </a:lnSpc>
-              <a:spcBef>
-                <a:spcPts val="0"/>
-              </a:spcBef>
-              <a:spcAft>
-                <a:spcPts val="0"/>
-              </a:spcAft>
-            </a:pPr>
-            <a:r>
-              <a:rPr lang="en-US" sz="1300" dirty="0">
-                <a:solidFill>
-                  <a:schemeClr val="tx1">
-                    <a:lumMod val="65000"/>
-                    <a:lumOff val="35000"/>
-                  </a:schemeClr>
-                </a:solidFill>
-                <a:effectLst/>
-                <a:latin typeface="Times New Roman" panose="02020603050405020304" pitchFamily="18" charset="0"/>
-                <a:ea typeface="SimSun" panose="02010600030101010101" pitchFamily="2" charset="-122"/>
-              </a:rPr>
-              <a:t>James Chapman</a:t>
-            </a:r>
-          </a:p>
-          <a:p>
-            <a:pPr marL="0" marR="0" algn="l">
-              <a:lnSpc>
-                <a:spcPct val="90000"/>
-              </a:lnSpc>
-              <a:spcBef>
-                <a:spcPts val="0"/>
-              </a:spcBef>
-              <a:spcAft>
-                <a:spcPts val="0"/>
-              </a:spcAft>
-            </a:pPr>
-            <a:r>
-              <a:rPr lang="en-US" sz="1300" dirty="0">
-                <a:solidFill>
-                  <a:schemeClr val="tx1">
-                    <a:lumMod val="65000"/>
-                    <a:lumOff val="35000"/>
-                  </a:schemeClr>
-                </a:solidFill>
-                <a:effectLst/>
-                <a:latin typeface="Times New Roman" panose="02020603050405020304" pitchFamily="18" charset="0"/>
-                <a:ea typeface="SimSun" panose="02010600030101010101" pitchFamily="2" charset="-122"/>
-              </a:rPr>
-              <a:t>CIS 730 Artificial Intelligence– Term Project</a:t>
-            </a:r>
-          </a:p>
-          <a:p>
-            <a:pPr marL="0" marR="0" algn="l">
-              <a:lnSpc>
-                <a:spcPct val="90000"/>
-              </a:lnSpc>
-              <a:spcBef>
-                <a:spcPts val="0"/>
-              </a:spcBef>
-              <a:spcAft>
-                <a:spcPts val="0"/>
-              </a:spcAft>
-            </a:pPr>
-            <a:r>
-              <a:rPr lang="en-US" sz="1300" dirty="0">
-                <a:solidFill>
-                  <a:schemeClr val="tx1">
-                    <a:lumMod val="65000"/>
-                    <a:lumOff val="35000"/>
-                  </a:schemeClr>
-                </a:solidFill>
-                <a:effectLst/>
-                <a:latin typeface="Times New Roman" panose="02020603050405020304" pitchFamily="18" charset="0"/>
-                <a:ea typeface="SimSun" panose="02010600030101010101" pitchFamily="2" charset="-122"/>
-              </a:rPr>
-              <a:t>Kansas State University</a:t>
-            </a:r>
-          </a:p>
-          <a:p>
-            <a:pPr marL="0" marR="0" algn="l">
-              <a:lnSpc>
-                <a:spcPct val="90000"/>
-              </a:lnSpc>
-              <a:spcBef>
-                <a:spcPts val="0"/>
-              </a:spcBef>
-              <a:spcAft>
-                <a:spcPts val="0"/>
-              </a:spcAft>
-            </a:pPr>
-            <a:r>
-              <a:rPr lang="en-US" sz="1300" dirty="0">
-                <a:solidFill>
-                  <a:schemeClr val="tx1">
-                    <a:lumMod val="65000"/>
-                    <a:lumOff val="35000"/>
-                  </a:schemeClr>
-                </a:solidFill>
-                <a:effectLst/>
-                <a:latin typeface="Times New Roman" panose="02020603050405020304" pitchFamily="18" charset="0"/>
-                <a:ea typeface="SimSun" panose="02010600030101010101" pitchFamily="2" charset="-122"/>
-              </a:rPr>
-              <a:t>jachapman@ksu.edu</a:t>
-            </a:r>
-          </a:p>
-          <a:p>
-            <a:pPr algn="l">
-              <a:lnSpc>
-                <a:spcPct val="90000"/>
-              </a:lnSpc>
-            </a:pPr>
-            <a:endParaRPr lang="en-US" sz="1300" dirty="0"/>
-          </a:p>
-        </p:txBody>
-      </p:sp>
-      <p:sp>
-        <p:nvSpPr>
-          <p:cNvPr id="12" name="Rectangle 11">
-            <a:extLst>
-              <a:ext uri="{FF2B5EF4-FFF2-40B4-BE49-F238E27FC236}">
-                <a16:creationId xmlns:a16="http://schemas.microsoft.com/office/drawing/2014/main" id="{C4C9F2B0-1044-46EB-8AEB-C3BFFDE6C2CC}"/>
-              </a:ext>
-              <a:ext uri="{C183D7F6-B498-43B3-948B-1728B52AA6E4}">
-                <adec:decorative xmlns:adec="http://schemas.microsoft.com/office/drawing/2017/decorative" val="1"/>
-              </a:ext>
-            </a:extLst>
-          </p:cNvPr>
-          <p:cNvSpPr>
-            <a:spLocks noGrp="1" noRot="1" noChangeAspect="1" noMove="1" noResize="1" noEditPoints="1" noAdjustHandles="1" noChangeArrowheads="1" noChangeShapeType="1" noTextEdit="1"/>
-          </p:cNvSpPr>
-          <p:nvPr>
-            <p:extLst>
-              <p:ext uri="{386F3935-93C4-4BCD-93E2-E3B085C9AB24}">
-                <p16:designElem xmlns:p16="http://schemas.microsoft.com/office/powerpoint/2015/main" val="1"/>
-              </p:ext>
-            </p:extLst>
-          </p:nvPr>
-        </p:nvSpPr>
-        <p:spPr>
-          <a:xfrm flipH="1">
-            <a:off x="6092502" y="-2"/>
-            <a:ext cx="3051498" cy="5143499"/>
-          </a:xfrm>
-          <a:prstGeom prst="rect">
-            <a:avLst/>
-          </a:prstGeom>
-          <a:gradFill>
-            <a:gsLst>
-              <a:gs pos="26000">
-                <a:srgbClr val="000000"/>
-              </a:gs>
-              <a:gs pos="100000">
-                <a:schemeClr val="accent1"/>
-              </a:gs>
-            </a:gsLst>
-            <a:lin ang="9000000" scaled="0"/>
-          </a:gradFill>
-          <a:ln>
-            <a:noFill/>
-          </a:ln>
-        </p:spPr>
-        <p:style>
-          <a:lnRef idx="2">
-            <a:schemeClr val="accent1">
-              <a:shade val="50000"/>
-            </a:schemeClr>
-          </a:lnRef>
-          <a:fillRef idx="1">
-            <a:schemeClr val="accent1"/>
-          </a:fillRef>
-          <a:effectRef idx="0">
-            <a:schemeClr val="accent1"/>
-          </a:effectRef>
-          <a:fontRef idx="minor">
-            <a:schemeClr val="lt1"/>
-          </a:fontRef>
-        </p:style>
-        <p:txBody>
-          <a:bodyPr rtlCol="0" anchor="ctr"/>
-          <a:lstStyle/>
-          <a:p>
-            <a:pPr marL="0" marR="0" lvl="0" indent="0" algn="ctr" defTabSz="457200" rtl="0" eaLnBrk="1" fontAlgn="base" latinLnBrk="0" hangingPunct="1">
-              <a:lnSpc>
-                <a:spcPct val="100000"/>
-              </a:lnSpc>
-              <a:spcBef>
-                <a:spcPct val="0"/>
-              </a:spcBef>
-              <a:spcAft>
-                <a:spcPct val="0"/>
-              </a:spcAft>
-              <a:buClrTx/>
-              <a:buSzTx/>
-              <a:buFontTx/>
-              <a:buNone/>
-              <a:tabLst/>
-              <a:defRPr/>
-            </a:pPr>
-            <a:endParaRPr kumimoji="0" lang="en-US" sz="1800" b="0" i="0" u="none" strike="noStrike" kern="1200" cap="none" spc="0" normalizeH="0" baseline="0" noProof="0" dirty="0">
-              <a:ln>
-                <a:noFill/>
-              </a:ln>
-              <a:solidFill>
-                <a:prstClr val="white"/>
-              </a:solidFill>
-              <a:effectLst/>
-              <a:uLnTx/>
-              <a:uFillTx/>
-              <a:latin typeface="Calibri"/>
-              <a:ea typeface="+mn-ea"/>
-              <a:cs typeface="+mn-cs"/>
-            </a:endParaRPr>
-          </a:p>
-        </p:txBody>
-      </p:sp>
-      <p:sp>
-        <p:nvSpPr>
-          <p:cNvPr id="14" name="Rectangle 13">
-            <a:extLst>
-              <a:ext uri="{FF2B5EF4-FFF2-40B4-BE49-F238E27FC236}">
-                <a16:creationId xmlns:a16="http://schemas.microsoft.com/office/drawing/2014/main" id="{D28B54C3-B57B-472A-B96E-1FCB67093DC2}"/>
-              </a:ext>
-              <a:ext uri="{C183D7F6-B498-43B3-948B-1728B52AA6E4}">
-                <adec:decorative xmlns:adec="http://schemas.microsoft.com/office/drawing/2017/decorative" val="1"/>
-              </a:ext>
-            </a:extLst>
-          </p:cNvPr>
-          <p:cNvSpPr>
-            <a:spLocks noGrp="1" noRot="1" noChangeAspect="1" noMove="1" noResize="1" noEditPoints="1" noAdjustHandles="1" noChangeArrowheads="1" noChangeShapeType="1" noTextEdit="1"/>
-          </p:cNvSpPr>
-          <p:nvPr>
-            <p:extLst>
-              <p:ext uri="{386F3935-93C4-4BCD-93E2-E3B085C9AB24}">
-                <p16:designElem xmlns:p16="http://schemas.microsoft.com/office/powerpoint/2015/main" val="1"/>
-              </p:ext>
-            </p:extLst>
-          </p:nvPr>
-        </p:nvSpPr>
-        <p:spPr>
-          <a:xfrm flipH="1">
-            <a:off x="6092502" y="-2"/>
-            <a:ext cx="2708597" cy="5143499"/>
-          </a:xfrm>
-          <a:prstGeom prst="rect">
-            <a:avLst/>
-          </a:prstGeom>
-          <a:gradFill>
-            <a:gsLst>
-              <a:gs pos="0">
-                <a:schemeClr val="accent1">
-                  <a:lumMod val="75000"/>
-                  <a:alpha val="56000"/>
-                </a:schemeClr>
-              </a:gs>
-              <a:gs pos="100000">
-                <a:srgbClr val="000000">
-                  <a:alpha val="52000"/>
-                </a:srgbClr>
-              </a:gs>
-            </a:gsLst>
-            <a:lin ang="5400000" scaled="0"/>
-          </a:gradFill>
-          <a:ln>
-            <a:noFill/>
-          </a:ln>
-        </p:spPr>
-        <p:style>
-          <a:lnRef idx="2">
-            <a:schemeClr val="accent1">
-              <a:shade val="50000"/>
-            </a:schemeClr>
-          </a:lnRef>
-          <a:fillRef idx="1">
-            <a:schemeClr val="accent1"/>
-          </a:fillRef>
-          <a:effectRef idx="0">
-            <a:schemeClr val="accent1"/>
-          </a:effectRef>
-          <a:fontRef idx="minor">
-            <a:schemeClr val="lt1"/>
-          </a:fontRef>
-        </p:style>
-        <p:txBody>
-          <a:bodyPr rtlCol="0" anchor="ctr"/>
-          <a:lstStyle/>
-          <a:p>
-            <a:pPr marL="0" marR="0" lvl="0" indent="0" algn="ctr" defTabSz="457200" rtl="0" eaLnBrk="1" fontAlgn="base" latinLnBrk="0" hangingPunct="1">
-              <a:lnSpc>
-                <a:spcPct val="100000"/>
-              </a:lnSpc>
-              <a:spcBef>
-                <a:spcPct val="0"/>
-              </a:spcBef>
-              <a:spcAft>
-                <a:spcPct val="0"/>
-              </a:spcAft>
-              <a:buClrTx/>
-              <a:buSzTx/>
-              <a:buFontTx/>
-              <a:buNone/>
-              <a:tabLst/>
-              <a:defRPr/>
-            </a:pPr>
-            <a:endParaRPr kumimoji="0" lang="en-US" sz="1800" b="0" i="0" u="none" strike="noStrike" kern="1200" cap="none" spc="0" normalizeH="0" baseline="0" noProof="0" dirty="0">
-              <a:ln>
-                <a:noFill/>
-              </a:ln>
-              <a:solidFill>
-                <a:prstClr val="white"/>
-              </a:solidFill>
-              <a:effectLst/>
-              <a:uLnTx/>
-              <a:uFillTx/>
-              <a:latin typeface="Calibri"/>
-              <a:ea typeface="+mn-ea"/>
-              <a:cs typeface="+mn-cs"/>
-            </a:endParaRPr>
-          </a:p>
-        </p:txBody>
-      </p:sp>
-      <p:sp>
-        <p:nvSpPr>
-          <p:cNvPr id="16" name="Rectangle 15">
-            <a:extLst>
-              <a:ext uri="{FF2B5EF4-FFF2-40B4-BE49-F238E27FC236}">
-                <a16:creationId xmlns:a16="http://schemas.microsoft.com/office/drawing/2014/main" id="{7DB3C429-F8DA-49B9-AF84-21996FCF78B5}"/>
-              </a:ext>
-              <a:ext uri="{C183D7F6-B498-43B3-948B-1728B52AA6E4}">
-                <adec:decorative xmlns:adec="http://schemas.microsoft.com/office/drawing/2017/decorative" val="1"/>
-              </a:ext>
-            </a:extLst>
-          </p:cNvPr>
-          <p:cNvSpPr>
-            <a:spLocks noGrp="1" noRot="1" noChangeAspect="1" noMove="1" noResize="1" noEditPoints="1" noAdjustHandles="1" noChangeArrowheads="1" noChangeShapeType="1" noTextEdit="1"/>
-          </p:cNvSpPr>
-          <p:nvPr>
-            <p:extLst>
-              <p:ext uri="{386F3935-93C4-4BCD-93E2-E3B085C9AB24}">
-                <p16:designElem xmlns:p16="http://schemas.microsoft.com/office/powerpoint/2015/main" val="1"/>
-              </p:ext>
-            </p:extLst>
-          </p:nvPr>
-        </p:nvSpPr>
-        <p:spPr>
-          <a:xfrm rot="5400000">
-            <a:off x="6173041" y="-80543"/>
-            <a:ext cx="2890418" cy="3051499"/>
-          </a:xfrm>
-          <a:prstGeom prst="rect">
-            <a:avLst/>
-          </a:prstGeom>
-          <a:gradFill>
-            <a:gsLst>
-              <a:gs pos="0">
-                <a:srgbClr val="000000">
-                  <a:alpha val="34000"/>
-                </a:srgbClr>
-              </a:gs>
-              <a:gs pos="96000">
-                <a:schemeClr val="accent1">
-                  <a:alpha val="0"/>
-                </a:schemeClr>
-              </a:gs>
-            </a:gsLst>
-            <a:lin ang="8400000" scaled="0"/>
-          </a:gradFill>
-          <a:ln>
-            <a:noFill/>
-          </a:ln>
-        </p:spPr>
-        <p:style>
-          <a:lnRef idx="2">
-            <a:schemeClr val="accent1">
-              <a:shade val="50000"/>
-            </a:schemeClr>
-          </a:lnRef>
-          <a:fillRef idx="1">
-            <a:schemeClr val="accent1"/>
-          </a:fillRef>
-          <a:effectRef idx="0">
-            <a:schemeClr val="accent1"/>
-          </a:effectRef>
-          <a:fontRef idx="minor">
-            <a:schemeClr val="lt1"/>
-          </a:fontRef>
-        </p:style>
-        <p:txBody>
-          <a:bodyPr rtlCol="0" anchor="ctr"/>
-          <a:lstStyle/>
-          <a:p>
-            <a:pPr marL="0" marR="0" lvl="0" indent="0" algn="ctr" defTabSz="457200" rtl="0" eaLnBrk="1" fontAlgn="base" latinLnBrk="0" hangingPunct="1">
-              <a:lnSpc>
-                <a:spcPct val="100000"/>
-              </a:lnSpc>
-              <a:spcBef>
-                <a:spcPct val="0"/>
-              </a:spcBef>
-              <a:spcAft>
-                <a:spcPct val="0"/>
-              </a:spcAft>
-              <a:buClrTx/>
-              <a:buSzTx/>
-              <a:buFontTx/>
-              <a:buNone/>
-              <a:tabLst/>
-              <a:defRPr/>
-            </a:pPr>
-            <a:endParaRPr kumimoji="0" lang="en-US" sz="1800" b="0" i="0" u="none" strike="noStrike" kern="1200" cap="none" spc="0" normalizeH="0" baseline="0" noProof="0">
-              <a:ln>
-                <a:noFill/>
-              </a:ln>
-              <a:solidFill>
-                <a:prstClr val="white"/>
-              </a:solidFill>
-              <a:effectLst/>
-              <a:uLnTx/>
-              <a:uFillTx/>
-              <a:latin typeface="Calibri"/>
-              <a:ea typeface="+mn-ea"/>
-              <a:cs typeface="+mn-cs"/>
-            </a:endParaRPr>
-          </a:p>
-        </p:txBody>
-      </p:sp>
-      <p:pic>
-        <p:nvPicPr>
-          <p:cNvPr id="5" name="Picture 4" descr="A picture containing text&#10;&#10;Description automatically generated">
-            <a:extLst>
-              <a:ext uri="{FF2B5EF4-FFF2-40B4-BE49-F238E27FC236}">
-                <a16:creationId xmlns:a16="http://schemas.microsoft.com/office/drawing/2014/main" id="{71DC2494-BBE0-1D67-6EDF-4183484405B0}"/>
-              </a:ext>
-            </a:extLst>
-          </p:cNvPr>
-          <p:cNvPicPr>
-            <a:picLocks noChangeAspect="1"/>
-          </p:cNvPicPr>
-          <p:nvPr/>
-        </p:nvPicPr>
-        <p:blipFill rotWithShape="1">
-          <a:blip r:embed="rId2"/>
-          <a:srcRect r="2" b="2"/>
-          <a:stretch/>
-        </p:blipFill>
-        <p:spPr>
-          <a:xfrm>
-            <a:off x="4899636" y="759402"/>
-            <a:ext cx="3567121" cy="3567121"/>
-          </a:xfrm>
-          <a:custGeom>
-            <a:avLst/>
-            <a:gdLst/>
-            <a:ahLst/>
-            <a:cxnLst/>
-            <a:rect l="l" t="t" r="r" b="b"/>
-            <a:pathLst>
-              <a:path w="5031136" h="5031136">
-                <a:moveTo>
-                  <a:pt x="2515568" y="0"/>
-                </a:moveTo>
-                <a:cubicBezTo>
-                  <a:pt x="3904878" y="0"/>
-                  <a:pt x="5031136" y="1126258"/>
-                  <a:pt x="5031136" y="2515568"/>
-                </a:cubicBezTo>
-                <a:cubicBezTo>
-                  <a:pt x="5031136" y="3904878"/>
-                  <a:pt x="3904878" y="5031136"/>
-                  <a:pt x="2515568" y="5031136"/>
-                </a:cubicBezTo>
-                <a:cubicBezTo>
-                  <a:pt x="1126258" y="5031136"/>
-                  <a:pt x="0" y="3904878"/>
-                  <a:pt x="0" y="2515568"/>
-                </a:cubicBezTo>
-                <a:cubicBezTo>
-                  <a:pt x="0" y="1126258"/>
-                  <a:pt x="1126258" y="0"/>
-                  <a:pt x="2515568" y="0"/>
-                </a:cubicBezTo>
-                <a:close/>
-              </a:path>
-            </a:pathLst>
-          </a:custGeom>
-        </p:spPr>
-      </p:pic>
-    </p:spTree>
-    <p:extLst>
-      <p:ext uri="{BB962C8B-B14F-4D97-AF65-F5344CB8AC3E}">
-        <p14:creationId xmlns:p14="http://schemas.microsoft.com/office/powerpoint/2010/main" val="2701187223"/>
-      </p:ext>
-    </p:extLst>
-  </p:cSld>
-  <p:clrMapOvr>
-    <a:masterClrMapping/>
-  </p:clrMapOvr>
-</p:sld>
-</file>
-
-<file path=ppt/slides/slide3.xml><?xml version="1.0" encoding="utf-8"?>
-<p:sld xmlns:a="http://schemas.openxmlformats.org/drawingml/2006/main" xmlns:r="http://schemas.openxmlformats.org/officeDocument/2006/relationships" xmlns:p="http://schemas.openxmlformats.org/presentationml/2006/main">
-  <p:cSld>
-    <p:spTree>
-      <p:nvGrpSpPr>
-        <p:cNvPr id="1" name=""/>
-        <p:cNvGrpSpPr/>
-        <p:nvPr/>
-      </p:nvGrpSpPr>
-      <p:grpSpPr>
-        <a:xfrm>
-          <a:off x="0" y="0"/>
-          <a:ext cx="0" cy="0"/>
-          <a:chOff x="0" y="0"/>
-          <a:chExt cx="0" cy="0"/>
-        </a:xfrm>
-      </p:grpSpPr>
       <p:sp>
         <p:nvSpPr>
           <p:cNvPr id="2" name="Title 1">
@@ -12823,7 +12140,7 @@
         </p:nvSpPr>
         <p:spPr bwMode="auto">
           <a:xfrm>
-            <a:off x="1462264" y="902886"/>
+            <a:off x="1462264" y="1174923"/>
             <a:ext cx="7564692" cy="3833656"/>
           </a:xfrm>
           <a:prstGeom prst="rect">
@@ -13041,11 +12358,21 @@
                 <a:uLnTx/>
                 <a:uFillTx/>
                 <a:latin typeface="Calibri"/>
-                <a:ea typeface="ＭＳ Ｐゴシック" charset="0"/>
+                <a:ea typeface="SimSun" panose="02010600030101010101" pitchFamily="2" charset="-122"/>
               </a:rPr>
-              <a:t>Background - Reinforcement Learning</a:t>
-            </a:r>
-            <a:endParaRPr kumimoji="0" lang="en-US" sz="2000" b="0" i="0" u="none" strike="noStrike" kern="1200" cap="none" spc="0" normalizeH="0" baseline="0" noProof="0" dirty="0">
+              <a:t>Int</a:t>
+            </a:r>
+            <a:r>
+              <a:rPr lang="en-US" sz="2400" dirty="0" err="1">
+                <a:solidFill>
+                  <a:prstClr val="black"/>
+                </a:solidFill>
+                <a:latin typeface="Calibri"/>
+                <a:ea typeface="SimSun" panose="02010600030101010101" pitchFamily="2" charset="-122"/>
+              </a:rPr>
+              <a:t>roduction</a:t>
+            </a:r>
+            <a:endParaRPr kumimoji="0" lang="en-US" sz="2400" b="0" i="0" u="none" strike="noStrike" kern="1200" cap="none" spc="0" normalizeH="0" baseline="0" noProof="0" dirty="0">
               <a:ln>
                 <a:noFill/>
               </a:ln>
@@ -13056,7 +12383,7 @@
               <a:uLnTx/>
               <a:uFillTx/>
               <a:latin typeface="Calibri"/>
-              <a:ea typeface="ＭＳ Ｐゴシック" charset="0"/>
+              <a:ea typeface="SimSun" panose="02010600030101010101" pitchFamily="2" charset="-122"/>
             </a:endParaRPr>
           </a:p>
           <a:p>
@@ -13089,9 +12416,9 @@
                 <a:uLnTx/>
                 <a:uFillTx/>
                 <a:latin typeface="Calibri"/>
-                <a:ea typeface="SimSun" panose="02010600030101010101" pitchFamily="2" charset="-122"/>
+                <a:ea typeface="ＭＳ Ｐゴシック" charset="0"/>
               </a:rPr>
-              <a:t>Deep Reinforcement Learning</a:t>
+              <a:t>Demonstration</a:t>
             </a:r>
           </a:p>
           <a:p>
@@ -13126,79 +12453,308 @@
                 <a:latin typeface="Calibri"/>
                 <a:ea typeface="ＭＳ Ｐゴシック" charset="0"/>
               </a:rPr>
-              <a:t>Experiment Design</a:t>
-            </a:r>
-          </a:p>
-          <a:p>
-            <a:pPr marL="742950" marR="0" lvl="1" indent="-285750" algn="l" defTabSz="457200" rtl="0" eaLnBrk="0" fontAlgn="base" latinLnBrk="0" hangingPunct="0">
-              <a:lnSpc>
-                <a:spcPct val="100000"/>
-              </a:lnSpc>
+              <a:t>Discussion</a:t>
+            </a:r>
+          </a:p>
+        </p:txBody>
+      </p:sp>
+    </p:spTree>
+    <p:extLst>
+      <p:ext uri="{BB962C8B-B14F-4D97-AF65-F5344CB8AC3E}">
+        <p14:creationId xmlns:p14="http://schemas.microsoft.com/office/powerpoint/2010/main" val="1354919598"/>
+      </p:ext>
+    </p:extLst>
+  </p:cSld>
+  <p:clrMapOvr>
+    <a:masterClrMapping/>
+  </p:clrMapOvr>
+</p:sld>
+</file>
+
+<file path=ppt/slides/slide3.xml><?xml version="1.0" encoding="utf-8"?>
+<p:sld xmlns:a="http://schemas.openxmlformats.org/drawingml/2006/main" xmlns:r="http://schemas.openxmlformats.org/officeDocument/2006/relationships" xmlns:p="http://schemas.openxmlformats.org/presentationml/2006/main">
+  <p:cSld>
+    <p:spTree>
+      <p:nvGrpSpPr>
+        <p:cNvPr id="1" name=""/>
+        <p:cNvGrpSpPr/>
+        <p:nvPr/>
+      </p:nvGrpSpPr>
+      <p:grpSpPr>
+        <a:xfrm>
+          <a:off x="0" y="0"/>
+          <a:ext cx="0" cy="0"/>
+          <a:chOff x="0" y="0"/>
+          <a:chExt cx="0" cy="0"/>
+        </a:xfrm>
+      </p:grpSpPr>
+      <p:sp>
+        <p:nvSpPr>
+          <p:cNvPr id="2" name="Title 1">
+            <a:extLst>
+              <a:ext uri="{FF2B5EF4-FFF2-40B4-BE49-F238E27FC236}">
+                <a16:creationId xmlns:a16="http://schemas.microsoft.com/office/drawing/2014/main" id="{4FE73518-5A99-D847-A5A0-523710899DB7}"/>
+              </a:ext>
+            </a:extLst>
+          </p:cNvPr>
+          <p:cNvSpPr>
+            <a:spLocks noGrp="1"/>
+          </p:cNvSpPr>
+          <p:nvPr>
+            <p:ph type="title"/>
+          </p:nvPr>
+        </p:nvSpPr>
+        <p:spPr>
+          <a:xfrm>
+            <a:off x="1208792" y="45720"/>
+            <a:ext cx="8229600" cy="457200"/>
+          </a:xfrm>
+        </p:spPr>
+        <p:txBody>
+          <a:bodyPr/>
+          <a:lstStyle/>
+          <a:p>
+            <a:r>
+              <a:rPr lang="en-US" sz="3200" dirty="0"/>
+              <a:t>National Football League (NFL)</a:t>
+            </a:r>
+            <a:endParaRPr lang="en-US" sz="2800" dirty="0"/>
+          </a:p>
+        </p:txBody>
+      </p:sp>
+      <p:pic>
+        <p:nvPicPr>
+          <p:cNvPr id="11" name="Content Placeholder 10" descr="A group of football players running with the ball&#10;&#10;Description automatically generated">
+            <a:extLst>
+              <a:ext uri="{FF2B5EF4-FFF2-40B4-BE49-F238E27FC236}">
+                <a16:creationId xmlns:a16="http://schemas.microsoft.com/office/drawing/2014/main" id="{ADEC8ADF-E235-F239-6B70-6F62C52A876F}"/>
+              </a:ext>
+            </a:extLst>
+          </p:cNvPr>
+          <p:cNvPicPr>
+            <a:picLocks noGrp="1" noChangeAspect="1"/>
+          </p:cNvPicPr>
+          <p:nvPr>
+            <p:ph idx="1"/>
+          </p:nvPr>
+        </p:nvPicPr>
+        <p:blipFill>
+          <a:blip r:embed="rId2"/>
+          <a:stretch>
+            <a:fillRect/>
+          </a:stretch>
+        </p:blipFill>
+        <p:spPr>
+          <a:xfrm>
+            <a:off x="5271553" y="1968614"/>
+            <a:ext cx="3810000" cy="2438400"/>
+          </a:xfrm>
+        </p:spPr>
+      </p:pic>
+      <p:sp>
+        <p:nvSpPr>
+          <p:cNvPr id="12" name="Content Placeholder 2">
+            <a:extLst>
+              <a:ext uri="{FF2B5EF4-FFF2-40B4-BE49-F238E27FC236}">
+                <a16:creationId xmlns:a16="http://schemas.microsoft.com/office/drawing/2014/main" id="{633ABBDC-20CB-39E0-23C2-5847B689BC56}"/>
+              </a:ext>
+            </a:extLst>
+          </p:cNvPr>
+          <p:cNvSpPr txBox="1">
+            <a:spLocks/>
+          </p:cNvSpPr>
+          <p:nvPr/>
+        </p:nvSpPr>
+        <p:spPr bwMode="auto">
+          <a:xfrm>
+            <a:off x="581335" y="753483"/>
+            <a:ext cx="3810000" cy="3833656"/>
+          </a:xfrm>
+          <a:prstGeom prst="rect">
+            <a:avLst/>
+          </a:prstGeom>
+          <a:noFill/>
+          <a:ln>
+            <a:noFill/>
+          </a:ln>
+          <a:extLst>
+            <a:ext uri="{909E8E84-426E-40DD-AFC4-6F175D3DCCD1}">
+              <a14:hiddenFill xmlns:a14="http://schemas.microsoft.com/office/drawing/2010/main">
+                <a:solidFill>
+                  <a:srgbClr val="FFFFFF"/>
+                </a:solidFill>
+              </a14:hiddenFill>
+            </a:ext>
+            <a:ext uri="{91240B29-F687-4F45-9708-019B960494DF}">
+              <a14:hiddenLine xmlns:a14="http://schemas.microsoft.com/office/drawing/2010/main" w="9525">
+                <a:solidFill>
+                  <a:srgbClr val="000000"/>
+                </a:solidFill>
+                <a:miter lim="800000"/>
+                <a:headEnd/>
+                <a:tailEnd/>
+              </a14:hiddenLine>
+            </a:ext>
+          </a:extLst>
+        </p:spPr>
+        <p:txBody>
+          <a:bodyPr vert="horz" wrap="square" lIns="91440" tIns="45720" rIns="91440" bIns="45720" numCol="1" anchor="t" anchorCtr="0" compatLnSpc="1">
+            <a:prstTxWarp prst="textNoShape">
+              <a:avLst/>
+            </a:prstTxWarp>
+          </a:bodyPr>
+          <a:lstStyle>
+            <a:lvl1pPr marL="342900" indent="-342900" algn="l" defTabSz="457200" rtl="0" eaLnBrk="0" fontAlgn="base" hangingPunct="0">
               <a:spcBef>
                 <a:spcPct val="20000"/>
               </a:spcBef>
               <a:spcAft>
                 <a:spcPct val="0"/>
               </a:spcAft>
-              <a:buClrTx/>
-              <a:buSzTx/>
               <a:buFont typeface="Arial" panose="020B0604020202020204" pitchFamily="34" charset="0"/>
-              <a:buChar char="–"/>
-              <a:tabLst/>
-              <a:defRPr/>
-            </a:pPr>
-            <a:r>
-              <a:rPr kumimoji="0" lang="en-US" sz="1800" b="0" i="0" u="none" strike="noStrike" kern="1200" cap="none" spc="0" normalizeH="0" baseline="0" noProof="0" dirty="0">
-                <a:ln>
-                  <a:noFill/>
-                </a:ln>
+              <a:buChar char="•"/>
+              <a:defRPr sz="3200" kern="1200">
                 <a:solidFill>
-                  <a:prstClr val="black"/>
+                  <a:schemeClr val="tx1"/>
                 </a:solidFill>
-                <a:effectLst/>
-                <a:uLnTx/>
-                <a:uFillTx/>
-                <a:latin typeface="Calibri"/>
+                <a:latin typeface="+mj-lt"/>
                 <a:ea typeface="ＭＳ Ｐゴシック" charset="0"/>
-              </a:rPr>
-              <a:t>Gymnasium</a:t>
-            </a:r>
-          </a:p>
-          <a:p>
-            <a:pPr marL="742950" marR="0" lvl="1" indent="-285750" algn="l" defTabSz="457200" rtl="0" eaLnBrk="0" fontAlgn="base" latinLnBrk="0" hangingPunct="0">
-              <a:lnSpc>
-                <a:spcPct val="100000"/>
-              </a:lnSpc>
+                <a:cs typeface="Lucida Sans"/>
+              </a:defRPr>
+            </a:lvl1pPr>
+            <a:lvl2pPr marL="742950" indent="-285750" algn="l" defTabSz="457200" rtl="0" eaLnBrk="0" fontAlgn="base" hangingPunct="0">
               <a:spcBef>
                 <a:spcPct val="20000"/>
               </a:spcBef>
               <a:spcAft>
                 <a:spcPct val="0"/>
               </a:spcAft>
-              <a:buClrTx/>
-              <a:buSzTx/>
               <a:buFont typeface="Arial" panose="020B0604020202020204" pitchFamily="34" charset="0"/>
               <a:buChar char="–"/>
-              <a:tabLst/>
-              <a:defRPr/>
-            </a:pPr>
-            <a:r>
-              <a:rPr kumimoji="0" lang="en-US" sz="1800" b="0" i="0" u="none" strike="noStrike" kern="1200" cap="none" spc="0" normalizeH="0" baseline="0" noProof="0" dirty="0">
-                <a:ln>
-                  <a:noFill/>
-                </a:ln>
+              <a:defRPr sz="2800" kern="1200">
                 <a:solidFill>
-                  <a:prstClr val="black"/>
+                  <a:schemeClr val="tx1"/>
                 </a:solidFill>
-                <a:effectLst/>
-                <a:uLnTx/>
-                <a:uFillTx/>
-                <a:latin typeface="Calibri"/>
+                <a:latin typeface="+mj-lt"/>
                 <a:ea typeface="ＭＳ Ｐゴシック" charset="0"/>
-              </a:rPr>
-              <a:t>Training - Pong &amp; Breakout</a:t>
-            </a:r>
-          </a:p>
+                <a:cs typeface="Lucida Sans"/>
+              </a:defRPr>
+            </a:lvl2pPr>
+            <a:lvl3pPr marL="1143000" indent="-228600" algn="l" defTabSz="457200" rtl="0" eaLnBrk="0" fontAlgn="base" hangingPunct="0">
+              <a:spcBef>
+                <a:spcPct val="20000"/>
+              </a:spcBef>
+              <a:spcAft>
+                <a:spcPct val="0"/>
+              </a:spcAft>
+              <a:buFont typeface="Arial" panose="020B0604020202020204" pitchFamily="34" charset="0"/>
+              <a:buChar char="•"/>
+              <a:defRPr sz="2400" kern="1200">
+                <a:solidFill>
+                  <a:schemeClr val="tx1"/>
+                </a:solidFill>
+                <a:latin typeface="+mj-lt"/>
+                <a:ea typeface="ＭＳ Ｐゴシック" charset="0"/>
+                <a:cs typeface="Lucida Sans"/>
+              </a:defRPr>
+            </a:lvl3pPr>
+            <a:lvl4pPr marL="1600200" indent="-228600" algn="l" defTabSz="457200" rtl="0" eaLnBrk="0" fontAlgn="base" hangingPunct="0">
+              <a:spcBef>
+                <a:spcPct val="20000"/>
+              </a:spcBef>
+              <a:spcAft>
+                <a:spcPct val="0"/>
+              </a:spcAft>
+              <a:buFont typeface="Arial" panose="020B0604020202020204" pitchFamily="34" charset="0"/>
+              <a:buChar char="–"/>
+              <a:defRPr sz="2000" kern="1200">
+                <a:solidFill>
+                  <a:schemeClr val="tx1"/>
+                </a:solidFill>
+                <a:latin typeface="+mj-lt"/>
+                <a:ea typeface="ＭＳ Ｐゴシック" charset="0"/>
+                <a:cs typeface="Lucida Sans"/>
+              </a:defRPr>
+            </a:lvl4pPr>
+            <a:lvl5pPr marL="2057400" indent="-228600" algn="l" defTabSz="457200" rtl="0" eaLnBrk="0" fontAlgn="base" hangingPunct="0">
+              <a:spcBef>
+                <a:spcPct val="20000"/>
+              </a:spcBef>
+              <a:spcAft>
+                <a:spcPct val="0"/>
+              </a:spcAft>
+              <a:buFont typeface="Arial" panose="020B0604020202020204" pitchFamily="34" charset="0"/>
+              <a:buChar char="»"/>
+              <a:defRPr sz="2000" kern="1200">
+                <a:solidFill>
+                  <a:schemeClr val="tx1"/>
+                </a:solidFill>
+                <a:latin typeface="+mj-lt"/>
+                <a:ea typeface="ＭＳ Ｐゴシック" charset="0"/>
+                <a:cs typeface="Lucida Sans"/>
+              </a:defRPr>
+            </a:lvl5pPr>
+            <a:lvl6pPr marL="2514600" indent="-228600" algn="l" defTabSz="457200" rtl="0" eaLnBrk="1" latinLnBrk="0" hangingPunct="1">
+              <a:spcBef>
+                <a:spcPct val="20000"/>
+              </a:spcBef>
+              <a:buFont typeface="Arial"/>
+              <a:buChar char="•"/>
+              <a:defRPr sz="2000" kern="1200">
+                <a:solidFill>
+                  <a:schemeClr val="tx1"/>
+                </a:solidFill>
+                <a:latin typeface="+mn-lt"/>
+                <a:ea typeface="+mn-ea"/>
+                <a:cs typeface="+mn-cs"/>
+              </a:defRPr>
+            </a:lvl6pPr>
+            <a:lvl7pPr marL="2971800" indent="-228600" algn="l" defTabSz="457200" rtl="0" eaLnBrk="1" latinLnBrk="0" hangingPunct="1">
+              <a:spcBef>
+                <a:spcPct val="20000"/>
+              </a:spcBef>
+              <a:buFont typeface="Arial"/>
+              <a:buChar char="•"/>
+              <a:defRPr sz="2000" kern="1200">
+                <a:solidFill>
+                  <a:schemeClr val="tx1"/>
+                </a:solidFill>
+                <a:latin typeface="+mn-lt"/>
+                <a:ea typeface="+mn-ea"/>
+                <a:cs typeface="+mn-cs"/>
+              </a:defRPr>
+            </a:lvl7pPr>
+            <a:lvl8pPr marL="3429000" indent="-228600" algn="l" defTabSz="457200" rtl="0" eaLnBrk="1" latinLnBrk="0" hangingPunct="1">
+              <a:spcBef>
+                <a:spcPct val="20000"/>
+              </a:spcBef>
+              <a:buFont typeface="Arial"/>
+              <a:buChar char="•"/>
+              <a:defRPr sz="2000" kern="1200">
+                <a:solidFill>
+                  <a:schemeClr val="tx1"/>
+                </a:solidFill>
+                <a:latin typeface="+mn-lt"/>
+                <a:ea typeface="+mn-ea"/>
+                <a:cs typeface="+mn-cs"/>
+              </a:defRPr>
+            </a:lvl8pPr>
+            <a:lvl9pPr marL="3886200" indent="-228600" algn="l" defTabSz="457200" rtl="0" eaLnBrk="1" latinLnBrk="0" hangingPunct="1">
+              <a:spcBef>
+                <a:spcPct val="20000"/>
+              </a:spcBef>
+              <a:buFont typeface="Arial"/>
+              <a:buChar char="•"/>
+              <a:defRPr sz="2000" kern="1200">
+                <a:solidFill>
+                  <a:schemeClr val="tx1"/>
+                </a:solidFill>
+                <a:latin typeface="+mn-lt"/>
+                <a:ea typeface="+mn-ea"/>
+                <a:cs typeface="+mn-cs"/>
+              </a:defRPr>
+            </a:lvl9pPr>
+          </a:lstStyle>
           <a:p>
             <a:pPr marL="342900" marR="0" lvl="0" indent="-342900" algn="l" defTabSz="457200" rtl="0" eaLnBrk="0" fontAlgn="base" latinLnBrk="0" hangingPunct="0">
               <a:lnSpc>
@@ -13231,8 +12787,39 @@
                 <a:latin typeface="Calibri"/>
                 <a:ea typeface="ＭＳ Ｐゴシック" charset="0"/>
               </a:rPr>
-              <a:t>Testing &amp; Evaluation  </a:t>
-            </a:r>
+              <a:t>NFL is a professional American football league</a:t>
+            </a:r>
+          </a:p>
+          <a:p>
+            <a:pPr marL="0" marR="0" lvl="0" indent="0" algn="l" defTabSz="457200" rtl="0" eaLnBrk="0" fontAlgn="base" latinLnBrk="0" hangingPunct="0">
+              <a:lnSpc>
+                <a:spcPct val="100000"/>
+              </a:lnSpc>
+              <a:spcBef>
+                <a:spcPct val="20000"/>
+              </a:spcBef>
+              <a:spcAft>
+                <a:spcPct val="0"/>
+              </a:spcAft>
+              <a:buClrTx/>
+              <a:buSzTx/>
+              <a:buNone/>
+              <a:tabLst/>
+              <a:defRPr/>
+            </a:pPr>
+            <a:endParaRPr kumimoji="0" lang="en-US" sz="2400" b="0" i="0" u="none" strike="noStrike" kern="1200" cap="none" spc="0" normalizeH="0" baseline="0" noProof="0" dirty="0">
+              <a:ln>
+                <a:noFill/>
+              </a:ln>
+              <a:solidFill>
+                <a:prstClr val="black"/>
+              </a:solidFill>
+              <a:effectLst/>
+              <a:uLnTx/>
+              <a:uFillTx/>
+              <a:latin typeface="Calibri"/>
+              <a:ea typeface="ＭＳ Ｐゴシック" charset="0"/>
+            </a:endParaRPr>
           </a:p>
           <a:p>
             <a:pPr marL="342900" marR="0" lvl="0" indent="-342900" algn="l" defTabSz="457200" rtl="0" eaLnBrk="0" fontAlgn="base" latinLnBrk="0" hangingPunct="0">
@@ -13253,21 +12840,38 @@
               <a:defRPr/>
             </a:pPr>
             <a:r>
-              <a:rPr kumimoji="0" lang="en-US" sz="2400" b="0" i="0" u="none" strike="noStrike" kern="1200" cap="none" spc="0" normalizeH="0" baseline="0" noProof="0" dirty="0">
-                <a:ln>
-                  <a:noFill/>
-                </a:ln>
+              <a:rPr lang="en-US" sz="2400" dirty="0">
                 <a:solidFill>
                   <a:prstClr val="black"/>
                 </a:solidFill>
-                <a:effectLst/>
-                <a:uLnTx/>
-                <a:uFillTx/>
                 <a:latin typeface="Calibri"/>
-                <a:ea typeface="ＭＳ Ｐゴシック" charset="0"/>
               </a:rPr>
-              <a:t>Results</a:t>
-            </a:r>
+              <a:t>32 teams compete in the NFL</a:t>
+            </a:r>
+          </a:p>
+          <a:p>
+            <a:pPr marL="0" marR="0" lvl="0" indent="0" algn="l" defTabSz="457200" rtl="0" eaLnBrk="0" fontAlgn="base" latinLnBrk="0" hangingPunct="0">
+              <a:lnSpc>
+                <a:spcPct val="100000"/>
+              </a:lnSpc>
+              <a:spcBef>
+                <a:spcPct val="20000"/>
+              </a:spcBef>
+              <a:spcAft>
+                <a:spcPct val="0"/>
+              </a:spcAft>
+              <a:buClrTx/>
+              <a:buSzTx/>
+              <a:buNone/>
+              <a:tabLst/>
+              <a:defRPr/>
+            </a:pPr>
+            <a:endParaRPr lang="en-US" sz="2400" dirty="0">
+              <a:solidFill>
+                <a:prstClr val="black"/>
+              </a:solidFill>
+              <a:latin typeface="Calibri"/>
+            </a:endParaRPr>
           </a:p>
           <a:p>
             <a:pPr marL="342900" marR="0" lvl="0" indent="-342900" algn="l" defTabSz="457200" rtl="0" eaLnBrk="0" fontAlgn="base" latinLnBrk="0" hangingPunct="0">
@@ -13288,20 +12892,95 @@
               <a:defRPr/>
             </a:pPr>
             <a:r>
-              <a:rPr kumimoji="0" lang="en-US" sz="2400" b="0" i="0" u="none" strike="noStrike" kern="1200" cap="none" spc="0" normalizeH="0" baseline="0" noProof="0" dirty="0">
-                <a:ln>
-                  <a:noFill/>
-                </a:ln>
+              <a:rPr lang="en-US" sz="2400" dirty="0">
                 <a:solidFill>
                   <a:prstClr val="black"/>
                 </a:solidFill>
-                <a:effectLst/>
-                <a:uLnTx/>
-                <a:uFillTx/>
                 <a:latin typeface="Calibri"/>
-                <a:ea typeface="ＭＳ Ｐゴシック" charset="0"/>
               </a:rPr>
-              <a:t>Discussion</a:t>
+              <a:t>Super Bowl is annual league championship game</a:t>
+            </a:r>
+            <a:endParaRPr kumimoji="0" lang="en-US" sz="2400" b="0" i="0" u="none" strike="noStrike" kern="1200" cap="none" spc="0" normalizeH="0" baseline="0" noProof="0" dirty="0">
+              <a:ln>
+                <a:noFill/>
+              </a:ln>
+              <a:solidFill>
+                <a:prstClr val="black"/>
+              </a:solidFill>
+              <a:effectLst/>
+              <a:uLnTx/>
+              <a:uFillTx/>
+              <a:latin typeface="Calibri"/>
+              <a:ea typeface="ＭＳ Ｐゴシック" charset="0"/>
+            </a:endParaRPr>
+          </a:p>
+        </p:txBody>
+      </p:sp>
+      <p:sp>
+        <p:nvSpPr>
+          <p:cNvPr id="13" name="TextBox 12">
+            <a:extLst>
+              <a:ext uri="{FF2B5EF4-FFF2-40B4-BE49-F238E27FC236}">
+                <a16:creationId xmlns:a16="http://schemas.microsoft.com/office/drawing/2014/main" id="{22D4C8A5-0886-BA1B-2EA4-8A784A4EE80C}"/>
+              </a:ext>
+            </a:extLst>
+          </p:cNvPr>
+          <p:cNvSpPr txBox="1"/>
+          <p:nvPr/>
+        </p:nvSpPr>
+        <p:spPr>
+          <a:xfrm>
+            <a:off x="6657666" y="4134079"/>
+            <a:ext cx="2243270" cy="276999"/>
+          </a:xfrm>
+          <a:prstGeom prst="rect">
+            <a:avLst/>
+          </a:prstGeom>
+          <a:noFill/>
+        </p:spPr>
+        <p:txBody>
+          <a:bodyPr wrap="square" rtlCol="0">
+            <a:spAutoFit/>
+          </a:bodyPr>
+          <a:lstStyle/>
+          <a:p>
+            <a:r>
+              <a:rPr lang="en-US" sz="1200" dirty="0"/>
+              <a:t>Flickr: Molto Torres</a:t>
+            </a:r>
+            <a:endParaRPr lang="en-US" dirty="0"/>
+          </a:p>
+        </p:txBody>
+      </p:sp>
+      <p:sp>
+        <p:nvSpPr>
+          <p:cNvPr id="14" name="Slide Number Placeholder 4">
+            <a:extLst>
+              <a:ext uri="{FF2B5EF4-FFF2-40B4-BE49-F238E27FC236}">
+                <a16:creationId xmlns:a16="http://schemas.microsoft.com/office/drawing/2014/main" id="{DA510DFA-FDC8-500C-02E5-34D0695CEEAD}"/>
+              </a:ext>
+            </a:extLst>
+          </p:cNvPr>
+          <p:cNvSpPr>
+            <a:spLocks noGrp="1"/>
+          </p:cNvSpPr>
+          <p:nvPr>
+            <p:ph type="sldNum" sz="quarter" idx="12"/>
+          </p:nvPr>
+        </p:nvSpPr>
+        <p:spPr>
+          <a:xfrm>
+            <a:off x="6553200" y="4767263"/>
+            <a:ext cx="2133600" cy="274637"/>
+          </a:xfrm>
+        </p:spPr>
+        <p:txBody>
+          <a:bodyPr/>
+          <a:lstStyle/>
+          <a:p>
+            <a:r>
+              <a:rPr lang="en-US" altLang="en-US" dirty="0"/>
+              <a:t>3</a:t>
             </a:r>
           </a:p>
         </p:txBody>
@@ -13309,7 +12988,7 @@
     </p:spTree>
     <p:extLst>
       <p:ext uri="{BB962C8B-B14F-4D97-AF65-F5344CB8AC3E}">
-        <p14:creationId xmlns:p14="http://schemas.microsoft.com/office/powerpoint/2010/main" val="1354919598"/>
+        <p14:creationId xmlns:p14="http://schemas.microsoft.com/office/powerpoint/2010/main" val="2279843783"/>
       </p:ext>
     </p:extLst>
   </p:cSld>
@@ -13352,14 +13031,23 @@
             <p:ph type="title"/>
           </p:nvPr>
         </p:nvSpPr>
-        <p:spPr/>
+        <p:spPr>
+          <a:xfrm>
+            <a:off x="2777398" y="71942"/>
+            <a:ext cx="8229600" cy="457200"/>
+          </a:xfrm>
+        </p:spPr>
         <p:txBody>
           <a:bodyPr/>
           <a:lstStyle/>
           <a:p>
             <a:r>
               <a:rPr lang="en-US" sz="3200" dirty="0"/>
-              <a:t>Background - Reinforcement Learning (1 of 4)</a:t>
+              <a:t>NFL</a:t>
+            </a:r>
+            <a:r>
+              <a:rPr lang="en-US" dirty="0"/>
+              <a:t> Sports App</a:t>
             </a:r>
             <a:endParaRPr lang="en-US" sz="2800" dirty="0"/>
           </a:p>
@@ -13367,916 +13055,340 @@
       </p:sp>
       <p:sp>
         <p:nvSpPr>
-          <p:cNvPr id="3" name="Content Placeholder 2">
+          <p:cNvPr id="12" name="Content Placeholder 2">
             <a:extLst>
               <a:ext uri="{FF2B5EF4-FFF2-40B4-BE49-F238E27FC236}">
-                <a16:creationId xmlns:a16="http://schemas.microsoft.com/office/drawing/2014/main" id="{B66FDF7A-9105-9F4F-878F-F4D602820322}"/>
+                <a16:creationId xmlns:a16="http://schemas.microsoft.com/office/drawing/2014/main" id="{633ABBDC-20CB-39E0-23C2-5847B689BC56}"/>
               </a:ext>
             </a:extLst>
           </p:cNvPr>
-          <p:cNvSpPr>
-            <a:spLocks noGrp="1"/>
-          </p:cNvSpPr>
-          <p:nvPr>
-            <p:ph idx="1"/>
-          </p:nvPr>
-        </p:nvSpPr>
-        <p:spPr>
+          <p:cNvSpPr txBox="1">
+            <a:spLocks/>
+          </p:cNvSpPr>
+          <p:nvPr/>
+        </p:nvSpPr>
+        <p:spPr bwMode="auto">
           <a:xfrm>
-            <a:off x="391319" y="971777"/>
-            <a:ext cx="7564692" cy="3833656"/>
+            <a:off x="540137" y="654922"/>
+            <a:ext cx="4284623" cy="3833656"/>
           </a:xfrm>
+          <a:prstGeom prst="rect">
+            <a:avLst/>
+          </a:prstGeom>
+          <a:noFill/>
+          <a:ln>
+            <a:noFill/>
+          </a:ln>
+          <a:extLst>
+            <a:ext uri="{909E8E84-426E-40DD-AFC4-6F175D3DCCD1}">
+              <a14:hiddenFill xmlns:a14="http://schemas.microsoft.com/office/drawing/2010/main">
+                <a:solidFill>
+                  <a:srgbClr val="FFFFFF"/>
+                </a:solidFill>
+              </a14:hiddenFill>
+            </a:ext>
+            <a:ext uri="{91240B29-F687-4F45-9708-019B960494DF}">
+              <a14:hiddenLine xmlns:a14="http://schemas.microsoft.com/office/drawing/2010/main" w="9525">
+                <a:solidFill>
+                  <a:srgbClr val="000000"/>
+                </a:solidFill>
+                <a:miter lim="800000"/>
+                <a:headEnd/>
+                <a:tailEnd/>
+              </a14:hiddenLine>
+            </a:ext>
+          </a:extLst>
         </p:spPr>
         <p:txBody>
-          <a:bodyPr/>
-          <a:lstStyle/>
-          <a:p>
-            <a:r>
-              <a:rPr lang="en-US" sz="2400" dirty="0"/>
-              <a:t>“Classic” Reinforcement Learning</a:t>
-            </a:r>
-            <a:endParaRPr lang="en-US" sz="2000" dirty="0"/>
-          </a:p>
-          <a:p>
-            <a:pPr lvl="1"/>
-            <a:r>
-              <a:rPr lang="en-US" sz="2000" dirty="0"/>
-              <a:t>Machine learning</a:t>
-            </a:r>
-          </a:p>
-          <a:p>
-            <a:pPr lvl="1"/>
-            <a:r>
-              <a:rPr lang="en-US" sz="2000" dirty="0"/>
-              <a:t>Control theory </a:t>
-            </a:r>
-          </a:p>
-          <a:p>
-            <a:pPr marL="914400" lvl="2" indent="0">
-              <a:buNone/>
-            </a:pPr>
-            <a:endParaRPr lang="en-US" sz="1600" dirty="0"/>
-          </a:p>
-          <a:p>
-            <a:r>
-              <a:rPr lang="en-US" sz="2400" dirty="0"/>
-              <a:t>Markov Decision Process</a:t>
-            </a:r>
-          </a:p>
-          <a:p>
-            <a:pPr lvl="1"/>
-            <a:r>
-              <a:rPr lang="en-US" sz="2000" dirty="0"/>
-              <a:t>Mathematical Framework for Dynamics</a:t>
-            </a:r>
-          </a:p>
-          <a:p>
-            <a:pPr lvl="1"/>
-            <a:r>
-              <a:rPr lang="en-US" sz="2000" dirty="0"/>
-              <a:t>Probabilistic state-transition</a:t>
-            </a:r>
-          </a:p>
-          <a:p>
-            <a:pPr lvl="1"/>
-            <a:r>
-              <a:rPr lang="en-US" sz="2000" dirty="0"/>
-              <a:t>s, a, r, 𝑃</a:t>
-            </a:r>
-            <a:endParaRPr lang="en-US" sz="1600" dirty="0"/>
-          </a:p>
-          <a:p>
-            <a:pPr lvl="2"/>
-            <a:endParaRPr lang="en-US" sz="1600" dirty="0"/>
-          </a:p>
-        </p:txBody>
-      </p:sp>
-      <p:sp>
-        <p:nvSpPr>
-          <p:cNvPr id="4" name="Slide Number Placeholder 3">
-            <a:extLst>
-              <a:ext uri="{FF2B5EF4-FFF2-40B4-BE49-F238E27FC236}">
-                <a16:creationId xmlns:a16="http://schemas.microsoft.com/office/drawing/2014/main" id="{8FC46EE6-2E81-41CD-F176-3865D594EEBF}"/>
-              </a:ext>
-            </a:extLst>
-          </p:cNvPr>
-          <p:cNvSpPr>
-            <a:spLocks noGrp="1"/>
-          </p:cNvSpPr>
-          <p:nvPr>
-            <p:ph type="sldNum" sz="quarter" idx="12"/>
-          </p:nvPr>
-        </p:nvSpPr>
-        <p:spPr/>
-        <p:txBody>
-          <a:bodyPr/>
-          <a:lstStyle/>
-          <a:p>
-            <a:pPr marL="0" marR="0" lvl="0" indent="0" algn="r" defTabSz="457200" rtl="0" eaLnBrk="1" fontAlgn="base" latinLnBrk="0" hangingPunct="1">
+          <a:bodyPr vert="horz" wrap="square" lIns="91440" tIns="45720" rIns="91440" bIns="45720" numCol="1" anchor="t" anchorCtr="0" compatLnSpc="1">
+            <a:prstTxWarp prst="textNoShape">
+              <a:avLst/>
+            </a:prstTxWarp>
+          </a:bodyPr>
+          <a:lstStyle>
+            <a:lvl1pPr marL="342900" indent="-342900" algn="l" defTabSz="457200" rtl="0" eaLnBrk="0" fontAlgn="base" hangingPunct="0">
+              <a:spcBef>
+                <a:spcPct val="20000"/>
+              </a:spcBef>
+              <a:spcAft>
+                <a:spcPct val="0"/>
+              </a:spcAft>
+              <a:buFont typeface="Arial" panose="020B0604020202020204" pitchFamily="34" charset="0"/>
+              <a:buChar char="•"/>
+              <a:defRPr sz="3200" kern="1200">
+                <a:solidFill>
+                  <a:schemeClr val="tx1"/>
+                </a:solidFill>
+                <a:latin typeface="+mj-lt"/>
+                <a:ea typeface="ＭＳ Ｐゴシック" charset="0"/>
+                <a:cs typeface="Lucida Sans"/>
+              </a:defRPr>
+            </a:lvl1pPr>
+            <a:lvl2pPr marL="742950" indent="-285750" algn="l" defTabSz="457200" rtl="0" eaLnBrk="0" fontAlgn="base" hangingPunct="0">
+              <a:spcBef>
+                <a:spcPct val="20000"/>
+              </a:spcBef>
+              <a:spcAft>
+                <a:spcPct val="0"/>
+              </a:spcAft>
+              <a:buFont typeface="Arial" panose="020B0604020202020204" pitchFamily="34" charset="0"/>
+              <a:buChar char="–"/>
+              <a:defRPr sz="2800" kern="1200">
+                <a:solidFill>
+                  <a:schemeClr val="tx1"/>
+                </a:solidFill>
+                <a:latin typeface="+mj-lt"/>
+                <a:ea typeface="ＭＳ Ｐゴシック" charset="0"/>
+                <a:cs typeface="Lucida Sans"/>
+              </a:defRPr>
+            </a:lvl2pPr>
+            <a:lvl3pPr marL="1143000" indent="-228600" algn="l" defTabSz="457200" rtl="0" eaLnBrk="0" fontAlgn="base" hangingPunct="0">
+              <a:spcBef>
+                <a:spcPct val="20000"/>
+              </a:spcBef>
+              <a:spcAft>
+                <a:spcPct val="0"/>
+              </a:spcAft>
+              <a:buFont typeface="Arial" panose="020B0604020202020204" pitchFamily="34" charset="0"/>
+              <a:buChar char="•"/>
+              <a:defRPr sz="2400" kern="1200">
+                <a:solidFill>
+                  <a:schemeClr val="tx1"/>
+                </a:solidFill>
+                <a:latin typeface="+mj-lt"/>
+                <a:ea typeface="ＭＳ Ｐゴシック" charset="0"/>
+                <a:cs typeface="Lucida Sans"/>
+              </a:defRPr>
+            </a:lvl3pPr>
+            <a:lvl4pPr marL="1600200" indent="-228600" algn="l" defTabSz="457200" rtl="0" eaLnBrk="0" fontAlgn="base" hangingPunct="0">
+              <a:spcBef>
+                <a:spcPct val="20000"/>
+              </a:spcBef>
+              <a:spcAft>
+                <a:spcPct val="0"/>
+              </a:spcAft>
+              <a:buFont typeface="Arial" panose="020B0604020202020204" pitchFamily="34" charset="0"/>
+              <a:buChar char="–"/>
+              <a:defRPr sz="2000" kern="1200">
+                <a:solidFill>
+                  <a:schemeClr val="tx1"/>
+                </a:solidFill>
+                <a:latin typeface="+mj-lt"/>
+                <a:ea typeface="ＭＳ Ｐゴシック" charset="0"/>
+                <a:cs typeface="Lucida Sans"/>
+              </a:defRPr>
+            </a:lvl4pPr>
+            <a:lvl5pPr marL="2057400" indent="-228600" algn="l" defTabSz="457200" rtl="0" eaLnBrk="0" fontAlgn="base" hangingPunct="0">
+              <a:spcBef>
+                <a:spcPct val="20000"/>
+              </a:spcBef>
+              <a:spcAft>
+                <a:spcPct val="0"/>
+              </a:spcAft>
+              <a:buFont typeface="Arial" panose="020B0604020202020204" pitchFamily="34" charset="0"/>
+              <a:buChar char="»"/>
+              <a:defRPr sz="2000" kern="1200">
+                <a:solidFill>
+                  <a:schemeClr val="tx1"/>
+                </a:solidFill>
+                <a:latin typeface="+mj-lt"/>
+                <a:ea typeface="ＭＳ Ｐゴシック" charset="0"/>
+                <a:cs typeface="Lucida Sans"/>
+              </a:defRPr>
+            </a:lvl5pPr>
+            <a:lvl6pPr marL="2514600" indent="-228600" algn="l" defTabSz="457200" rtl="0" eaLnBrk="1" latinLnBrk="0" hangingPunct="1">
+              <a:spcBef>
+                <a:spcPct val="20000"/>
+              </a:spcBef>
+              <a:buFont typeface="Arial"/>
+              <a:buChar char="•"/>
+              <a:defRPr sz="2000" kern="1200">
+                <a:solidFill>
+                  <a:schemeClr val="tx1"/>
+                </a:solidFill>
+                <a:latin typeface="+mn-lt"/>
+                <a:ea typeface="+mn-ea"/>
+                <a:cs typeface="+mn-cs"/>
+              </a:defRPr>
+            </a:lvl6pPr>
+            <a:lvl7pPr marL="2971800" indent="-228600" algn="l" defTabSz="457200" rtl="0" eaLnBrk="1" latinLnBrk="0" hangingPunct="1">
+              <a:spcBef>
+                <a:spcPct val="20000"/>
+              </a:spcBef>
+              <a:buFont typeface="Arial"/>
+              <a:buChar char="•"/>
+              <a:defRPr sz="2000" kern="1200">
+                <a:solidFill>
+                  <a:schemeClr val="tx1"/>
+                </a:solidFill>
+                <a:latin typeface="+mn-lt"/>
+                <a:ea typeface="+mn-ea"/>
+                <a:cs typeface="+mn-cs"/>
+              </a:defRPr>
+            </a:lvl7pPr>
+            <a:lvl8pPr marL="3429000" indent="-228600" algn="l" defTabSz="457200" rtl="0" eaLnBrk="1" latinLnBrk="0" hangingPunct="1">
+              <a:spcBef>
+                <a:spcPct val="20000"/>
+              </a:spcBef>
+              <a:buFont typeface="Arial"/>
+              <a:buChar char="•"/>
+              <a:defRPr sz="2000" kern="1200">
+                <a:solidFill>
+                  <a:schemeClr val="tx1"/>
+                </a:solidFill>
+                <a:latin typeface="+mn-lt"/>
+                <a:ea typeface="+mn-ea"/>
+                <a:cs typeface="+mn-cs"/>
+              </a:defRPr>
+            </a:lvl8pPr>
+            <a:lvl9pPr marL="3886200" indent="-228600" algn="l" defTabSz="457200" rtl="0" eaLnBrk="1" latinLnBrk="0" hangingPunct="1">
+              <a:spcBef>
+                <a:spcPct val="20000"/>
+              </a:spcBef>
+              <a:buFont typeface="Arial"/>
+              <a:buChar char="•"/>
+              <a:defRPr sz="2000" kern="1200">
+                <a:solidFill>
+                  <a:schemeClr val="tx1"/>
+                </a:solidFill>
+                <a:latin typeface="+mn-lt"/>
+                <a:ea typeface="+mn-ea"/>
+                <a:cs typeface="+mn-cs"/>
+              </a:defRPr>
+            </a:lvl9pPr>
+          </a:lstStyle>
+          <a:p>
+            <a:pPr marL="342900" marR="0" lvl="0" indent="-342900" algn="l" defTabSz="457200" rtl="0" eaLnBrk="0" fontAlgn="base" latinLnBrk="0" hangingPunct="0">
               <a:lnSpc>
                 <a:spcPct val="100000"/>
               </a:lnSpc>
               <a:spcBef>
-                <a:spcPct val="0"/>
+                <a:spcPct val="20000"/>
               </a:spcBef>
               <a:spcAft>
                 <a:spcPct val="0"/>
               </a:spcAft>
               <a:buClrTx/>
               <a:buSzTx/>
-              <a:buFontTx/>
-              <a:buNone/>
+              <a:buFont typeface="Arial" panose="020B0604020202020204" pitchFamily="34" charset="0"/>
+              <a:buChar char="•"/>
               <a:tabLst/>
               <a:defRPr/>
             </a:pPr>
-            <a:fld id="{05E21D09-E2E8-7442-AC2A-C17B561ACE37}" type="slidenum">
-              <a:rPr kumimoji="0" lang="en-US" altLang="en-US" sz="2800" b="0" i="0" u="none" strike="noStrike" kern="1200" cap="none" spc="0" normalizeH="0" baseline="0" noProof="0" smtClean="0">
-                <a:ln>
-                  <a:noFill/>
-                </a:ln>
+            <a:r>
+              <a:rPr lang="en-US" sz="2400" dirty="0">
                 <a:solidFill>
-                  <a:prstClr val="white"/>
+                  <a:prstClr val="black"/>
                 </a:solidFill>
-                <a:effectLst/>
-                <a:uLnTx/>
-                <a:uFillTx/>
-                <a:latin typeface="Calibri" panose="020F0502020204030204" pitchFamily="34" charset="0"/>
-                <a:ea typeface="ＭＳ Ｐゴシック" panose="020B0600070205080204" pitchFamily="34" charset="-128"/>
-                <a:cs typeface="+mn-cs"/>
+                <a:latin typeface="Calibri"/>
               </a:rPr>
-              <a:pPr marL="0" marR="0" lvl="0" indent="0" algn="r" defTabSz="457200" rtl="0" eaLnBrk="1" fontAlgn="base" latinLnBrk="0" hangingPunct="1">
-                <a:lnSpc>
-                  <a:spcPct val="100000"/>
-                </a:lnSpc>
-                <a:spcBef>
-                  <a:spcPct val="0"/>
-                </a:spcBef>
-                <a:spcAft>
-                  <a:spcPct val="0"/>
-                </a:spcAft>
-                <a:buClrTx/>
-                <a:buSzTx/>
-                <a:buFontTx/>
-                <a:buNone/>
-                <a:tabLst/>
-                <a:defRPr/>
-              </a:pPr>
-              <a:t>4</a:t>
-            </a:fld>
-            <a:endParaRPr kumimoji="0" lang="en-US" altLang="en-US" sz="2800" b="0" i="0" u="none" strike="noStrike" kern="1200" cap="none" spc="0" normalizeH="0" baseline="0" noProof="0" dirty="0">
-              <a:ln>
-                <a:noFill/>
-              </a:ln>
-              <a:solidFill>
-                <a:prstClr val="white"/>
-              </a:solidFill>
-              <a:effectLst/>
-              <a:uLnTx/>
-              <a:uFillTx/>
-              <a:latin typeface="Calibri" panose="020F0502020204030204" pitchFamily="34" charset="0"/>
-              <a:ea typeface="ＭＳ Ｐゴシック" panose="020B0600070205080204" pitchFamily="34" charset="-128"/>
-              <a:cs typeface="+mn-cs"/>
-            </a:endParaRPr>
-          </a:p>
-        </p:txBody>
-      </p:sp>
-      <mc:AlternateContent xmlns:mc="http://schemas.openxmlformats.org/markup-compatibility/2006" xmlns:a14="http://schemas.microsoft.com/office/drawing/2010/main">
-        <mc:Choice Requires="a14">
-          <p:sp>
-            <p:nvSpPr>
-              <p:cNvPr id="6" name="TextBox 5">
-                <a:extLst>
-                  <a:ext uri="{FF2B5EF4-FFF2-40B4-BE49-F238E27FC236}">
-                    <a16:creationId xmlns:a16="http://schemas.microsoft.com/office/drawing/2014/main" id="{B651C349-90E4-CF53-17B2-EB17DD5F488F}"/>
-                  </a:ext>
-                </a:extLst>
-              </p:cNvPr>
-              <p:cNvSpPr txBox="1"/>
-              <p:nvPr/>
-            </p:nvSpPr>
-            <p:spPr>
-              <a:xfrm>
-                <a:off x="3749406" y="3802391"/>
-                <a:ext cx="4572000" cy="369332"/>
-              </a:xfrm>
-              <a:prstGeom prst="rect">
-                <a:avLst/>
-              </a:prstGeom>
-              <a:noFill/>
-            </p:spPr>
-            <p:txBody>
-              <a:bodyPr wrap="square">
-                <a:spAutoFit/>
-              </a:bodyPr>
-              <a:lstStyle/>
-              <a:p>
-                <a:pPr marL="0" marR="0" lvl="0" indent="0" algn="l" defTabSz="457200" rtl="0" eaLnBrk="1" fontAlgn="base" latinLnBrk="0" hangingPunct="1">
-                  <a:lnSpc>
-                    <a:spcPct val="100000"/>
-                  </a:lnSpc>
-                  <a:spcBef>
-                    <a:spcPct val="0"/>
-                  </a:spcBef>
-                  <a:spcAft>
-                    <a:spcPct val="0"/>
-                  </a:spcAft>
-                  <a:buClrTx/>
-                  <a:buSzTx/>
-                  <a:buFontTx/>
-                  <a:buNone/>
-                  <a:tabLst/>
-                  <a:defRPr/>
-                </a:pPr>
-                <a14:m>
-                  <m:oMathPara xmlns:m="http://schemas.openxmlformats.org/officeDocument/2006/math">
-                    <m:oMathParaPr>
-                      <m:jc m:val="centerGroup"/>
-                    </m:oMathParaPr>
-                    <m:oMath xmlns:m="http://schemas.openxmlformats.org/officeDocument/2006/math">
-                      <m:r>
-                        <a:rPr kumimoji="0" lang="en-US" sz="1800" b="0" i="1" u="none" strike="noStrike" kern="1200" cap="none" spc="0" normalizeH="0" baseline="0" noProof="0" smtClean="0">
-                          <a:ln>
-                            <a:noFill/>
-                          </a:ln>
-                          <a:solidFill>
-                            <a:prstClr val="black"/>
-                          </a:solidFill>
-                          <a:effectLst/>
-                          <a:uLnTx/>
-                          <a:uFillTx/>
-                          <a:latin typeface="Cambria Math" panose="02040503050406030204" pitchFamily="18" charset="0"/>
-                          <a:cs typeface="+mn-cs"/>
-                        </a:rPr>
-                        <m:t>𝑃</m:t>
-                      </m:r>
-                      <m:d>
-                        <m:dPr>
-                          <m:ctrlPr>
-                            <a:rPr kumimoji="0" lang="en-US" sz="1800" b="0" i="1" u="none" strike="noStrike" kern="1200" cap="none" spc="0" normalizeH="0" baseline="0" noProof="0">
-                              <a:ln>
-                                <a:noFill/>
-                              </a:ln>
-                              <a:solidFill>
-                                <a:srgbClr val="836967"/>
-                              </a:solidFill>
-                              <a:effectLst/>
-                              <a:uLnTx/>
-                              <a:uFillTx/>
-                              <a:latin typeface="Cambria Math" panose="02040503050406030204" pitchFamily="18" charset="0"/>
-                              <a:cs typeface="+mn-cs"/>
-                            </a:rPr>
-                          </m:ctrlPr>
-                        </m:dPr>
-                        <m:e>
-                          <m:sSup>
-                            <m:sSupPr>
-                              <m:ctrlPr>
-                                <a:rPr kumimoji="0" lang="en-US" sz="1800" b="0" i="1" u="none" strike="noStrike" kern="1200" cap="none" spc="0" normalizeH="0" baseline="0" noProof="0">
-                                  <a:ln>
-                                    <a:noFill/>
-                                  </a:ln>
-                                  <a:solidFill>
-                                    <a:srgbClr val="836967"/>
-                                  </a:solidFill>
-                                  <a:effectLst/>
-                                  <a:uLnTx/>
-                                  <a:uFillTx/>
-                                  <a:latin typeface="Cambria Math" panose="02040503050406030204" pitchFamily="18" charset="0"/>
-                                  <a:cs typeface="+mn-cs"/>
-                                </a:rPr>
-                              </m:ctrlPr>
-                            </m:sSupPr>
-                            <m:e>
-                              <m:r>
-                                <a:rPr kumimoji="0" lang="en-US" sz="1800" b="0" i="1" u="none" strike="noStrike" kern="1200" cap="none" spc="0" normalizeH="0" baseline="0" noProof="0">
-                                  <a:ln>
-                                    <a:noFill/>
-                                  </a:ln>
-                                  <a:solidFill>
-                                    <a:prstClr val="black"/>
-                                  </a:solidFill>
-                                  <a:effectLst/>
-                                  <a:uLnTx/>
-                                  <a:uFillTx/>
-                                  <a:latin typeface="Cambria Math" panose="02040503050406030204" pitchFamily="18" charset="0"/>
-                                  <a:cs typeface="+mn-cs"/>
-                                </a:rPr>
-                                <m:t>𝑠</m:t>
-                              </m:r>
-                            </m:e>
-                            <m:sup>
-                              <m:r>
-                                <a:rPr kumimoji="0" lang="en-US" sz="1800" b="0" i="0" u="none" strike="noStrike" kern="1200" cap="none" spc="0" normalizeH="0" baseline="0" noProof="0">
-                                  <a:ln>
-                                    <a:noFill/>
-                                  </a:ln>
-                                  <a:solidFill>
-                                    <a:prstClr val="black"/>
-                                  </a:solidFill>
-                                  <a:effectLst/>
-                                  <a:uLnTx/>
-                                  <a:uFillTx/>
-                                  <a:latin typeface="Cambria Math" panose="02040503050406030204" pitchFamily="18" charset="0"/>
-                                  <a:cs typeface="+mn-cs"/>
-                                </a:rPr>
-                                <m:t>′</m:t>
-                              </m:r>
-                            </m:sup>
-                          </m:sSup>
-                        </m:e>
-                        <m:e>
-                          <m:r>
-                            <a:rPr kumimoji="0" lang="en-US" sz="1800" b="0" i="1" u="none" strike="noStrike" kern="1200" cap="none" spc="0" normalizeH="0" baseline="0" noProof="0">
-                              <a:ln>
-                                <a:noFill/>
-                              </a:ln>
-                              <a:solidFill>
-                                <a:prstClr val="black"/>
-                              </a:solidFill>
-                              <a:effectLst/>
-                              <a:uLnTx/>
-                              <a:uFillTx/>
-                              <a:latin typeface="Cambria Math" panose="02040503050406030204" pitchFamily="18" charset="0"/>
-                              <a:cs typeface="+mn-cs"/>
-                            </a:rPr>
-                            <m:t>𝑠</m:t>
-                          </m:r>
-                          <m:r>
-                            <a:rPr kumimoji="0" lang="en-US" sz="1800" b="0" i="0" u="none" strike="noStrike" kern="1200" cap="none" spc="0" normalizeH="0" baseline="0" noProof="0">
-                              <a:ln>
-                                <a:noFill/>
-                              </a:ln>
-                              <a:solidFill>
-                                <a:prstClr val="black"/>
-                              </a:solidFill>
-                              <a:effectLst/>
-                              <a:uLnTx/>
-                              <a:uFillTx/>
-                              <a:latin typeface="Cambria Math" panose="02040503050406030204" pitchFamily="18" charset="0"/>
-                              <a:cs typeface="+mn-cs"/>
-                            </a:rPr>
-                            <m:t>,</m:t>
-                          </m:r>
-                          <m:r>
-                            <a:rPr kumimoji="0" lang="en-US" sz="1800" b="0" i="1" u="none" strike="noStrike" kern="1200" cap="none" spc="0" normalizeH="0" baseline="0" noProof="0">
-                              <a:ln>
-                                <a:noFill/>
-                              </a:ln>
-                              <a:solidFill>
-                                <a:prstClr val="black"/>
-                              </a:solidFill>
-                              <a:effectLst/>
-                              <a:uLnTx/>
-                              <a:uFillTx/>
-                              <a:latin typeface="Cambria Math" panose="02040503050406030204" pitchFamily="18" charset="0"/>
-                              <a:cs typeface="+mn-cs"/>
-                            </a:rPr>
-                            <m:t>𝑎</m:t>
-                          </m:r>
-                        </m:e>
-                      </m:d>
-                      <m:r>
-                        <a:rPr kumimoji="0" lang="en-US" sz="1800" b="0" i="0" u="none" strike="noStrike" kern="1200" cap="none" spc="0" normalizeH="0" baseline="0" noProof="0">
-                          <a:ln>
-                            <a:noFill/>
-                          </a:ln>
-                          <a:solidFill>
-                            <a:prstClr val="black"/>
-                          </a:solidFill>
-                          <a:effectLst/>
-                          <a:uLnTx/>
-                          <a:uFillTx/>
-                          <a:latin typeface="Cambria Math" panose="02040503050406030204" pitchFamily="18" charset="0"/>
-                          <a:cs typeface="+mn-cs"/>
-                        </a:rPr>
-                        <m:t>=</m:t>
-                      </m:r>
-                      <m:func>
-                        <m:funcPr>
-                          <m:ctrlPr>
-                            <a:rPr kumimoji="0" lang="en-US" sz="1800" b="0" i="1" u="none" strike="noStrike" kern="1200" cap="none" spc="0" normalizeH="0" baseline="0" noProof="0">
-                              <a:ln>
-                                <a:noFill/>
-                              </a:ln>
-                              <a:solidFill>
-                                <a:prstClr val="black"/>
-                              </a:solidFill>
-                              <a:effectLst/>
-                              <a:uLnTx/>
-                              <a:uFillTx/>
-                              <a:latin typeface="Cambria Math" panose="02040503050406030204" pitchFamily="18" charset="0"/>
-                              <a:cs typeface="+mn-cs"/>
-                            </a:rPr>
-                          </m:ctrlPr>
-                        </m:funcPr>
-                        <m:fName>
-                          <m:r>
-                            <m:rPr>
-                              <m:sty m:val="p"/>
-                            </m:rPr>
-                            <a:rPr kumimoji="0" lang="en-US" sz="1800" b="0" i="0" u="none" strike="noStrike" kern="1200" cap="none" spc="0" normalizeH="0" baseline="0" noProof="0">
-                              <a:ln>
-                                <a:noFill/>
-                              </a:ln>
-                              <a:solidFill>
-                                <a:prstClr val="black"/>
-                              </a:solidFill>
-                              <a:effectLst/>
-                              <a:uLnTx/>
-                              <a:uFillTx/>
-                              <a:latin typeface="Cambria Math" panose="02040503050406030204" pitchFamily="18" charset="0"/>
-                              <a:cs typeface="+mn-cs"/>
-                            </a:rPr>
-                            <m:t>Pr</m:t>
-                          </m:r>
-                        </m:fName>
-                        <m:e>
-                          <m:d>
-                            <m:dPr>
-                              <m:ctrlPr>
-                                <a:rPr kumimoji="0" lang="en-US" sz="1800" b="0" i="1" u="none" strike="noStrike" kern="1200" cap="none" spc="0" normalizeH="0" baseline="0" noProof="0">
-                                  <a:ln>
-                                    <a:noFill/>
-                                  </a:ln>
-                                  <a:solidFill>
-                                    <a:srgbClr val="836967"/>
-                                  </a:solidFill>
-                                  <a:effectLst/>
-                                  <a:uLnTx/>
-                                  <a:uFillTx/>
-                                  <a:latin typeface="Cambria Math" panose="02040503050406030204" pitchFamily="18" charset="0"/>
-                                  <a:cs typeface="+mn-cs"/>
-                                </a:rPr>
-                              </m:ctrlPr>
-                            </m:dPr>
-                            <m:e>
-                              <m:sSub>
-                                <m:sSubPr>
-                                  <m:ctrlPr>
-                                    <a:rPr kumimoji="0" lang="en-US" sz="1800" b="0" i="1" u="none" strike="noStrike" kern="1200" cap="none" spc="0" normalizeH="0" baseline="0" noProof="0">
-                                      <a:ln>
-                                        <a:noFill/>
-                                      </a:ln>
-                                      <a:solidFill>
-                                        <a:srgbClr val="836967"/>
-                                      </a:solidFill>
-                                      <a:effectLst/>
-                                      <a:uLnTx/>
-                                      <a:uFillTx/>
-                                      <a:latin typeface="Cambria Math" panose="02040503050406030204" pitchFamily="18" charset="0"/>
-                                      <a:cs typeface="+mn-cs"/>
-                                    </a:rPr>
-                                  </m:ctrlPr>
-                                </m:sSubPr>
-                                <m:e>
-                                  <m:r>
-                                    <a:rPr kumimoji="0" lang="en-US" sz="1800" b="0" i="1" u="none" strike="noStrike" kern="1200" cap="none" spc="0" normalizeH="0" baseline="0" noProof="0">
-                                      <a:ln>
-                                        <a:noFill/>
-                                      </a:ln>
-                                      <a:solidFill>
-                                        <a:prstClr val="black"/>
-                                      </a:solidFill>
-                                      <a:effectLst/>
-                                      <a:uLnTx/>
-                                      <a:uFillTx/>
-                                      <a:latin typeface="Cambria Math" panose="02040503050406030204" pitchFamily="18" charset="0"/>
-                                      <a:cs typeface="+mn-cs"/>
-                                    </a:rPr>
-                                    <m:t>𝑠</m:t>
-                                  </m:r>
-                                </m:e>
-                                <m:sub>
-                                  <m:r>
-                                    <a:rPr kumimoji="0" lang="en-US" sz="1800" b="0" i="1" u="none" strike="noStrike" kern="1200" cap="none" spc="0" normalizeH="0" baseline="0" noProof="0">
-                                      <a:ln>
-                                        <a:noFill/>
-                                      </a:ln>
-                                      <a:solidFill>
-                                        <a:prstClr val="black"/>
-                                      </a:solidFill>
-                                      <a:effectLst/>
-                                      <a:uLnTx/>
-                                      <a:uFillTx/>
-                                      <a:latin typeface="Cambria Math" panose="02040503050406030204" pitchFamily="18" charset="0"/>
-                                      <a:cs typeface="+mn-cs"/>
-                                    </a:rPr>
-                                    <m:t>𝑡</m:t>
-                                  </m:r>
-                                </m:sub>
-                              </m:sSub>
-                              <m:r>
-                                <a:rPr kumimoji="0" lang="en-US" sz="1800" b="0" i="0" u="none" strike="noStrike" kern="1200" cap="none" spc="0" normalizeH="0" baseline="0" noProof="0">
-                                  <a:ln>
-                                    <a:noFill/>
-                                  </a:ln>
-                                  <a:solidFill>
-                                    <a:prstClr val="black"/>
-                                  </a:solidFill>
-                                  <a:effectLst/>
-                                  <a:uLnTx/>
-                                  <a:uFillTx/>
-                                  <a:latin typeface="Cambria Math" panose="02040503050406030204" pitchFamily="18" charset="0"/>
-                                  <a:cs typeface="+mn-cs"/>
-                                </a:rPr>
-                                <m:t>=</m:t>
-                              </m:r>
-                              <m:sSup>
-                                <m:sSupPr>
-                                  <m:ctrlPr>
-                                    <a:rPr kumimoji="0" lang="en-US" sz="1800" b="0" i="1" u="none" strike="noStrike" kern="1200" cap="none" spc="0" normalizeH="0" baseline="0" noProof="0">
-                                      <a:ln>
-                                        <a:noFill/>
-                                      </a:ln>
-                                      <a:solidFill>
-                                        <a:srgbClr val="836967"/>
-                                      </a:solidFill>
-                                      <a:effectLst/>
-                                      <a:uLnTx/>
-                                      <a:uFillTx/>
-                                      <a:latin typeface="Cambria Math" panose="02040503050406030204" pitchFamily="18" charset="0"/>
-                                      <a:cs typeface="+mn-cs"/>
-                                    </a:rPr>
-                                  </m:ctrlPr>
-                                </m:sSupPr>
-                                <m:e>
-                                  <m:r>
-                                    <a:rPr kumimoji="0" lang="en-US" sz="1800" b="0" i="1" u="none" strike="noStrike" kern="1200" cap="none" spc="0" normalizeH="0" baseline="0" noProof="0">
-                                      <a:ln>
-                                        <a:noFill/>
-                                      </a:ln>
-                                      <a:solidFill>
-                                        <a:prstClr val="black"/>
-                                      </a:solidFill>
-                                      <a:effectLst/>
-                                      <a:uLnTx/>
-                                      <a:uFillTx/>
-                                      <a:latin typeface="Cambria Math" panose="02040503050406030204" pitchFamily="18" charset="0"/>
-                                      <a:cs typeface="+mn-cs"/>
-                                    </a:rPr>
-                                    <m:t>𝑠</m:t>
-                                  </m:r>
-                                </m:e>
-                                <m:sup>
-                                  <m:r>
-                                    <a:rPr kumimoji="0" lang="en-US" sz="1800" b="0" i="0" u="none" strike="noStrike" kern="1200" cap="none" spc="0" normalizeH="0" baseline="0" noProof="0">
-                                      <a:ln>
-                                        <a:noFill/>
-                                      </a:ln>
-                                      <a:solidFill>
-                                        <a:prstClr val="black"/>
-                                      </a:solidFill>
-                                      <a:effectLst/>
-                                      <a:uLnTx/>
-                                      <a:uFillTx/>
-                                      <a:latin typeface="Cambria Math" panose="02040503050406030204" pitchFamily="18" charset="0"/>
-                                      <a:cs typeface="+mn-cs"/>
-                                    </a:rPr>
-                                    <m:t>′</m:t>
-                                  </m:r>
-                                </m:sup>
-                              </m:sSup>
-                            </m:e>
-                            <m:e>
-                              <m:sSub>
-                                <m:sSubPr>
-                                  <m:ctrlPr>
-                                    <a:rPr kumimoji="0" lang="en-US" sz="1800" b="0" i="1" u="none" strike="noStrike" kern="1200" cap="none" spc="0" normalizeH="0" baseline="0" noProof="0">
-                                      <a:ln>
-                                        <a:noFill/>
-                                      </a:ln>
-                                      <a:solidFill>
-                                        <a:srgbClr val="836967"/>
-                                      </a:solidFill>
-                                      <a:effectLst/>
-                                      <a:uLnTx/>
-                                      <a:uFillTx/>
-                                      <a:latin typeface="Cambria Math" panose="02040503050406030204" pitchFamily="18" charset="0"/>
-                                      <a:cs typeface="+mn-cs"/>
-                                    </a:rPr>
-                                  </m:ctrlPr>
-                                </m:sSubPr>
-                                <m:e>
-                                  <m:r>
-                                    <a:rPr kumimoji="0" lang="en-US" sz="1800" b="0" i="1" u="none" strike="noStrike" kern="1200" cap="none" spc="0" normalizeH="0" baseline="0" noProof="0">
-                                      <a:ln>
-                                        <a:noFill/>
-                                      </a:ln>
-                                      <a:solidFill>
-                                        <a:prstClr val="black"/>
-                                      </a:solidFill>
-                                      <a:effectLst/>
-                                      <a:uLnTx/>
-                                      <a:uFillTx/>
-                                      <a:latin typeface="Cambria Math" panose="02040503050406030204" pitchFamily="18" charset="0"/>
-                                      <a:cs typeface="+mn-cs"/>
-                                    </a:rPr>
-                                    <m:t>𝑠</m:t>
-                                  </m:r>
-                                </m:e>
-                                <m:sub>
-                                  <m:r>
-                                    <a:rPr kumimoji="0" lang="en-US" sz="1800" b="0" i="1" u="none" strike="noStrike" kern="1200" cap="none" spc="0" normalizeH="0" baseline="0" noProof="0">
-                                      <a:ln>
-                                        <a:noFill/>
-                                      </a:ln>
-                                      <a:solidFill>
-                                        <a:prstClr val="black"/>
-                                      </a:solidFill>
-                                      <a:effectLst/>
-                                      <a:uLnTx/>
-                                      <a:uFillTx/>
-                                      <a:latin typeface="Cambria Math" panose="02040503050406030204" pitchFamily="18" charset="0"/>
-                                      <a:cs typeface="+mn-cs"/>
-                                    </a:rPr>
-                                    <m:t>𝑡</m:t>
-                                  </m:r>
-                                  <m:r>
-                                    <a:rPr kumimoji="0" lang="en-US" sz="1800" b="0" i="0" u="none" strike="noStrike" kern="1200" cap="none" spc="0" normalizeH="0" baseline="0" noProof="0">
-                                      <a:ln>
-                                        <a:noFill/>
-                                      </a:ln>
-                                      <a:solidFill>
-                                        <a:prstClr val="black"/>
-                                      </a:solidFill>
-                                      <a:effectLst/>
-                                      <a:uLnTx/>
-                                      <a:uFillTx/>
-                                      <a:latin typeface="Cambria Math" panose="02040503050406030204" pitchFamily="18" charset="0"/>
-                                      <a:cs typeface="+mn-cs"/>
-                                    </a:rPr>
-                                    <m:t>−1</m:t>
-                                  </m:r>
-                                </m:sub>
-                              </m:sSub>
-                              <m:r>
-                                <a:rPr kumimoji="0" lang="en-US" sz="1800" b="0" i="0" u="none" strike="noStrike" kern="1200" cap="none" spc="0" normalizeH="0" baseline="0" noProof="0">
-                                  <a:ln>
-                                    <a:noFill/>
-                                  </a:ln>
-                                  <a:solidFill>
-                                    <a:prstClr val="black"/>
-                                  </a:solidFill>
-                                  <a:effectLst/>
-                                  <a:uLnTx/>
-                                  <a:uFillTx/>
-                                  <a:latin typeface="Cambria Math" panose="02040503050406030204" pitchFamily="18" charset="0"/>
-                                  <a:cs typeface="+mn-cs"/>
-                                </a:rPr>
-                                <m:t>=</m:t>
-                              </m:r>
-                              <m:r>
-                                <a:rPr kumimoji="0" lang="en-US" sz="1800" b="0" i="1" u="none" strike="noStrike" kern="1200" cap="none" spc="0" normalizeH="0" baseline="0" noProof="0">
-                                  <a:ln>
-                                    <a:noFill/>
-                                  </a:ln>
-                                  <a:solidFill>
-                                    <a:prstClr val="black"/>
-                                  </a:solidFill>
-                                  <a:effectLst/>
-                                  <a:uLnTx/>
-                                  <a:uFillTx/>
-                                  <a:latin typeface="Cambria Math" panose="02040503050406030204" pitchFamily="18" charset="0"/>
-                                  <a:cs typeface="+mn-cs"/>
-                                </a:rPr>
-                                <m:t>𝑠</m:t>
-                              </m:r>
-                              <m:r>
-                                <a:rPr kumimoji="0" lang="en-US" sz="1800" b="0" i="0" u="none" strike="noStrike" kern="1200" cap="none" spc="0" normalizeH="0" baseline="0" noProof="0">
-                                  <a:ln>
-                                    <a:noFill/>
-                                  </a:ln>
-                                  <a:solidFill>
-                                    <a:prstClr val="black"/>
-                                  </a:solidFill>
-                                  <a:effectLst/>
-                                  <a:uLnTx/>
-                                  <a:uFillTx/>
-                                  <a:latin typeface="Cambria Math" panose="02040503050406030204" pitchFamily="18" charset="0"/>
-                                  <a:cs typeface="+mn-cs"/>
-                                </a:rPr>
-                                <m:t>,</m:t>
-                              </m:r>
-                              <m:sSub>
-                                <m:sSubPr>
-                                  <m:ctrlPr>
-                                    <a:rPr kumimoji="0" lang="en-US" sz="1800" b="0" i="1" u="none" strike="noStrike" kern="1200" cap="none" spc="0" normalizeH="0" baseline="0" noProof="0">
-                                      <a:ln>
-                                        <a:noFill/>
-                                      </a:ln>
-                                      <a:solidFill>
-                                        <a:srgbClr val="836967"/>
-                                      </a:solidFill>
-                                      <a:effectLst/>
-                                      <a:uLnTx/>
-                                      <a:uFillTx/>
-                                      <a:latin typeface="Cambria Math" panose="02040503050406030204" pitchFamily="18" charset="0"/>
-                                      <a:cs typeface="+mn-cs"/>
-                                    </a:rPr>
-                                  </m:ctrlPr>
-                                </m:sSubPr>
-                                <m:e>
-                                  <m:r>
-                                    <a:rPr kumimoji="0" lang="en-US" sz="1800" b="0" i="1" u="none" strike="noStrike" kern="1200" cap="none" spc="0" normalizeH="0" baseline="0" noProof="0">
-                                      <a:ln>
-                                        <a:noFill/>
-                                      </a:ln>
-                                      <a:solidFill>
-                                        <a:prstClr val="black"/>
-                                      </a:solidFill>
-                                      <a:effectLst/>
-                                      <a:uLnTx/>
-                                      <a:uFillTx/>
-                                      <a:latin typeface="Cambria Math" panose="02040503050406030204" pitchFamily="18" charset="0"/>
-                                      <a:cs typeface="+mn-cs"/>
-                                    </a:rPr>
-                                    <m:t>𝑎</m:t>
-                                  </m:r>
-                                </m:e>
-                                <m:sub>
-                                  <m:r>
-                                    <a:rPr kumimoji="0" lang="en-US" sz="1800" b="0" i="1" u="none" strike="noStrike" kern="1200" cap="none" spc="0" normalizeH="0" baseline="0" noProof="0">
-                                      <a:ln>
-                                        <a:noFill/>
-                                      </a:ln>
-                                      <a:solidFill>
-                                        <a:prstClr val="black"/>
-                                      </a:solidFill>
-                                      <a:effectLst/>
-                                      <a:uLnTx/>
-                                      <a:uFillTx/>
-                                      <a:latin typeface="Cambria Math" panose="02040503050406030204" pitchFamily="18" charset="0"/>
-                                      <a:cs typeface="+mn-cs"/>
-                                    </a:rPr>
-                                    <m:t>𝑡</m:t>
-                                  </m:r>
-                                  <m:r>
-                                    <a:rPr kumimoji="0" lang="en-US" sz="1800" b="0" i="0" u="none" strike="noStrike" kern="1200" cap="none" spc="0" normalizeH="0" baseline="0" noProof="0">
-                                      <a:ln>
-                                        <a:noFill/>
-                                      </a:ln>
-                                      <a:solidFill>
-                                        <a:prstClr val="black"/>
-                                      </a:solidFill>
-                                      <a:effectLst/>
-                                      <a:uLnTx/>
-                                      <a:uFillTx/>
-                                      <a:latin typeface="Cambria Math" panose="02040503050406030204" pitchFamily="18" charset="0"/>
-                                      <a:cs typeface="+mn-cs"/>
-                                    </a:rPr>
-                                    <m:t>−1</m:t>
-                                  </m:r>
-                                </m:sub>
-                              </m:sSub>
-                              <m:r>
-                                <a:rPr kumimoji="0" lang="en-US" sz="1800" b="0" i="0" u="none" strike="noStrike" kern="1200" cap="none" spc="0" normalizeH="0" baseline="0" noProof="0">
-                                  <a:ln>
-                                    <a:noFill/>
-                                  </a:ln>
-                                  <a:solidFill>
-                                    <a:prstClr val="black"/>
-                                  </a:solidFill>
-                                  <a:effectLst/>
-                                  <a:uLnTx/>
-                                  <a:uFillTx/>
-                                  <a:latin typeface="Cambria Math" panose="02040503050406030204" pitchFamily="18" charset="0"/>
-                                  <a:cs typeface="+mn-cs"/>
-                                </a:rPr>
-                                <m:t>=</m:t>
-                              </m:r>
-                              <m:r>
-                                <a:rPr kumimoji="0" lang="en-US" sz="1800" b="0" i="1" u="none" strike="noStrike" kern="1200" cap="none" spc="0" normalizeH="0" baseline="0" noProof="0">
-                                  <a:ln>
-                                    <a:noFill/>
-                                  </a:ln>
-                                  <a:solidFill>
-                                    <a:prstClr val="black"/>
-                                  </a:solidFill>
-                                  <a:effectLst/>
-                                  <a:uLnTx/>
-                                  <a:uFillTx/>
-                                  <a:latin typeface="Cambria Math" panose="02040503050406030204" pitchFamily="18" charset="0"/>
-                                  <a:cs typeface="+mn-cs"/>
-                                </a:rPr>
-                                <m:t>𝑎</m:t>
-                              </m:r>
-                            </m:e>
-                          </m:d>
-                        </m:e>
-                      </m:func>
-                    </m:oMath>
-                  </m:oMathPara>
-                </a14:m>
-                <a:endParaRPr kumimoji="0" lang="en-US" sz="1800" b="0" i="0" u="none" strike="noStrike" kern="1200" cap="none" spc="0" normalizeH="0" baseline="0" noProof="0" dirty="0">
-                  <a:ln>
-                    <a:noFill/>
-                  </a:ln>
-                  <a:solidFill>
-                    <a:prstClr val="black"/>
-                  </a:solidFill>
-                  <a:effectLst/>
-                  <a:uLnTx/>
-                  <a:uFillTx/>
-                  <a:latin typeface="Calibri" panose="020F0502020204030204" pitchFamily="34" charset="0"/>
-                  <a:ea typeface="ＭＳ Ｐゴシック" panose="020B0600070205080204" pitchFamily="34" charset="-128"/>
-                  <a:cs typeface="+mn-cs"/>
-                </a:endParaRPr>
-              </a:p>
-            </p:txBody>
-          </p:sp>
-        </mc:Choice>
-        <mc:Fallback xmlns="">
-          <p:sp>
-            <p:nvSpPr>
-              <p:cNvPr id="6" name="TextBox 5">
-                <a:extLst>
-                  <a:ext uri="{FF2B5EF4-FFF2-40B4-BE49-F238E27FC236}">
-                    <a16:creationId xmlns:a16="http://schemas.microsoft.com/office/drawing/2014/main" id="{B651C349-90E4-CF53-17B2-EB17DD5F488F}"/>
-                  </a:ext>
-                </a:extLst>
-              </p:cNvPr>
-              <p:cNvSpPr txBox="1">
-                <a:spLocks noRot="1" noChangeAspect="1" noMove="1" noResize="1" noEditPoints="1" noAdjustHandles="1" noChangeArrowheads="1" noChangeShapeType="1" noTextEdit="1"/>
-              </p:cNvSpPr>
-              <p:nvPr/>
-            </p:nvSpPr>
-            <p:spPr>
-              <a:xfrm>
-                <a:off x="3749406" y="3802391"/>
-                <a:ext cx="4572000" cy="369332"/>
-              </a:xfrm>
-              <a:prstGeom prst="rect">
-                <a:avLst/>
-              </a:prstGeom>
-              <a:blipFill>
-                <a:blip r:embed="rId3"/>
-                <a:stretch>
-                  <a:fillRect/>
-                </a:stretch>
-              </a:blipFill>
-            </p:spPr>
-            <p:txBody>
-              <a:bodyPr/>
-              <a:lstStyle/>
-              <a:p>
-                <a:r>
-                  <a:rPr lang="en-US">
-                    <a:noFill/>
-                  </a:rPr>
-                  <a:t> </a:t>
-                </a:r>
-              </a:p>
-            </p:txBody>
-          </p:sp>
-        </mc:Fallback>
-      </mc:AlternateContent>
-      <p:sp>
-        <p:nvSpPr>
-          <p:cNvPr id="7" name="TextBox 6">
-            <a:extLst>
-              <a:ext uri="{FF2B5EF4-FFF2-40B4-BE49-F238E27FC236}">
-                <a16:creationId xmlns:a16="http://schemas.microsoft.com/office/drawing/2014/main" id="{3676D531-946B-6F38-7725-07184F3638BD}"/>
-              </a:ext>
-            </a:extLst>
-          </p:cNvPr>
-          <p:cNvSpPr txBox="1"/>
-          <p:nvPr/>
-        </p:nvSpPr>
-        <p:spPr>
-          <a:xfrm>
-            <a:off x="4919540" y="2617887"/>
-            <a:ext cx="3940502" cy="215444"/>
-          </a:xfrm>
-          <a:prstGeom prst="rect">
-            <a:avLst/>
-          </a:prstGeom>
-          <a:noFill/>
-        </p:spPr>
-        <p:txBody>
-          <a:bodyPr wrap="none" rtlCol="0">
-            <a:spAutoFit/>
-          </a:bodyPr>
-          <a:lstStyle/>
-          <a:p>
-            <a:pPr marL="0" marR="0" lvl="0" indent="0" algn="l" defTabSz="457200" rtl="0" eaLnBrk="1" fontAlgn="base" latinLnBrk="0" hangingPunct="1">
+              <a:t>Objective: Obtain stats from the NFL games.</a:t>
+            </a:r>
+          </a:p>
+          <a:p>
+            <a:pPr marL="342900" marR="0" lvl="0" indent="-342900" algn="l" defTabSz="457200" rtl="0" eaLnBrk="0" fontAlgn="base" latinLnBrk="0" hangingPunct="0">
               <a:lnSpc>
                 <a:spcPct val="100000"/>
               </a:lnSpc>
               <a:spcBef>
-                <a:spcPct val="0"/>
+                <a:spcPct val="20000"/>
               </a:spcBef>
               <a:spcAft>
                 <a:spcPct val="0"/>
               </a:spcAft>
               <a:buClrTx/>
               <a:buSzTx/>
-              <a:buFontTx/>
-              <a:buNone/>
+              <a:buFont typeface="Arial" panose="020B0604020202020204" pitchFamily="34" charset="0"/>
+              <a:buChar char="•"/>
               <a:tabLst/>
               <a:defRPr/>
             </a:pPr>
-            <a:r>
-              <a:rPr kumimoji="0" lang="en-US" sz="800" b="0" i="0" u="none" strike="noStrike" kern="1200" cap="none" spc="0" normalizeH="0" baseline="0" noProof="0" dirty="0">
+            <a:endParaRPr lang="en-US" sz="2400" dirty="0">
+              <a:solidFill>
+                <a:prstClr val="black"/>
+              </a:solidFill>
+              <a:latin typeface="Calibri"/>
+            </a:endParaRPr>
+          </a:p>
+          <a:p>
+            <a:pPr marL="342900" marR="0" lvl="0" indent="-342900" algn="l" defTabSz="457200" rtl="0" eaLnBrk="0" fontAlgn="base" latinLnBrk="0" hangingPunct="0">
+              <a:lnSpc>
+                <a:spcPct val="100000"/>
+              </a:lnSpc>
+              <a:spcBef>
+                <a:spcPct val="20000"/>
+              </a:spcBef>
+              <a:spcAft>
+                <a:spcPct val="0"/>
+              </a:spcAft>
+              <a:buClrTx/>
+              <a:buSzTx/>
+              <a:buFont typeface="Arial" panose="020B0604020202020204" pitchFamily="34" charset="0"/>
+              <a:buChar char="•"/>
+              <a:tabLst/>
+              <a:defRPr/>
+            </a:pPr>
+            <a:r>
+              <a:rPr lang="en-US" sz="2400" dirty="0">
+                <a:solidFill>
+                  <a:prstClr val="black"/>
+                </a:solidFill>
+                <a:latin typeface="Calibri"/>
+              </a:rPr>
+              <a:t>Targeted users: Football fans, statisticians.</a:t>
+            </a:r>
+          </a:p>
+          <a:p>
+            <a:pPr marL="0" marR="0" lvl="0" indent="0" algn="l" defTabSz="457200" rtl="0" eaLnBrk="0" fontAlgn="base" latinLnBrk="0" hangingPunct="0">
+              <a:lnSpc>
+                <a:spcPct val="100000"/>
+              </a:lnSpc>
+              <a:spcBef>
+                <a:spcPct val="20000"/>
+              </a:spcBef>
+              <a:spcAft>
+                <a:spcPct val="0"/>
+              </a:spcAft>
+              <a:buClrTx/>
+              <a:buSzTx/>
+              <a:buNone/>
+              <a:tabLst/>
+              <a:defRPr/>
+            </a:pPr>
+            <a:endParaRPr kumimoji="0" lang="en-US" sz="2000" b="0" i="0" u="none" strike="noStrike" kern="1200" cap="none" spc="0" normalizeH="0" baseline="0" noProof="0" dirty="0">
+              <a:ln>
+                <a:noFill/>
+              </a:ln>
+              <a:solidFill>
+                <a:prstClr val="black"/>
+              </a:solidFill>
+              <a:effectLst/>
+              <a:uLnTx/>
+              <a:uFillTx/>
+              <a:latin typeface="Calibri"/>
+              <a:ea typeface="ＭＳ Ｐゴシック" charset="0"/>
+            </a:endParaRPr>
+          </a:p>
+          <a:p>
+            <a:pPr marL="342900" marR="0" lvl="0" indent="-342900" algn="l" defTabSz="457200" rtl="0" eaLnBrk="0" fontAlgn="base" latinLnBrk="0" hangingPunct="0">
+              <a:lnSpc>
+                <a:spcPct val="100000"/>
+              </a:lnSpc>
+              <a:spcBef>
+                <a:spcPct val="20000"/>
+              </a:spcBef>
+              <a:spcAft>
+                <a:spcPct val="0"/>
+              </a:spcAft>
+              <a:buClrTx/>
+              <a:buSzTx/>
+              <a:buFont typeface="Arial" panose="020B0604020202020204" pitchFamily="34" charset="0"/>
+              <a:buChar char="•"/>
+              <a:tabLst/>
+              <a:defRPr/>
+            </a:pPr>
+            <a:r>
+              <a:rPr kumimoji="0" lang="en-US" sz="2400" b="0" i="0" u="none" strike="noStrike" kern="1200" cap="none" spc="0" normalizeH="0" baseline="0" noProof="0" dirty="0">
                 <a:ln>
                   <a:noFill/>
                 </a:ln>
@@ -14286,14 +13398,36 @@
                 <a:effectLst/>
                 <a:uLnTx/>
                 <a:uFillTx/>
-                <a:latin typeface="Calibri" panose="020F0502020204030204" pitchFamily="34" charset="0"/>
-                <a:ea typeface="ＭＳ Ｐゴシック" panose="020B0600070205080204" pitchFamily="34" charset="-128"/>
-                <a:cs typeface="+mn-cs"/>
+                <a:latin typeface="Calibri"/>
+                <a:ea typeface="ＭＳ Ｐゴシック" charset="0"/>
               </a:rPr>
-              <a:t>Sutton, R. S., </a:t>
-            </a:r>
-            <a:r>
-              <a:rPr kumimoji="0" lang="en-US" sz="800" b="0" i="0" u="none" strike="noStrike" kern="1200" cap="none" spc="0" normalizeH="0" baseline="0" noProof="0" dirty="0" err="1">
+              <a:t>Possible Applications</a:t>
+            </a:r>
+          </a:p>
+          <a:p>
+            <a:pPr lvl="1" indent="-342900">
+              <a:buFont typeface="Arial" panose="020B0604020202020204" pitchFamily="34" charset="0"/>
+              <a:buChar char="•"/>
+              <a:defRPr/>
+            </a:pPr>
+            <a:r>
+              <a:rPr lang="en-US" sz="2000" dirty="0">
+                <a:solidFill>
+                  <a:prstClr val="black"/>
+                </a:solidFill>
+                <a:latin typeface="Calibri"/>
+              </a:rPr>
+              <a:t>Fantasy Football</a:t>
+            </a:r>
+          </a:p>
+          <a:p>
+            <a:pPr lvl="1" indent="-342900">
+              <a:buFont typeface="Arial" panose="020B0604020202020204" pitchFamily="34" charset="0"/>
+              <a:buChar char="•"/>
+              <a:defRPr/>
+            </a:pPr>
+            <a:r>
+              <a:rPr kumimoji="0" lang="en-US" sz="2000" b="0" i="0" u="none" strike="noStrike" kern="1200" cap="none" spc="0" normalizeH="0" baseline="0" noProof="0" dirty="0">
                 <a:ln>
                   <a:noFill/>
                 </a:ln>
@@ -14303,38 +13437,72 @@
                 <a:effectLst/>
                 <a:uLnTx/>
                 <a:uFillTx/>
-                <a:latin typeface="Calibri" panose="020F0502020204030204" pitchFamily="34" charset="0"/>
-                <a:ea typeface="ＭＳ Ｐゴシック" panose="020B0600070205080204" pitchFamily="34" charset="-128"/>
-                <a:cs typeface="+mn-cs"/>
+                <a:latin typeface="Calibri"/>
+                <a:ea typeface="ＭＳ Ｐゴシック" charset="0"/>
               </a:rPr>
-              <a:t>Barto</a:t>
-            </a:r>
-            <a:r>
-              <a:rPr kumimoji="0" lang="en-US" sz="800" b="0" i="0" u="none" strike="noStrike" kern="1200" cap="none" spc="0" normalizeH="0" baseline="0" noProof="0" dirty="0">
-                <a:ln>
-                  <a:noFill/>
-                </a:ln>
+              <a:t>Sports Betting</a:t>
+            </a:r>
+          </a:p>
+          <a:p>
+            <a:pPr lvl="1" indent="-342900">
+              <a:buFont typeface="Arial" panose="020B0604020202020204" pitchFamily="34" charset="0"/>
+              <a:buChar char="•"/>
+              <a:defRPr/>
+            </a:pPr>
+            <a:r>
+              <a:rPr lang="en-US" sz="2000" dirty="0">
                 <a:solidFill>
                   <a:prstClr val="black"/>
                 </a:solidFill>
-                <a:effectLst/>
-                <a:uLnTx/>
-                <a:uFillTx/>
-                <a:latin typeface="Calibri" panose="020F0502020204030204" pitchFamily="34" charset="0"/>
-                <a:ea typeface="ＭＳ Ｐゴシック" panose="020B0600070205080204" pitchFamily="34" charset="-128"/>
-                <a:cs typeface="+mn-cs"/>
+                <a:latin typeface="Calibri"/>
               </a:rPr>
-              <a:t>, A. G. (2018 ). Reinforcement Learning: An Introduction. The MIT Press.</a:t>
-            </a:r>
+              <a:t>Casual information</a:t>
+            </a:r>
+          </a:p>
+        </p:txBody>
+      </p:sp>
+      <p:sp>
+        <p:nvSpPr>
+          <p:cNvPr id="13" name="TextBox 12">
+            <a:extLst>
+              <a:ext uri="{FF2B5EF4-FFF2-40B4-BE49-F238E27FC236}">
+                <a16:creationId xmlns:a16="http://schemas.microsoft.com/office/drawing/2014/main" id="{22D4C8A5-0886-BA1B-2EA4-8A784A4EE80C}"/>
+              </a:ext>
+            </a:extLst>
+          </p:cNvPr>
+          <p:cNvSpPr txBox="1"/>
+          <p:nvPr/>
+        </p:nvSpPr>
+        <p:spPr>
+          <a:xfrm>
+            <a:off x="6155474" y="3940808"/>
+            <a:ext cx="2639121" cy="646331"/>
+          </a:xfrm>
+          <a:prstGeom prst="rect">
+            <a:avLst/>
+          </a:prstGeom>
+          <a:noFill/>
+        </p:spPr>
+        <p:txBody>
+          <a:bodyPr wrap="square" rtlCol="0">
+            <a:spAutoFit/>
+          </a:bodyPr>
+          <a:lstStyle/>
+          <a:p>
+            <a:r>
+              <a:rPr lang="en-US" sz="1200" dirty="0"/>
+              <a:t>Source: https://support.apple.com/en-tm/guide/apple-sports-app/apdec6a74b4c/web</a:t>
+            </a:r>
+            <a:endParaRPr lang="en-US" dirty="0"/>
           </a:p>
         </p:txBody>
       </p:sp>
       <p:pic>
         <p:nvPicPr>
-          <p:cNvPr id="8" name="Picture 7">
+          <p:cNvPr id="4" name="Picture 3" descr="A screen shot of a phone&#10;&#10;Description automatically generated">
             <a:extLst>
               <a:ext uri="{FF2B5EF4-FFF2-40B4-BE49-F238E27FC236}">
-                <a16:creationId xmlns:a16="http://schemas.microsoft.com/office/drawing/2014/main" id="{A9F5E3E3-2331-F74E-EC31-FD1ADC5AA77E}"/>
+                <a16:creationId xmlns:a16="http://schemas.microsoft.com/office/drawing/2014/main" id="{ACFA2EF9-DD13-9CE3-CE82-7D9A47A73DE6}"/>
               </a:ext>
             </a:extLst>
           </p:cNvPr>
@@ -14344,15 +13512,15 @@
           <p:nvPr/>
         </p:nvPicPr>
         <p:blipFill>
-          <a:blip r:embed="rId4"/>
+          <a:blip r:embed="rId2"/>
           <a:stretch>
             <a:fillRect/>
           </a:stretch>
         </p:blipFill>
         <p:spPr>
           <a:xfrm>
-            <a:off x="4902250" y="896587"/>
-            <a:ext cx="3850431" cy="1721299"/>
+            <a:off x="5847266" y="976508"/>
+            <a:ext cx="2874459" cy="2671430"/>
           </a:xfrm>
           <a:prstGeom prst="rect">
             <a:avLst/>
@@ -14361,10 +13529,10 @@
       </p:pic>
       <p:sp>
         <p:nvSpPr>
-          <p:cNvPr id="5" name="Footer Placeholder 4">
+          <p:cNvPr id="6" name="Slide Number Placeholder 4">
             <a:extLst>
               <a:ext uri="{FF2B5EF4-FFF2-40B4-BE49-F238E27FC236}">
-                <a16:creationId xmlns:a16="http://schemas.microsoft.com/office/drawing/2014/main" id="{1CC0E62C-93FE-DEDE-6FF8-0508F6521AFC}"/>
+                <a16:creationId xmlns:a16="http://schemas.microsoft.com/office/drawing/2014/main" id="{07BBE3ED-694B-9021-825E-43A0BBF6137F}"/>
               </a:ext>
             </a:extLst>
           </p:cNvPr>
@@ -14372,57 +13540,705 @@
             <a:spLocks noGrp="1"/>
           </p:cNvSpPr>
           <p:nvPr>
-            <p:ph type="ftr" sz="quarter" idx="11"/>
-          </p:nvPr>
-        </p:nvSpPr>
-        <p:spPr/>
+            <p:ph type="sldNum" sz="quarter" idx="12"/>
+          </p:nvPr>
+        </p:nvSpPr>
+        <p:spPr>
+          <a:xfrm>
+            <a:off x="6553200" y="4767263"/>
+            <a:ext cx="2133600" cy="274637"/>
+          </a:xfrm>
+        </p:spPr>
         <p:txBody>
           <a:bodyPr/>
           <a:lstStyle/>
           <a:p>
-            <a:pPr marL="0" marR="0" lvl="0" indent="0" algn="ctr" defTabSz="457200" rtl="0" eaLnBrk="1" fontAlgn="auto" latinLnBrk="0" hangingPunct="1">
+            <a:r>
+              <a:rPr lang="en-US" altLang="en-US" dirty="0"/>
+              <a:t>4</a:t>
+            </a:r>
+          </a:p>
+        </p:txBody>
+      </p:sp>
+    </p:spTree>
+    <p:extLst>
+      <p:ext uri="{BB962C8B-B14F-4D97-AF65-F5344CB8AC3E}">
+        <p14:creationId xmlns:p14="http://schemas.microsoft.com/office/powerpoint/2010/main" val="3312372808"/>
+      </p:ext>
+    </p:extLst>
+  </p:cSld>
+  <p:clrMapOvr>
+    <a:masterClrMapping/>
+  </p:clrMapOvr>
+</p:sld>
+</file>
+
+<file path=ppt/slides/slide5.xml><?xml version="1.0" encoding="utf-8"?>
+<p:sld xmlns:a="http://schemas.openxmlformats.org/drawingml/2006/main" xmlns:r="http://schemas.openxmlformats.org/officeDocument/2006/relationships" xmlns:p="http://schemas.openxmlformats.org/presentationml/2006/main">
+  <p:cSld>
+    <p:spTree>
+      <p:nvGrpSpPr>
+        <p:cNvPr id="1" name=""/>
+        <p:cNvGrpSpPr/>
+        <p:nvPr/>
+      </p:nvGrpSpPr>
+      <p:grpSpPr>
+        <a:xfrm>
+          <a:off x="0" y="0"/>
+          <a:ext cx="0" cy="0"/>
+          <a:chOff x="0" y="0"/>
+          <a:chExt cx="0" cy="0"/>
+        </a:xfrm>
+      </p:grpSpPr>
+      <p:sp>
+        <p:nvSpPr>
+          <p:cNvPr id="2" name="Title 1">
+            <a:extLst>
+              <a:ext uri="{FF2B5EF4-FFF2-40B4-BE49-F238E27FC236}">
+                <a16:creationId xmlns:a16="http://schemas.microsoft.com/office/drawing/2014/main" id="{BC0C1664-B50B-C85D-D5CF-03DFC04AF711}"/>
+              </a:ext>
+            </a:extLst>
+          </p:cNvPr>
+          <p:cNvSpPr>
+            <a:spLocks noGrp="1"/>
+          </p:cNvSpPr>
+          <p:nvPr>
+            <p:ph type="title"/>
+          </p:nvPr>
+        </p:nvSpPr>
+        <p:spPr>
+          <a:xfrm>
+            <a:off x="1122555" y="15983"/>
+            <a:ext cx="8229600" cy="457200"/>
+          </a:xfrm>
+        </p:spPr>
+        <p:txBody>
+          <a:bodyPr/>
+          <a:lstStyle/>
+          <a:p>
+            <a:r>
+              <a:rPr lang="en-US" dirty="0"/>
+              <a:t>NFL database system implementation</a:t>
+            </a:r>
+          </a:p>
+        </p:txBody>
+      </p:sp>
+      <p:pic>
+        <p:nvPicPr>
+          <p:cNvPr id="7" name="Content Placeholder 6" descr="A diagram of a computer&#10;&#10;Description automatically generated">
+            <a:extLst>
+              <a:ext uri="{FF2B5EF4-FFF2-40B4-BE49-F238E27FC236}">
+                <a16:creationId xmlns:a16="http://schemas.microsoft.com/office/drawing/2014/main" id="{A79F805D-30E3-F0C5-71A9-45EE232BD4C6}"/>
+              </a:ext>
+            </a:extLst>
+          </p:cNvPr>
+          <p:cNvPicPr>
+            <a:picLocks noGrp="1" noChangeAspect="1"/>
+          </p:cNvPicPr>
+          <p:nvPr>
+            <p:ph idx="1"/>
+          </p:nvPr>
+        </p:nvPicPr>
+        <p:blipFill>
+          <a:blip r:embed="rId2"/>
+          <a:stretch>
+            <a:fillRect/>
+          </a:stretch>
+        </p:blipFill>
+        <p:spPr>
+          <a:xfrm>
+            <a:off x="3674327" y="1020878"/>
+            <a:ext cx="5365595" cy="3394075"/>
+          </a:xfrm>
+        </p:spPr>
+      </p:pic>
+      <p:sp>
+        <p:nvSpPr>
+          <p:cNvPr id="5" name="Slide Number Placeholder 4">
+            <a:extLst>
+              <a:ext uri="{FF2B5EF4-FFF2-40B4-BE49-F238E27FC236}">
+                <a16:creationId xmlns:a16="http://schemas.microsoft.com/office/drawing/2014/main" id="{1D89623B-67A3-0C03-F480-E090C66D7BB8}"/>
+              </a:ext>
+            </a:extLst>
+          </p:cNvPr>
+          <p:cNvSpPr>
+            <a:spLocks noGrp="1"/>
+          </p:cNvSpPr>
+          <p:nvPr>
+            <p:ph type="sldNum" sz="quarter" idx="12"/>
+          </p:nvPr>
+        </p:nvSpPr>
+        <p:spPr/>
+        <p:txBody>
+          <a:bodyPr/>
+          <a:lstStyle/>
+          <a:p>
+            <a:r>
+              <a:rPr lang="en-US" altLang="en-US" dirty="0"/>
+              <a:t>5</a:t>
+            </a:r>
+          </a:p>
+        </p:txBody>
+      </p:sp>
+      <p:sp>
+        <p:nvSpPr>
+          <p:cNvPr id="8" name="Content Placeholder 2">
+            <a:extLst>
+              <a:ext uri="{FF2B5EF4-FFF2-40B4-BE49-F238E27FC236}">
+                <a16:creationId xmlns:a16="http://schemas.microsoft.com/office/drawing/2014/main" id="{683EC503-E437-AB9A-5C56-3771AE8CC49C}"/>
+              </a:ext>
+            </a:extLst>
+          </p:cNvPr>
+          <p:cNvSpPr txBox="1">
+            <a:spLocks/>
+          </p:cNvSpPr>
+          <p:nvPr/>
+        </p:nvSpPr>
+        <p:spPr bwMode="auto">
+          <a:xfrm>
+            <a:off x="287377" y="1970766"/>
+            <a:ext cx="4284623" cy="3833656"/>
+          </a:xfrm>
+          <a:prstGeom prst="rect">
+            <a:avLst/>
+          </a:prstGeom>
+          <a:noFill/>
+          <a:ln>
+            <a:noFill/>
+          </a:ln>
+          <a:extLst>
+            <a:ext uri="{909E8E84-426E-40DD-AFC4-6F175D3DCCD1}">
+              <a14:hiddenFill xmlns:a14="http://schemas.microsoft.com/office/drawing/2010/main">
+                <a:solidFill>
+                  <a:srgbClr val="FFFFFF"/>
+                </a:solidFill>
+              </a14:hiddenFill>
+            </a:ext>
+            <a:ext uri="{91240B29-F687-4F45-9708-019B960494DF}">
+              <a14:hiddenLine xmlns:a14="http://schemas.microsoft.com/office/drawing/2010/main" w="9525">
+                <a:solidFill>
+                  <a:srgbClr val="000000"/>
+                </a:solidFill>
+                <a:miter lim="800000"/>
+                <a:headEnd/>
+                <a:tailEnd/>
+              </a14:hiddenLine>
+            </a:ext>
+          </a:extLst>
+        </p:spPr>
+        <p:txBody>
+          <a:bodyPr vert="horz" wrap="square" lIns="91440" tIns="45720" rIns="91440" bIns="45720" numCol="1" anchor="t" anchorCtr="0" compatLnSpc="1">
+            <a:prstTxWarp prst="textNoShape">
+              <a:avLst/>
+            </a:prstTxWarp>
+          </a:bodyPr>
+          <a:lstStyle>
+            <a:lvl1pPr marL="342900" indent="-342900" algn="l" defTabSz="457200" rtl="0" eaLnBrk="0" fontAlgn="base" hangingPunct="0">
+              <a:spcBef>
+                <a:spcPct val="20000"/>
+              </a:spcBef>
+              <a:spcAft>
+                <a:spcPct val="0"/>
+              </a:spcAft>
+              <a:buFont typeface="Arial" panose="020B0604020202020204" pitchFamily="34" charset="0"/>
+              <a:buChar char="•"/>
+              <a:defRPr sz="3200" kern="1200">
+                <a:solidFill>
+                  <a:schemeClr val="tx1"/>
+                </a:solidFill>
+                <a:latin typeface="+mj-lt"/>
+                <a:ea typeface="ＭＳ Ｐゴシック" charset="0"/>
+                <a:cs typeface="Lucida Sans"/>
+              </a:defRPr>
+            </a:lvl1pPr>
+            <a:lvl2pPr marL="742950" indent="-285750" algn="l" defTabSz="457200" rtl="0" eaLnBrk="0" fontAlgn="base" hangingPunct="0">
+              <a:spcBef>
+                <a:spcPct val="20000"/>
+              </a:spcBef>
+              <a:spcAft>
+                <a:spcPct val="0"/>
+              </a:spcAft>
+              <a:buFont typeface="Arial" panose="020B0604020202020204" pitchFamily="34" charset="0"/>
+              <a:buChar char="–"/>
+              <a:defRPr sz="2800" kern="1200">
+                <a:solidFill>
+                  <a:schemeClr val="tx1"/>
+                </a:solidFill>
+                <a:latin typeface="+mj-lt"/>
+                <a:ea typeface="ＭＳ Ｐゴシック" charset="0"/>
+                <a:cs typeface="Lucida Sans"/>
+              </a:defRPr>
+            </a:lvl2pPr>
+            <a:lvl3pPr marL="1143000" indent="-228600" algn="l" defTabSz="457200" rtl="0" eaLnBrk="0" fontAlgn="base" hangingPunct="0">
+              <a:spcBef>
+                <a:spcPct val="20000"/>
+              </a:spcBef>
+              <a:spcAft>
+                <a:spcPct val="0"/>
+              </a:spcAft>
+              <a:buFont typeface="Arial" panose="020B0604020202020204" pitchFamily="34" charset="0"/>
+              <a:buChar char="•"/>
+              <a:defRPr sz="2400" kern="1200">
+                <a:solidFill>
+                  <a:schemeClr val="tx1"/>
+                </a:solidFill>
+                <a:latin typeface="+mj-lt"/>
+                <a:ea typeface="ＭＳ Ｐゴシック" charset="0"/>
+                <a:cs typeface="Lucida Sans"/>
+              </a:defRPr>
+            </a:lvl3pPr>
+            <a:lvl4pPr marL="1600200" indent="-228600" algn="l" defTabSz="457200" rtl="0" eaLnBrk="0" fontAlgn="base" hangingPunct="0">
+              <a:spcBef>
+                <a:spcPct val="20000"/>
+              </a:spcBef>
+              <a:spcAft>
+                <a:spcPct val="0"/>
+              </a:spcAft>
+              <a:buFont typeface="Arial" panose="020B0604020202020204" pitchFamily="34" charset="0"/>
+              <a:buChar char="–"/>
+              <a:defRPr sz="2000" kern="1200">
+                <a:solidFill>
+                  <a:schemeClr val="tx1"/>
+                </a:solidFill>
+                <a:latin typeface="+mj-lt"/>
+                <a:ea typeface="ＭＳ Ｐゴシック" charset="0"/>
+                <a:cs typeface="Lucida Sans"/>
+              </a:defRPr>
+            </a:lvl4pPr>
+            <a:lvl5pPr marL="2057400" indent="-228600" algn="l" defTabSz="457200" rtl="0" eaLnBrk="0" fontAlgn="base" hangingPunct="0">
+              <a:spcBef>
+                <a:spcPct val="20000"/>
+              </a:spcBef>
+              <a:spcAft>
+                <a:spcPct val="0"/>
+              </a:spcAft>
+              <a:buFont typeface="Arial" panose="020B0604020202020204" pitchFamily="34" charset="0"/>
+              <a:buChar char="»"/>
+              <a:defRPr sz="2000" kern="1200">
+                <a:solidFill>
+                  <a:schemeClr val="tx1"/>
+                </a:solidFill>
+                <a:latin typeface="+mj-lt"/>
+                <a:ea typeface="ＭＳ Ｐゴシック" charset="0"/>
+                <a:cs typeface="Lucida Sans"/>
+              </a:defRPr>
+            </a:lvl5pPr>
+            <a:lvl6pPr marL="2514600" indent="-228600" algn="l" defTabSz="457200" rtl="0" eaLnBrk="1" latinLnBrk="0" hangingPunct="1">
+              <a:spcBef>
+                <a:spcPct val="20000"/>
+              </a:spcBef>
+              <a:buFont typeface="Arial"/>
+              <a:buChar char="•"/>
+              <a:defRPr sz="2000" kern="1200">
+                <a:solidFill>
+                  <a:schemeClr val="tx1"/>
+                </a:solidFill>
+                <a:latin typeface="+mn-lt"/>
+                <a:ea typeface="+mn-ea"/>
+                <a:cs typeface="+mn-cs"/>
+              </a:defRPr>
+            </a:lvl6pPr>
+            <a:lvl7pPr marL="2971800" indent="-228600" algn="l" defTabSz="457200" rtl="0" eaLnBrk="1" latinLnBrk="0" hangingPunct="1">
+              <a:spcBef>
+                <a:spcPct val="20000"/>
+              </a:spcBef>
+              <a:buFont typeface="Arial"/>
+              <a:buChar char="•"/>
+              <a:defRPr sz="2000" kern="1200">
+                <a:solidFill>
+                  <a:schemeClr val="tx1"/>
+                </a:solidFill>
+                <a:latin typeface="+mn-lt"/>
+                <a:ea typeface="+mn-ea"/>
+                <a:cs typeface="+mn-cs"/>
+              </a:defRPr>
+            </a:lvl7pPr>
+            <a:lvl8pPr marL="3429000" indent="-228600" algn="l" defTabSz="457200" rtl="0" eaLnBrk="1" latinLnBrk="0" hangingPunct="1">
+              <a:spcBef>
+                <a:spcPct val="20000"/>
+              </a:spcBef>
+              <a:buFont typeface="Arial"/>
+              <a:buChar char="•"/>
+              <a:defRPr sz="2000" kern="1200">
+                <a:solidFill>
+                  <a:schemeClr val="tx1"/>
+                </a:solidFill>
+                <a:latin typeface="+mn-lt"/>
+                <a:ea typeface="+mn-ea"/>
+                <a:cs typeface="+mn-cs"/>
+              </a:defRPr>
+            </a:lvl8pPr>
+            <a:lvl9pPr marL="3886200" indent="-228600" algn="l" defTabSz="457200" rtl="0" eaLnBrk="1" latinLnBrk="0" hangingPunct="1">
+              <a:spcBef>
+                <a:spcPct val="20000"/>
+              </a:spcBef>
+              <a:buFont typeface="Arial"/>
+              <a:buChar char="•"/>
+              <a:defRPr sz="2000" kern="1200">
+                <a:solidFill>
+                  <a:schemeClr val="tx1"/>
+                </a:solidFill>
+                <a:latin typeface="+mn-lt"/>
+                <a:ea typeface="+mn-ea"/>
+                <a:cs typeface="+mn-cs"/>
+              </a:defRPr>
+            </a:lvl9pPr>
+          </a:lstStyle>
+          <a:p>
+            <a:pPr marL="342900" marR="0" lvl="0" indent="-342900" algn="l" defTabSz="457200" rtl="0" eaLnBrk="0" fontAlgn="base" latinLnBrk="0" hangingPunct="0">
               <a:lnSpc>
                 <a:spcPct val="100000"/>
               </a:lnSpc>
               <a:spcBef>
-                <a:spcPts val="0"/>
+                <a:spcPct val="20000"/>
               </a:spcBef>
               <a:spcAft>
-                <a:spcPts val="0"/>
+                <a:spcPct val="0"/>
               </a:spcAft>
               <a:buClrTx/>
               <a:buSzTx/>
-              <a:buFontTx/>
-              <a:buNone/>
+              <a:buFont typeface="Arial" panose="020B0604020202020204" pitchFamily="34" charset="0"/>
+              <a:buChar char="•"/>
               <a:tabLst/>
               <a:defRPr/>
             </a:pPr>
             <a:r>
-              <a:rPr kumimoji="0" lang="en-US" sz="1200" b="0" i="0" u="none" strike="noStrike" kern="1200" cap="none" spc="0" normalizeH="0" baseline="0" noProof="0">
-                <a:ln>
-                  <a:noFill/>
-                </a:ln>
+              <a:rPr lang="en-US" sz="2400" dirty="0">
                 <a:solidFill>
-                  <a:prstClr val="black">
-                    <a:tint val="75000"/>
-                  </a:prstClr>
+                  <a:prstClr val="black"/>
                 </a:solidFill>
-                <a:effectLst/>
-                <a:uLnTx/>
-                <a:uFillTx/>
-                <a:latin typeface="Calibri" panose="020F0502020204030204"/>
-                <a:ea typeface="+mn-ea"/>
-                <a:cs typeface="+mn-cs"/>
+                <a:latin typeface="Calibri"/>
               </a:rPr>
-              <a:t>Deep Q-Learning &amp; Experience Replay Variants for Reinforcement Learning Tasks</a:t>
-            </a:r>
+              <a:t>Python application</a:t>
+            </a:r>
+          </a:p>
+          <a:p>
+            <a:pPr marL="342900" marR="0" lvl="0" indent="-342900" algn="l" defTabSz="457200" rtl="0" eaLnBrk="0" fontAlgn="base" latinLnBrk="0" hangingPunct="0">
+              <a:lnSpc>
+                <a:spcPct val="100000"/>
+              </a:lnSpc>
+              <a:spcBef>
+                <a:spcPct val="20000"/>
+              </a:spcBef>
+              <a:spcAft>
+                <a:spcPct val="0"/>
+              </a:spcAft>
+              <a:buClrTx/>
+              <a:buSzTx/>
+              <a:buFont typeface="Arial" panose="020B0604020202020204" pitchFamily="34" charset="0"/>
+              <a:buChar char="•"/>
+              <a:tabLst/>
+              <a:defRPr/>
+            </a:pPr>
+            <a:endParaRPr lang="en-US" sz="2400" dirty="0">
+              <a:solidFill>
+                <a:prstClr val="black"/>
+              </a:solidFill>
+              <a:latin typeface="Calibri"/>
+            </a:endParaRPr>
+          </a:p>
+          <a:p>
+            <a:pPr marL="342900" marR="0" lvl="0" indent="-342900" algn="l" defTabSz="457200" rtl="0" eaLnBrk="0" fontAlgn="base" latinLnBrk="0" hangingPunct="0">
+              <a:lnSpc>
+                <a:spcPct val="100000"/>
+              </a:lnSpc>
+              <a:spcBef>
+                <a:spcPct val="20000"/>
+              </a:spcBef>
+              <a:spcAft>
+                <a:spcPct val="0"/>
+              </a:spcAft>
+              <a:buClrTx/>
+              <a:buSzTx/>
+              <a:buFont typeface="Arial" panose="020B0604020202020204" pitchFamily="34" charset="0"/>
+              <a:buChar char="•"/>
+              <a:tabLst/>
+              <a:defRPr/>
+            </a:pPr>
+            <a:r>
+              <a:rPr lang="en-US" sz="2400" dirty="0">
+                <a:solidFill>
+                  <a:prstClr val="black"/>
+                </a:solidFill>
+                <a:latin typeface="Calibri"/>
+              </a:rPr>
+              <a:t>Extract past 10 years of NFL data from ESPN API</a:t>
+            </a:r>
+          </a:p>
+          <a:p>
+            <a:pPr marL="0" marR="0" lvl="0" indent="0" algn="l" defTabSz="457200" rtl="0" eaLnBrk="0" fontAlgn="base" latinLnBrk="0" hangingPunct="0">
+              <a:lnSpc>
+                <a:spcPct val="100000"/>
+              </a:lnSpc>
+              <a:spcBef>
+                <a:spcPct val="20000"/>
+              </a:spcBef>
+              <a:spcAft>
+                <a:spcPct val="0"/>
+              </a:spcAft>
+              <a:buClrTx/>
+              <a:buSzTx/>
+              <a:buNone/>
+              <a:tabLst/>
+              <a:defRPr/>
+            </a:pPr>
+            <a:endParaRPr lang="en-US" sz="2400" dirty="0">
+              <a:solidFill>
+                <a:prstClr val="black"/>
+              </a:solidFill>
+              <a:latin typeface="Calibri"/>
+            </a:endParaRPr>
           </a:p>
         </p:txBody>
       </p:sp>
     </p:spTree>
     <p:extLst>
       <p:ext uri="{BB962C8B-B14F-4D97-AF65-F5344CB8AC3E}">
-        <p14:creationId xmlns:p14="http://schemas.microsoft.com/office/powerpoint/2010/main" val="2279843783"/>
+        <p14:creationId xmlns:p14="http://schemas.microsoft.com/office/powerpoint/2010/main" val="1616471428"/>
+      </p:ext>
+    </p:extLst>
+  </p:cSld>
+  <p:clrMapOvr>
+    <a:masterClrMapping/>
+  </p:clrMapOvr>
+</p:sld>
+</file>
+
+<file path=ppt/slides/slide6.xml><?xml version="1.0" encoding="utf-8"?>
+<p:sld xmlns:a="http://schemas.openxmlformats.org/drawingml/2006/main" xmlns:r="http://schemas.openxmlformats.org/officeDocument/2006/relationships" xmlns:p="http://schemas.openxmlformats.org/presentationml/2006/main">
+  <p:cSld>
+    <p:spTree>
+      <p:nvGrpSpPr>
+        <p:cNvPr id="1" name=""/>
+        <p:cNvGrpSpPr/>
+        <p:nvPr/>
+      </p:nvGrpSpPr>
+      <p:grpSpPr>
+        <a:xfrm>
+          <a:off x="0" y="0"/>
+          <a:ext cx="0" cy="0"/>
+          <a:chOff x="0" y="0"/>
+          <a:chExt cx="0" cy="0"/>
+        </a:xfrm>
+      </p:grpSpPr>
+      <p:sp>
+        <p:nvSpPr>
+          <p:cNvPr id="2" name="Title 1">
+            <a:extLst>
+              <a:ext uri="{FF2B5EF4-FFF2-40B4-BE49-F238E27FC236}">
+                <a16:creationId xmlns:a16="http://schemas.microsoft.com/office/drawing/2014/main" id="{4D1A28EE-D621-2727-1712-AF3BBE0B05C5}"/>
+              </a:ext>
+            </a:extLst>
+          </p:cNvPr>
+          <p:cNvSpPr>
+            <a:spLocks noGrp="1"/>
+          </p:cNvSpPr>
+          <p:nvPr>
+            <p:ph type="title"/>
+          </p:nvPr>
+        </p:nvSpPr>
+        <p:spPr>
+          <a:xfrm>
+            <a:off x="1818392" y="94808"/>
+            <a:ext cx="8229600" cy="457200"/>
+          </a:xfrm>
+        </p:spPr>
+        <p:txBody>
+          <a:bodyPr/>
+          <a:lstStyle/>
+          <a:p>
+            <a:r>
+              <a:rPr lang="en-US" dirty="0"/>
+              <a:t>NFL Application Installation</a:t>
+            </a:r>
+          </a:p>
+        </p:txBody>
+      </p:sp>
+      <p:sp>
+        <p:nvSpPr>
+          <p:cNvPr id="3" name="Content Placeholder 2">
+            <a:extLst>
+              <a:ext uri="{FF2B5EF4-FFF2-40B4-BE49-F238E27FC236}">
+                <a16:creationId xmlns:a16="http://schemas.microsoft.com/office/drawing/2014/main" id="{6A451591-3C3C-BDA9-131E-C63C25ADAEC7}"/>
+              </a:ext>
+            </a:extLst>
+          </p:cNvPr>
+          <p:cNvSpPr>
+            <a:spLocks noGrp="1"/>
+          </p:cNvSpPr>
+          <p:nvPr>
+            <p:ph idx="1"/>
+          </p:nvPr>
+        </p:nvSpPr>
+        <p:spPr>
+          <a:xfrm>
+            <a:off x="359069" y="874712"/>
+            <a:ext cx="8425861" cy="3394075"/>
+          </a:xfrm>
+        </p:spPr>
+        <p:txBody>
+          <a:bodyPr/>
+          <a:lstStyle/>
+          <a:p>
+            <a:r>
+              <a:rPr lang="en-US" dirty="0"/>
+              <a:t>NFL application publicly available at GitHub</a:t>
+            </a:r>
+          </a:p>
+          <a:p>
+            <a:pPr marL="0" indent="0">
+              <a:buNone/>
+            </a:pPr>
+            <a:endParaRPr lang="en-US" dirty="0"/>
+          </a:p>
+          <a:p>
+            <a:r>
+              <a:rPr lang="en-US" dirty="0">
+                <a:hlinkClick r:id="rId2"/>
+              </a:rPr>
+              <a:t>https://github.com/JamesChapmanNV/NFL_database</a:t>
+            </a:r>
+            <a:endParaRPr lang="en-US" dirty="0"/>
+          </a:p>
+          <a:p>
+            <a:endParaRPr lang="en-US" dirty="0"/>
+          </a:p>
+          <a:p>
+            <a:r>
+              <a:rPr lang="en-US" dirty="0"/>
+              <a:t>Read the documentation for installation</a:t>
+            </a:r>
+          </a:p>
+        </p:txBody>
+      </p:sp>
+      <p:sp>
+        <p:nvSpPr>
+          <p:cNvPr id="5" name="Slide Number Placeholder 4">
+            <a:extLst>
+              <a:ext uri="{FF2B5EF4-FFF2-40B4-BE49-F238E27FC236}">
+                <a16:creationId xmlns:a16="http://schemas.microsoft.com/office/drawing/2014/main" id="{BD99D30E-5827-6BDA-966D-9E353D9D3F3D}"/>
+              </a:ext>
+            </a:extLst>
+          </p:cNvPr>
+          <p:cNvSpPr>
+            <a:spLocks noGrp="1"/>
+          </p:cNvSpPr>
+          <p:nvPr>
+            <p:ph type="sldNum" sz="quarter" idx="12"/>
+          </p:nvPr>
+        </p:nvSpPr>
+        <p:spPr/>
+        <p:txBody>
+          <a:bodyPr/>
+          <a:lstStyle/>
+          <a:p>
+            <a:r>
+              <a:rPr lang="en-US" altLang="en-US" dirty="0"/>
+              <a:t>6</a:t>
+            </a:r>
+          </a:p>
+        </p:txBody>
+      </p:sp>
+    </p:spTree>
+    <p:extLst>
+      <p:ext uri="{BB962C8B-B14F-4D97-AF65-F5344CB8AC3E}">
+        <p14:creationId xmlns:p14="http://schemas.microsoft.com/office/powerpoint/2010/main" val="2622792960"/>
+      </p:ext>
+    </p:extLst>
+  </p:cSld>
+  <p:clrMapOvr>
+    <a:masterClrMapping/>
+  </p:clrMapOvr>
+</p:sld>
+</file>
+
+<file path=ppt/slides/slide7.xml><?xml version="1.0" encoding="utf-8"?>
+<p:sld xmlns:a="http://schemas.openxmlformats.org/drawingml/2006/main" xmlns:r="http://schemas.openxmlformats.org/officeDocument/2006/relationships" xmlns:p="http://schemas.openxmlformats.org/presentationml/2006/main">
+  <p:cSld>
+    <p:spTree>
+      <p:nvGrpSpPr>
+        <p:cNvPr id="1" name=""/>
+        <p:cNvGrpSpPr/>
+        <p:nvPr/>
+      </p:nvGrpSpPr>
+      <p:grpSpPr>
+        <a:xfrm>
+          <a:off x="0" y="0"/>
+          <a:ext cx="0" cy="0"/>
+          <a:chOff x="0" y="0"/>
+          <a:chExt cx="0" cy="0"/>
+        </a:xfrm>
+      </p:grpSpPr>
+      <p:sp>
+        <p:nvSpPr>
+          <p:cNvPr id="2" name="Title 1">
+            <a:extLst>
+              <a:ext uri="{FF2B5EF4-FFF2-40B4-BE49-F238E27FC236}">
+                <a16:creationId xmlns:a16="http://schemas.microsoft.com/office/drawing/2014/main" id="{6E42C2A6-D2E4-D27C-448F-085F90722D91}"/>
+              </a:ext>
+            </a:extLst>
+          </p:cNvPr>
+          <p:cNvSpPr>
+            <a:spLocks noGrp="1"/>
+          </p:cNvSpPr>
+          <p:nvPr>
+            <p:ph type="title"/>
+          </p:nvPr>
+        </p:nvSpPr>
+        <p:spPr>
+          <a:xfrm>
+            <a:off x="1565631" y="69385"/>
+            <a:ext cx="8229600" cy="457200"/>
+          </a:xfrm>
+        </p:spPr>
+        <p:txBody>
+          <a:bodyPr/>
+          <a:lstStyle/>
+          <a:p>
+            <a:r>
+              <a:rPr lang="en-US" dirty="0"/>
+              <a:t>NFL Application Walkthrough</a:t>
+            </a:r>
+          </a:p>
+        </p:txBody>
+      </p:sp>
+      <p:sp>
+        <p:nvSpPr>
+          <p:cNvPr id="6" name="Content Placeholder 2">
+            <a:extLst>
+              <a:ext uri="{FF2B5EF4-FFF2-40B4-BE49-F238E27FC236}">
+                <a16:creationId xmlns:a16="http://schemas.microsoft.com/office/drawing/2014/main" id="{8F722032-BD2C-7BC9-D033-4E89EA68C4ED}"/>
+              </a:ext>
+            </a:extLst>
+          </p:cNvPr>
+          <p:cNvSpPr>
+            <a:spLocks noGrp="1"/>
+          </p:cNvSpPr>
+          <p:nvPr>
+            <p:ph idx="1"/>
+          </p:nvPr>
+        </p:nvSpPr>
+        <p:spPr>
+          <a:xfrm>
+            <a:off x="931498" y="1680040"/>
+            <a:ext cx="8425861" cy="3394075"/>
+          </a:xfrm>
+        </p:spPr>
+        <p:txBody>
+          <a:bodyPr/>
+          <a:lstStyle/>
+          <a:p>
+            <a:r>
+              <a:rPr lang="en-US" dirty="0"/>
+              <a:t>Demonstrate the NFL application</a:t>
+            </a:r>
+          </a:p>
+        </p:txBody>
+      </p:sp>
+    </p:spTree>
+    <p:extLst>
+      <p:ext uri="{BB962C8B-B14F-4D97-AF65-F5344CB8AC3E}">
+        <p14:creationId xmlns:p14="http://schemas.microsoft.com/office/powerpoint/2010/main" val="492451578"/>
       </p:ext>
     </p:extLst>
   </p:cSld>

--- a/docs/Project Presentation/NFL_Database_Presentation.pptx
+++ b/docs/Project Presentation/NFL_Database_Presentation.pptx
@@ -7,16 +7,18 @@
     <p:sldMasterId id="2147493647" r:id="rId5"/>
   </p:sldMasterIdLst>
   <p:notesMasterIdLst>
-    <p:notesMasterId r:id="rId13"/>
+    <p:notesMasterId r:id="rId15"/>
   </p:notesMasterIdLst>
   <p:sldIdLst>
     <p:sldId id="256" r:id="rId6"/>
     <p:sldId id="303" r:id="rId7"/>
     <p:sldId id="292" r:id="rId8"/>
-    <p:sldId id="304" r:id="rId9"/>
-    <p:sldId id="305" r:id="rId10"/>
-    <p:sldId id="306" r:id="rId11"/>
-    <p:sldId id="307" r:id="rId12"/>
+    <p:sldId id="308" r:id="rId9"/>
+    <p:sldId id="309" r:id="rId10"/>
+    <p:sldId id="304" r:id="rId11"/>
+    <p:sldId id="305" r:id="rId12"/>
+    <p:sldId id="306" r:id="rId13"/>
+    <p:sldId id="307" r:id="rId14"/>
   </p:sldIdLst>
   <p:sldSz cx="9144000" cy="5143500" type="screen16x9"/>
   <p:notesSz cx="6858000" cy="9144000"/>
@@ -320,7 +322,7 @@
               <a:pPr>
                 <a:defRPr/>
               </a:pPr>
-              <a:t>5/5/2024</a:t>
+              <a:t>5/6/2024</a:t>
             </a:fld>
             <a:endParaRPr lang="en-US"/>
           </a:p>
@@ -994,7 +996,7 @@
               <a:pPr>
                 <a:defRPr/>
               </a:pPr>
-              <a:t>5/5/2024</a:t>
+              <a:t>5/6/2024</a:t>
             </a:fld>
             <a:endParaRPr lang="en-US" altLang="en-US"/>
           </a:p>
@@ -1207,7 +1209,7 @@
               <a:pPr>
                 <a:defRPr/>
               </a:pPr>
-              <a:t>5/5/2024</a:t>
+              <a:t>5/6/2024</a:t>
             </a:fld>
             <a:endParaRPr lang="en-US" altLang="en-US"/>
           </a:p>
@@ -1430,7 +1432,7 @@
               <a:pPr>
                 <a:defRPr/>
               </a:pPr>
-              <a:t>5/5/2024</a:t>
+              <a:t>5/6/2024</a:t>
             </a:fld>
             <a:endParaRPr lang="en-US" altLang="en-US"/>
           </a:p>
@@ -1713,7 +1715,7 @@
           <a:p>
             <a:fld id="{E50E5C25-56AA-4438-AD6E-26640E642245}" type="datetime1">
               <a:rPr lang="en-US" altLang="en-US" smtClean="0"/>
-              <a:t>5/5/2024</a:t>
+              <a:t>5/6/2024</a:t>
             </a:fld>
             <a:endParaRPr lang="en-US" altLang="en-US"/>
           </a:p>
@@ -1854,7 +1856,7 @@
           <a:p>
             <a:fld id="{67F32251-6916-45C2-A272-6283A0536015}" type="datetime1">
               <a:rPr lang="en-US" altLang="en-US" smtClean="0"/>
-              <a:t>5/5/2024</a:t>
+              <a:t>5/6/2024</a:t>
             </a:fld>
             <a:endParaRPr lang="en-US" altLang="en-US"/>
           </a:p>
@@ -2067,7 +2069,7 @@
           <a:p>
             <a:fld id="{1EC02D62-401F-4E79-A959-973DD4C4BB88}" type="datetime1">
               <a:rPr lang="en-US" altLang="en-US" smtClean="0"/>
-              <a:t>5/5/2024</a:t>
+              <a:t>5/6/2024</a:t>
             </a:fld>
             <a:endParaRPr lang="en-US" altLang="en-US"/>
           </a:p>
@@ -2320,7 +2322,7 @@
           <a:p>
             <a:fld id="{DC4C5EDA-51DA-4F30-9D87-867196E31CA7}" type="datetime1">
               <a:rPr lang="en-US" altLang="en-US" smtClean="0"/>
-              <a:t>5/5/2024</a:t>
+              <a:t>5/6/2024</a:t>
             </a:fld>
             <a:endParaRPr lang="en-US" altLang="en-US"/>
           </a:p>
@@ -2727,7 +2729,7 @@
           <a:p>
             <a:fld id="{D2012CD1-D44A-4319-A627-10B0DDD5EB0B}" type="datetime1">
               <a:rPr lang="en-US" altLang="en-US" smtClean="0"/>
-              <a:t>5/5/2024</a:t>
+              <a:t>5/6/2024</a:t>
             </a:fld>
             <a:endParaRPr lang="en-US" altLang="en-US"/>
           </a:p>
@@ -2897,7 +2899,7 @@
           <a:p>
             <a:fld id="{44FE3290-3C8F-4E6C-AC44-105D50CA132B}" type="datetime1">
               <a:rPr lang="en-US" altLang="en-US" smtClean="0"/>
-              <a:t>5/5/2024</a:t>
+              <a:t>5/6/2024</a:t>
             </a:fld>
             <a:endParaRPr lang="en-US" altLang="en-US"/>
           </a:p>
@@ -2960,7 +2962,7 @@
           <a:p>
             <a:fld id="{B5A37BB2-08EF-48DB-B15F-3284930E03D6}" type="datetime1">
               <a:rPr lang="en-US" altLang="en-US" smtClean="0"/>
-              <a:t>5/5/2024</a:t>
+              <a:t>5/6/2024</a:t>
             </a:fld>
             <a:endParaRPr lang="en-US" altLang="en-US"/>
           </a:p>
@@ -3215,7 +3217,7 @@
           <a:p>
             <a:fld id="{A7E9E4C9-05D0-4299-8997-4155B0A825E6}" type="datetime1">
               <a:rPr lang="en-US" altLang="en-US" smtClean="0"/>
-              <a:t>5/5/2024</a:t>
+              <a:t>5/6/2024</a:t>
             </a:fld>
             <a:endParaRPr lang="en-US" altLang="en-US"/>
           </a:p>
@@ -3367,7 +3369,7 @@
               <a:pPr>
                 <a:defRPr/>
               </a:pPr>
-              <a:t>5/5/2024</a:t>
+              <a:t>5/6/2024</a:t>
             </a:fld>
             <a:endParaRPr lang="en-US" altLang="en-US"/>
           </a:p>
@@ -3661,7 +3663,7 @@
           <a:p>
             <a:fld id="{D717D05F-7A65-46D0-979F-093BDE2DBDEF}" type="datetime1">
               <a:rPr lang="en-US" altLang="en-US" smtClean="0"/>
-              <a:t>5/5/2024</a:t>
+              <a:t>5/6/2024</a:t>
             </a:fld>
             <a:endParaRPr lang="en-US" altLang="en-US"/>
           </a:p>
@@ -3823,7 +3825,7 @@
           <a:p>
             <a:fld id="{55DF9BD9-DAFE-4A80-A823-DFF01A0C119F}" type="datetime1">
               <a:rPr lang="en-US" altLang="en-US" smtClean="0"/>
-              <a:t>5/5/2024</a:t>
+              <a:t>5/6/2024</a:t>
             </a:fld>
             <a:endParaRPr lang="en-US" altLang="en-US"/>
           </a:p>
@@ -3973,7 +3975,7 @@
           <a:p>
             <a:fld id="{477543E7-97B5-4574-B373-7D0521B8F418}" type="datetime1">
               <a:rPr lang="en-US" altLang="en-US" smtClean="0"/>
-              <a:t>5/5/2024</a:t>
+              <a:t>5/6/2024</a:t>
             </a:fld>
             <a:endParaRPr lang="en-US" altLang="en-US"/>
           </a:p>
@@ -4181,7 +4183,7 @@
           <a:p>
             <a:fld id="{EA10C001-7378-4DAD-9F44-DC6AA92FE8CF}" type="datetime1">
               <a:rPr lang="en-US" altLang="en-US" smtClean="0"/>
-              <a:t>5/5/2024</a:t>
+              <a:t>5/6/2024</a:t>
             </a:fld>
             <a:endParaRPr lang="en-US" altLang="en-US"/>
           </a:p>
@@ -4404,7 +4406,7 @@
           <a:p>
             <a:fld id="{90A0E91D-AA81-4926-9A54-B28918612F01}" type="datetime1">
               <a:rPr lang="en-US" altLang="en-US" smtClean="0"/>
-              <a:t>5/5/2024</a:t>
+              <a:t>5/6/2024</a:t>
             </a:fld>
             <a:endParaRPr lang="en-US" altLang="en-US"/>
           </a:p>
@@ -4686,7 +4688,7 @@
           <a:p>
             <a:fld id="{47F791DC-7B58-46F7-A1B0-D56EEA83221C}" type="datetime1">
               <a:rPr lang="en-US" altLang="en-US" smtClean="0"/>
-              <a:t>5/5/2024</a:t>
+              <a:t>5/6/2024</a:t>
             </a:fld>
             <a:endParaRPr lang="en-US" altLang="en-US"/>
           </a:p>
@@ -4986,7 +4988,7 @@
           <a:p>
             <a:fld id="{CEBF0440-8247-4136-97B9-8B41AA6C8536}" type="datetime1">
               <a:rPr lang="en-US" altLang="en-US" smtClean="0"/>
-              <a:t>5/5/2024</a:t>
+              <a:t>5/6/2024</a:t>
             </a:fld>
             <a:endParaRPr lang="en-US" altLang="en-US"/>
           </a:p>
@@ -5457,7 +5459,7 @@
           <a:p>
             <a:fld id="{5B8244A5-54A8-4791-B32E-AD96B9812175}" type="datetime1">
               <a:rPr lang="en-US" altLang="en-US" smtClean="0"/>
-              <a:t>5/5/2024</a:t>
+              <a:t>5/6/2024</a:t>
             </a:fld>
             <a:endParaRPr lang="en-US" altLang="en-US"/>
           </a:p>
@@ -5630,7 +5632,7 @@
           <a:p>
             <a:fld id="{75D2BB9B-578B-4216-8B17-0AE947C5976D}" type="datetime1">
               <a:rPr lang="en-US" altLang="en-US" smtClean="0"/>
-              <a:t>5/5/2024</a:t>
+              <a:t>5/6/2024</a:t>
             </a:fld>
             <a:endParaRPr lang="en-US" altLang="en-US"/>
           </a:p>
@@ -5803,7 +5805,7 @@
           <a:p>
             <a:fld id="{D3F7117F-74BD-4C0E-95BB-065470FB80E4}" type="datetime1">
               <a:rPr lang="en-US" altLang="en-US" smtClean="0"/>
-              <a:t>5/5/2024</a:t>
+              <a:t>5/6/2024</a:t>
             </a:fld>
             <a:endParaRPr lang="en-US" altLang="en-US"/>
           </a:p>
@@ -6091,7 +6093,7 @@
               <a:pPr>
                 <a:defRPr/>
               </a:pPr>
-              <a:t>5/5/2024</a:t>
+              <a:t>5/6/2024</a:t>
             </a:fld>
             <a:endParaRPr lang="en-US" altLang="en-US"/>
           </a:p>
@@ -6405,7 +6407,7 @@
           <a:p>
             <a:fld id="{0B6DCB02-C3ED-439B-9BC5-8A766F38DD0C}" type="datetime1">
               <a:rPr lang="en-US" altLang="en-US" smtClean="0"/>
-              <a:t>5/5/2024</a:t>
+              <a:t>5/6/2024</a:t>
             </a:fld>
             <a:endParaRPr lang="en-US" altLang="en-US"/>
           </a:p>
@@ -6704,7 +6706,7 @@
           <a:p>
             <a:fld id="{7BEF7774-06E3-4B6E-A02C-0698D9521A63}" type="datetime1">
               <a:rPr lang="en-US" altLang="en-US" smtClean="0"/>
-              <a:t>5/5/2024</a:t>
+              <a:t>5/6/2024</a:t>
             </a:fld>
             <a:endParaRPr lang="en-US" altLang="en-US"/>
           </a:p>
@@ -6892,7 +6894,7 @@
           <a:p>
             <a:fld id="{10814916-2284-4DC6-85F3-E9D769B30417}" type="datetime1">
               <a:rPr lang="en-US" altLang="en-US" smtClean="0"/>
-              <a:t>5/5/2024</a:t>
+              <a:t>5/6/2024</a:t>
             </a:fld>
             <a:endParaRPr lang="en-US" altLang="en-US"/>
           </a:p>
@@ -7148,7 +7150,7 @@
           <a:p>
             <a:fld id="{A063EDB7-6E96-468D-98AD-385D8C1330C6}" type="datetime1">
               <a:rPr lang="en-US" altLang="en-US" smtClean="0"/>
-              <a:t>5/5/2024</a:t>
+              <a:t>5/6/2024</a:t>
             </a:fld>
             <a:endParaRPr lang="en-US" altLang="en-US"/>
           </a:p>
@@ -7476,7 +7478,7 @@
               <a:pPr>
                 <a:defRPr/>
               </a:pPr>
-              <a:t>5/5/2024</a:t>
+              <a:t>5/6/2024</a:t>
             </a:fld>
             <a:endParaRPr lang="en-US" altLang="en-US"/>
           </a:p>
@@ -7940,7 +7942,7 @@
               <a:pPr>
                 <a:defRPr/>
               </a:pPr>
-              <a:t>5/5/2024</a:t>
+              <a:t>5/6/2024</a:t>
             </a:fld>
             <a:endParaRPr lang="en-US" altLang="en-US"/>
           </a:p>
@@ -8107,7 +8109,7 @@
               <a:pPr>
                 <a:defRPr/>
               </a:pPr>
-              <a:t>5/5/2024</a:t>
+              <a:t>5/6/2024</a:t>
             </a:fld>
             <a:endParaRPr lang="en-US" altLang="en-US"/>
           </a:p>
@@ -8247,7 +8249,7 @@
               <a:pPr>
                 <a:defRPr/>
               </a:pPr>
-              <a:t>5/5/2024</a:t>
+              <a:t>5/6/2024</a:t>
             </a:fld>
             <a:endParaRPr lang="en-US" altLang="en-US"/>
           </a:p>
@@ -8567,7 +8569,7 @@
               <a:pPr>
                 <a:defRPr/>
               </a:pPr>
-              <a:t>5/5/2024</a:t>
+              <a:t>5/6/2024</a:t>
             </a:fld>
             <a:endParaRPr lang="en-US" altLang="en-US"/>
           </a:p>
@@ -8871,7 +8873,7 @@
               <a:pPr>
                 <a:defRPr/>
               </a:pPr>
-              <a:t>5/5/2024</a:t>
+              <a:t>5/6/2024</a:t>
             </a:fld>
             <a:endParaRPr lang="en-US" altLang="en-US"/>
           </a:p>
@@ -9187,7 +9189,7 @@
               <a:pPr>
                 <a:defRPr/>
               </a:pPr>
-              <a:t>5/5/2024</a:t>
+              <a:t>5/6/2024</a:t>
             </a:fld>
             <a:endParaRPr lang="en-US" altLang="en-US"/>
           </a:p>
@@ -9947,7 +9949,7 @@
           <a:p>
             <a:fld id="{4A7B1C05-EA21-4143-BF9B-5A7AE622790B}" type="datetime1">
               <a:rPr lang="en-US" altLang="en-US" smtClean="0"/>
-              <a:t>5/5/2024</a:t>
+              <a:t>5/6/2024</a:t>
             </a:fld>
             <a:endParaRPr lang="en-US" altLang="en-US"/>
           </a:p>
@@ -10601,7 +10603,7 @@
           <a:p>
             <a:fld id="{DB56B676-FD35-4A81-AE7E-A88C163C26B0}" type="datetime1">
               <a:rPr lang="en-US" altLang="en-US" smtClean="0"/>
-              <a:t>5/5/2024</a:t>
+              <a:t>5/6/2024</a:t>
             </a:fld>
             <a:endParaRPr lang="en-US" altLang="en-US"/>
           </a:p>
@@ -13020,6 +13022,443 @@
           <p:cNvPr id="2" name="Title 1">
             <a:extLst>
               <a:ext uri="{FF2B5EF4-FFF2-40B4-BE49-F238E27FC236}">
+                <a16:creationId xmlns:a16="http://schemas.microsoft.com/office/drawing/2014/main" id="{7BDBD1BB-DCEE-F5DA-DB0B-132281701110}"/>
+              </a:ext>
+            </a:extLst>
+          </p:cNvPr>
+          <p:cNvSpPr>
+            <a:spLocks noGrp="1"/>
+          </p:cNvSpPr>
+          <p:nvPr>
+            <p:ph type="title"/>
+          </p:nvPr>
+        </p:nvSpPr>
+        <p:spPr>
+          <a:xfrm>
+            <a:off x="2829436" y="28250"/>
+            <a:ext cx="6247657" cy="457200"/>
+          </a:xfrm>
+        </p:spPr>
+        <p:txBody>
+          <a:bodyPr/>
+          <a:lstStyle/>
+          <a:p>
+            <a:r>
+              <a:rPr lang="en-US" dirty="0"/>
+              <a:t>American Football Rules</a:t>
+            </a:r>
+          </a:p>
+        </p:txBody>
+      </p:sp>
+      <p:sp>
+        <p:nvSpPr>
+          <p:cNvPr id="3" name="Content Placeholder 2">
+            <a:extLst>
+              <a:ext uri="{FF2B5EF4-FFF2-40B4-BE49-F238E27FC236}">
+                <a16:creationId xmlns:a16="http://schemas.microsoft.com/office/drawing/2014/main" id="{7ADB58F6-E2E0-CAA7-B376-A508B298EEED}"/>
+              </a:ext>
+            </a:extLst>
+          </p:cNvPr>
+          <p:cNvSpPr>
+            <a:spLocks noGrp="1"/>
+          </p:cNvSpPr>
+          <p:nvPr>
+            <p:ph idx="1"/>
+          </p:nvPr>
+        </p:nvSpPr>
+        <p:spPr>
+          <a:xfrm>
+            <a:off x="130841" y="510398"/>
+            <a:ext cx="4017413" cy="3394075"/>
+          </a:xfrm>
+        </p:spPr>
+        <p:txBody>
+          <a:bodyPr/>
+          <a:lstStyle/>
+          <a:p>
+            <a:r>
+              <a:rPr lang="en-US" sz="2800" dirty="0"/>
+              <a:t>Games last for 4 quarters of 15 minutes each.</a:t>
+            </a:r>
+          </a:p>
+          <a:p>
+            <a:r>
+              <a:rPr lang="en-US" sz="2800" dirty="0"/>
+              <a:t>Each team has 4 downs(attempts) to gain 10 or more yards.</a:t>
+            </a:r>
+          </a:p>
+          <a:p>
+            <a:r>
+              <a:rPr lang="en-US" sz="2800" dirty="0"/>
+              <a:t>Yards are gained by running with ball or passing it to receiver</a:t>
+            </a:r>
+          </a:p>
+        </p:txBody>
+      </p:sp>
+      <p:sp>
+        <p:nvSpPr>
+          <p:cNvPr id="5" name="Slide Number Placeholder 4">
+            <a:extLst>
+              <a:ext uri="{FF2B5EF4-FFF2-40B4-BE49-F238E27FC236}">
+                <a16:creationId xmlns:a16="http://schemas.microsoft.com/office/drawing/2014/main" id="{47973193-313C-EDCA-41A8-3C31921305EB}"/>
+              </a:ext>
+            </a:extLst>
+          </p:cNvPr>
+          <p:cNvSpPr>
+            <a:spLocks noGrp="1"/>
+          </p:cNvSpPr>
+          <p:nvPr>
+            <p:ph type="sldNum" sz="quarter" idx="12"/>
+          </p:nvPr>
+        </p:nvSpPr>
+        <p:spPr/>
+        <p:txBody>
+          <a:bodyPr/>
+          <a:lstStyle/>
+          <a:p>
+            <a:fld id="{05E21D09-E2E8-7442-AC2A-C17B561ACE37}" type="slidenum">
+              <a:rPr lang="en-US" altLang="en-US" smtClean="0"/>
+              <a:pPr/>
+              <a:t>4</a:t>
+            </a:fld>
+            <a:endParaRPr lang="en-US" altLang="en-US" dirty="0"/>
+          </a:p>
+        </p:txBody>
+      </p:sp>
+      <p:pic>
+        <p:nvPicPr>
+          <p:cNvPr id="9" name="Picture 8" descr="A football players on a field">
+            <a:extLst>
+              <a:ext uri="{FF2B5EF4-FFF2-40B4-BE49-F238E27FC236}">
+                <a16:creationId xmlns:a16="http://schemas.microsoft.com/office/drawing/2014/main" id="{A6B6EA61-E9C2-D0E0-DDAD-7EBA07C831AF}"/>
+              </a:ext>
+            </a:extLst>
+          </p:cNvPr>
+          <p:cNvPicPr>
+            <a:picLocks noChangeAspect="1"/>
+          </p:cNvPicPr>
+          <p:nvPr/>
+        </p:nvPicPr>
+        <p:blipFill>
+          <a:blip r:embed="rId2"/>
+          <a:stretch>
+            <a:fillRect/>
+          </a:stretch>
+        </p:blipFill>
+        <p:spPr>
+          <a:xfrm>
+            <a:off x="4408449" y="1428902"/>
+            <a:ext cx="4453054" cy="2475571"/>
+          </a:xfrm>
+          <a:prstGeom prst="rect">
+            <a:avLst/>
+          </a:prstGeom>
+        </p:spPr>
+      </p:pic>
+      <p:sp>
+        <p:nvSpPr>
+          <p:cNvPr id="10" name="TextBox 9">
+            <a:extLst>
+              <a:ext uri="{FF2B5EF4-FFF2-40B4-BE49-F238E27FC236}">
+                <a16:creationId xmlns:a16="http://schemas.microsoft.com/office/drawing/2014/main" id="{FC54EA64-ACEE-B976-F84D-F9FFA7188D63}"/>
+              </a:ext>
+            </a:extLst>
+          </p:cNvPr>
+          <p:cNvSpPr txBox="1"/>
+          <p:nvPr/>
+        </p:nvSpPr>
+        <p:spPr>
+          <a:xfrm>
+            <a:off x="5602783" y="4048499"/>
+            <a:ext cx="4644033" cy="523220"/>
+          </a:xfrm>
+          <a:prstGeom prst="rect">
+            <a:avLst/>
+          </a:prstGeom>
+          <a:noFill/>
+        </p:spPr>
+        <p:txBody>
+          <a:bodyPr wrap="square" rtlCol="0">
+            <a:spAutoFit/>
+          </a:bodyPr>
+          <a:lstStyle/>
+          <a:p>
+            <a:r>
+              <a:rPr lang="en-US" sz="1400" dirty="0"/>
+              <a:t>Down marker showing 2</a:t>
+            </a:r>
+            <a:r>
+              <a:rPr lang="en-US" sz="1400" baseline="30000" dirty="0"/>
+              <a:t>nd</a:t>
+            </a:r>
+            <a:r>
+              <a:rPr lang="en-US" sz="1400" dirty="0"/>
+              <a:t> down.</a:t>
+            </a:r>
+          </a:p>
+          <a:p>
+            <a:r>
+              <a:rPr lang="en-US" sz="1400" dirty="0"/>
+              <a:t>Source: US Navy</a:t>
+            </a:r>
+          </a:p>
+        </p:txBody>
+      </p:sp>
+    </p:spTree>
+    <p:extLst>
+      <p:ext uri="{BB962C8B-B14F-4D97-AF65-F5344CB8AC3E}">
+        <p14:creationId xmlns:p14="http://schemas.microsoft.com/office/powerpoint/2010/main" val="2635611898"/>
+      </p:ext>
+    </p:extLst>
+  </p:cSld>
+  <p:clrMapOvr>
+    <a:masterClrMapping/>
+  </p:clrMapOvr>
+</p:sld>
+</file>
+
+<file path=ppt/slides/slide5.xml><?xml version="1.0" encoding="utf-8"?>
+<p:sld xmlns:a="http://schemas.openxmlformats.org/drawingml/2006/main" xmlns:r="http://schemas.openxmlformats.org/officeDocument/2006/relationships" xmlns:p="http://schemas.openxmlformats.org/presentationml/2006/main">
+  <p:cSld>
+    <p:spTree>
+      <p:nvGrpSpPr>
+        <p:cNvPr id="1" name=""/>
+        <p:cNvGrpSpPr/>
+        <p:nvPr/>
+      </p:nvGrpSpPr>
+      <p:grpSpPr>
+        <a:xfrm>
+          <a:off x="0" y="0"/>
+          <a:ext cx="0" cy="0"/>
+          <a:chOff x="0" y="0"/>
+          <a:chExt cx="0" cy="0"/>
+        </a:xfrm>
+      </p:grpSpPr>
+      <p:sp>
+        <p:nvSpPr>
+          <p:cNvPr id="3" name="Content Placeholder 2">
+            <a:extLst>
+              <a:ext uri="{FF2B5EF4-FFF2-40B4-BE49-F238E27FC236}">
+                <a16:creationId xmlns:a16="http://schemas.microsoft.com/office/drawing/2014/main" id="{83781D78-08A8-B2D2-B859-7EF4FDE31D23}"/>
+              </a:ext>
+            </a:extLst>
+          </p:cNvPr>
+          <p:cNvSpPr>
+            <a:spLocks noGrp="1"/>
+          </p:cNvSpPr>
+          <p:nvPr>
+            <p:ph idx="1"/>
+          </p:nvPr>
+        </p:nvSpPr>
+        <p:spPr>
+          <a:xfrm>
+            <a:off x="182881" y="731520"/>
+            <a:ext cx="4693920" cy="3662060"/>
+          </a:xfrm>
+        </p:spPr>
+        <p:txBody>
+          <a:bodyPr/>
+          <a:lstStyle/>
+          <a:p>
+            <a:r>
+              <a:rPr lang="en-US" sz="2800" dirty="0"/>
+              <a:t>A </a:t>
+            </a:r>
+            <a:r>
+              <a:rPr lang="en-US" sz="2800" b="1" dirty="0"/>
+              <a:t>play</a:t>
+            </a:r>
+            <a:r>
+              <a:rPr lang="en-US" sz="2800" dirty="0"/>
+              <a:t> is a plan or strategy used to move the ball down the field.</a:t>
+            </a:r>
+          </a:p>
+          <a:p>
+            <a:pPr lvl="1"/>
+            <a:r>
+              <a:rPr lang="en-US" sz="2400" dirty="0"/>
+              <a:t>Pass: Ball thrown by a player</a:t>
+            </a:r>
+          </a:p>
+          <a:p>
+            <a:pPr lvl="1"/>
+            <a:r>
+              <a:rPr lang="en-US" sz="2400" dirty="0"/>
+              <a:t>Rush: Running with the ball</a:t>
+            </a:r>
+          </a:p>
+          <a:p>
+            <a:pPr lvl="1"/>
+            <a:r>
+              <a:rPr lang="en-US" sz="2400" dirty="0"/>
+              <a:t>Touchdown: Advancing ball to opponent end zone. Worth 6 points</a:t>
+            </a:r>
+          </a:p>
+        </p:txBody>
+      </p:sp>
+      <p:sp>
+        <p:nvSpPr>
+          <p:cNvPr id="5" name="Slide Number Placeholder 4">
+            <a:extLst>
+              <a:ext uri="{FF2B5EF4-FFF2-40B4-BE49-F238E27FC236}">
+                <a16:creationId xmlns:a16="http://schemas.microsoft.com/office/drawing/2014/main" id="{6C500CA5-AE6C-1562-0EBD-2B8093A1CCBE}"/>
+              </a:ext>
+            </a:extLst>
+          </p:cNvPr>
+          <p:cNvSpPr>
+            <a:spLocks noGrp="1"/>
+          </p:cNvSpPr>
+          <p:nvPr>
+            <p:ph type="sldNum" sz="quarter" idx="12"/>
+          </p:nvPr>
+        </p:nvSpPr>
+        <p:spPr/>
+        <p:txBody>
+          <a:bodyPr/>
+          <a:lstStyle/>
+          <a:p>
+            <a:fld id="{05E21D09-E2E8-7442-AC2A-C17B561ACE37}" type="slidenum">
+              <a:rPr lang="en-US" altLang="en-US" smtClean="0"/>
+              <a:pPr/>
+              <a:t>5</a:t>
+            </a:fld>
+            <a:endParaRPr lang="en-US" altLang="en-US"/>
+          </a:p>
+        </p:txBody>
+      </p:sp>
+      <p:sp>
+        <p:nvSpPr>
+          <p:cNvPr id="6" name="Title 1">
+            <a:extLst>
+              <a:ext uri="{FF2B5EF4-FFF2-40B4-BE49-F238E27FC236}">
+                <a16:creationId xmlns:a16="http://schemas.microsoft.com/office/drawing/2014/main" id="{EADAC097-8B9B-0314-DF71-45340F952FE6}"/>
+              </a:ext>
+            </a:extLst>
+          </p:cNvPr>
+          <p:cNvSpPr>
+            <a:spLocks noGrp="1"/>
+          </p:cNvSpPr>
+          <p:nvPr>
+            <p:ph type="title"/>
+          </p:nvPr>
+        </p:nvSpPr>
+        <p:spPr>
+          <a:xfrm>
+            <a:off x="2189782" y="46038"/>
+            <a:ext cx="8229600" cy="457200"/>
+          </a:xfrm>
+        </p:spPr>
+        <p:txBody>
+          <a:bodyPr/>
+          <a:lstStyle/>
+          <a:p>
+            <a:r>
+              <a:rPr lang="en-US" dirty="0"/>
+              <a:t>American Football Rules</a:t>
+            </a:r>
+          </a:p>
+        </p:txBody>
+      </p:sp>
+      <p:pic>
+        <p:nvPicPr>
+          <p:cNvPr id="8" name="Picture 7" descr="A football game with a crowd watching&#10;&#10;Description automatically generated">
+            <a:extLst>
+              <a:ext uri="{FF2B5EF4-FFF2-40B4-BE49-F238E27FC236}">
+                <a16:creationId xmlns:a16="http://schemas.microsoft.com/office/drawing/2014/main" id="{CA276AF7-D0EE-9248-F31F-71D49DD9300B}"/>
+              </a:ext>
+            </a:extLst>
+          </p:cNvPr>
+          <p:cNvPicPr>
+            <a:picLocks noChangeAspect="1"/>
+          </p:cNvPicPr>
+          <p:nvPr/>
+        </p:nvPicPr>
+        <p:blipFill>
+          <a:blip r:embed="rId2"/>
+          <a:stretch>
+            <a:fillRect/>
+          </a:stretch>
+        </p:blipFill>
+        <p:spPr>
+          <a:xfrm>
+            <a:off x="5328425" y="876921"/>
+            <a:ext cx="3358375" cy="2938578"/>
+          </a:xfrm>
+          <a:prstGeom prst="rect">
+            <a:avLst/>
+          </a:prstGeom>
+        </p:spPr>
+      </p:pic>
+      <p:sp>
+        <p:nvSpPr>
+          <p:cNvPr id="10" name="TextBox 9">
+            <a:extLst>
+              <a:ext uri="{FF2B5EF4-FFF2-40B4-BE49-F238E27FC236}">
+                <a16:creationId xmlns:a16="http://schemas.microsoft.com/office/drawing/2014/main" id="{FDA2FA8C-9DC9-29CA-30D1-C74C2A9345C3}"/>
+              </a:ext>
+            </a:extLst>
+          </p:cNvPr>
+          <p:cNvSpPr txBox="1"/>
+          <p:nvPr/>
+        </p:nvSpPr>
+        <p:spPr>
+          <a:xfrm>
+            <a:off x="5906855" y="3897247"/>
+            <a:ext cx="2779945" cy="338554"/>
+          </a:xfrm>
+          <a:prstGeom prst="rect">
+            <a:avLst/>
+          </a:prstGeom>
+          <a:noFill/>
+        </p:spPr>
+        <p:txBody>
+          <a:bodyPr wrap="square">
+            <a:spAutoFit/>
+          </a:bodyPr>
+          <a:lstStyle/>
+          <a:p>
+            <a:r>
+              <a:rPr lang="en-US" sz="1600" dirty="0"/>
+              <a:t>Source: End Zone - Wikipedia</a:t>
+            </a:r>
+          </a:p>
+        </p:txBody>
+      </p:sp>
+    </p:spTree>
+    <p:extLst>
+      <p:ext uri="{BB962C8B-B14F-4D97-AF65-F5344CB8AC3E}">
+        <p14:creationId xmlns:p14="http://schemas.microsoft.com/office/powerpoint/2010/main" val="2979133641"/>
+      </p:ext>
+    </p:extLst>
+  </p:cSld>
+  <p:clrMapOvr>
+    <a:masterClrMapping/>
+  </p:clrMapOvr>
+</p:sld>
+</file>
+
+<file path=ppt/slides/slide6.xml><?xml version="1.0" encoding="utf-8"?>
+<p:sld xmlns:a="http://schemas.openxmlformats.org/drawingml/2006/main" xmlns:r="http://schemas.openxmlformats.org/officeDocument/2006/relationships" xmlns:p="http://schemas.openxmlformats.org/presentationml/2006/main">
+  <p:cSld>
+    <p:spTree>
+      <p:nvGrpSpPr>
+        <p:cNvPr id="1" name=""/>
+        <p:cNvGrpSpPr/>
+        <p:nvPr/>
+      </p:nvGrpSpPr>
+      <p:grpSpPr>
+        <a:xfrm>
+          <a:off x="0" y="0"/>
+          <a:ext cx="0" cy="0"/>
+          <a:chOff x="0" y="0"/>
+          <a:chExt cx="0" cy="0"/>
+        </a:xfrm>
+      </p:grpSpPr>
+      <p:sp>
+        <p:nvSpPr>
+          <p:cNvPr id="2" name="Title 1">
+            <a:extLst>
+              <a:ext uri="{FF2B5EF4-FFF2-40B4-BE49-F238E27FC236}">
                 <a16:creationId xmlns:a16="http://schemas.microsoft.com/office/drawing/2014/main" id="{4FE73518-5A99-D847-A5A0-523710899DB7}"/>
               </a:ext>
             </a:extLst>
@@ -13573,7 +14012,7 @@
 </p:sld>
 </file>
 
-<file path=ppt/slides/slide5.xml><?xml version="1.0" encoding="utf-8"?>
+<file path=ppt/slides/slide7.xml><?xml version="1.0" encoding="utf-8"?>
 <p:sld xmlns:a="http://schemas.openxmlformats.org/drawingml/2006/main" xmlns:r="http://schemas.openxmlformats.org/officeDocument/2006/relationships" xmlns:p="http://schemas.openxmlformats.org/presentationml/2006/main">
   <p:cSld>
     <p:spTree>
@@ -14004,7 +14443,7 @@
 </p:sld>
 </file>
 
-<file path=ppt/slides/slide6.xml><?xml version="1.0" encoding="utf-8"?>
+<file path=ppt/slides/slide8.xml><?xml version="1.0" encoding="utf-8"?>
 <p:sld xmlns:a="http://schemas.openxmlformats.org/drawingml/2006/main" xmlns:r="http://schemas.openxmlformats.org/officeDocument/2006/relationships" xmlns:p="http://schemas.openxmlformats.org/presentationml/2006/main">
   <p:cSld>
     <p:spTree>
@@ -14152,7 +14591,7 @@
 </p:sld>
 </file>
 
-<file path=ppt/slides/slide7.xml><?xml version="1.0" encoding="utf-8"?>
+<file path=ppt/slides/slide9.xml><?xml version="1.0" encoding="utf-8"?>
 <p:sld xmlns:a="http://schemas.openxmlformats.org/drawingml/2006/main" xmlns:r="http://schemas.openxmlformats.org/officeDocument/2006/relationships" xmlns:p="http://schemas.openxmlformats.org/presentationml/2006/main">
   <p:cSld>
     <p:spTree>
@@ -15480,15 +15919,6 @@
 </file>
 
 <file path=customXml/item1.xml><?xml version="1.0" encoding="utf-8"?>
-<p:properties xmlns:p="http://schemas.microsoft.com/office/2006/metadata/properties" xmlns:xsi="http://www.w3.org/2001/XMLSchema-instance" xmlns:pc="http://schemas.microsoft.com/office/infopath/2007/PartnerControls">
-  <documentManagement>
-    <_Version xmlns="http://schemas.microsoft.com/sharepoint/v3/fields" xsi:nil="true"/>
-    <_Status xmlns="http://schemas.microsoft.com/sharepoint/v3/fields" xsi:nil="true"/>
-  </documentManagement>
-</p:properties>
-</file>
-
-<file path=customXml/item2.xml><?xml version="1.0" encoding="utf-8"?>
 <ct:contentTypeSchema xmlns:ct="http://schemas.microsoft.com/office/2006/metadata/contentType" xmlns:ma="http://schemas.microsoft.com/office/2006/metadata/properties/metaAttributes" ct:_="" ma:_="" ma:contentTypeName="Document" ma:contentTypeID="0x0101000DE64AEEDD9B7A4D93545ACBE97D4615" ma:contentTypeVersion="2" ma:contentTypeDescription="Create a new document." ma:contentTypeScope="" ma:versionID="f49002b78e3a4a71b814eef46a983816">
   <xsd:schema xmlns:xsd="http://www.w3.org/2001/XMLSchema" xmlns:xs="http://www.w3.org/2001/XMLSchema" xmlns:p="http://schemas.microsoft.com/office/2006/metadata/properties" xmlns:ns2="http://schemas.microsoft.com/sharepoint/v3/fields" targetNamespace="http://schemas.microsoft.com/office/2006/metadata/properties" ma:root="true" ma:fieldsID="38f6db2dd0d9a0cf6a8dc37be32b365b" ns2:_="">
     <xsd:import namespace="http://schemas.microsoft.com/sharepoint/v3/fields"/>
@@ -15632,23 +16062,16 @@
 </ct:contentTypeSchema>
 </file>
 
-<file path=customXml/itemProps1.xml><?xml version="1.0" encoding="utf-8"?>
-<ds:datastoreItem xmlns:ds="http://schemas.openxmlformats.org/officeDocument/2006/customXml" ds:itemID="{7B6F2769-7194-4217-93D3-3AF3A4742282}">
-  <ds:schemaRefs>
-    <ds:schemaRef ds:uri="http://schemas.openxmlformats.org/package/2006/metadata/core-properties"/>
-    <ds:schemaRef ds:uri="http://purl.org/dc/terms/"/>
-    <ds:schemaRef ds:uri="http://purl.org/dc/elements/1.1/"/>
-    <ds:schemaRef ds:uri="http://schemas.microsoft.com/office/2006/metadata/properties"/>
-    <ds:schemaRef ds:uri="http://purl.org/dc/dcmitype/"/>
-    <ds:schemaRef ds:uri="http://schemas.microsoft.com/office/2006/documentManagement/types"/>
-    <ds:schemaRef ds:uri="http://schemas.microsoft.com/office/infopath/2007/PartnerControls"/>
-    <ds:schemaRef ds:uri="http://schemas.microsoft.com/sharepoint/v3/fields"/>
-    <ds:schemaRef ds:uri="http://www.w3.org/XML/1998/namespace"/>
-  </ds:schemaRefs>
-</ds:datastoreItem>
+<file path=customXml/item2.xml><?xml version="1.0" encoding="utf-8"?>
+<p:properties xmlns:p="http://schemas.microsoft.com/office/2006/metadata/properties" xmlns:xsi="http://www.w3.org/2001/XMLSchema-instance" xmlns:pc="http://schemas.microsoft.com/office/infopath/2007/PartnerControls">
+  <documentManagement>
+    <_Version xmlns="http://schemas.microsoft.com/sharepoint/v3/fields" xsi:nil="true"/>
+    <_Status xmlns="http://schemas.microsoft.com/sharepoint/v3/fields" xsi:nil="true"/>
+  </documentManagement>
+</p:properties>
 </file>
 
-<file path=customXml/itemProps2.xml><?xml version="1.0" encoding="utf-8"?>
+<file path=customXml/itemProps1.xml><?xml version="1.0" encoding="utf-8"?>
 <ds:datastoreItem xmlns:ds="http://schemas.openxmlformats.org/officeDocument/2006/customXml" ds:itemID="{E4214858-785C-42F7-BE66-6D0E79395FC8}">
   <ds:schemaRefs>
     <ds:schemaRef ds:uri="http://schemas.microsoft.com/office/2006/metadata/contentType"/>
@@ -15664,4 +16087,20 @@
     <ds:schemaRef ds:uri="http://schemas.microsoft.com/internal/obd"/>
   </ds:schemaRefs>
 </ds:datastoreItem>
+</file>
+
+<file path=customXml/itemProps2.xml><?xml version="1.0" encoding="utf-8"?>
+<ds:datastoreItem xmlns:ds="http://schemas.openxmlformats.org/officeDocument/2006/customXml" ds:itemID="{7B6F2769-7194-4217-93D3-3AF3A4742282}">
+  <ds:schemaRefs>
+    <ds:schemaRef ds:uri="http://schemas.openxmlformats.org/package/2006/metadata/core-properties"/>
+    <ds:schemaRef ds:uri="http://purl.org/dc/terms/"/>
+    <ds:schemaRef ds:uri="http://purl.org/dc/elements/1.1/"/>
+    <ds:schemaRef ds:uri="http://schemas.microsoft.com/office/2006/metadata/properties"/>
+    <ds:schemaRef ds:uri="http://purl.org/dc/dcmitype/"/>
+    <ds:schemaRef ds:uri="http://schemas.microsoft.com/office/2006/documentManagement/types"/>
+    <ds:schemaRef ds:uri="http://schemas.microsoft.com/office/infopath/2007/PartnerControls"/>
+    <ds:schemaRef ds:uri="http://schemas.microsoft.com/sharepoint/v3/fields"/>
+    <ds:schemaRef ds:uri="http://www.w3.org/XML/1998/namespace"/>
+  </ds:schemaRefs>
+</ds:datastoreItem>
 </file>
--- a/docs/Project Presentation/NFL_Database_Presentation.pptx
+++ b/docs/Project Presentation/NFL_Database_Presentation.pptx
@@ -7,7 +7,7 @@
     <p:sldMasterId id="2147493647" r:id="rId5"/>
   </p:sldMasterIdLst>
   <p:notesMasterIdLst>
-    <p:notesMasterId r:id="rId15"/>
+    <p:notesMasterId r:id="rId16"/>
   </p:notesMasterIdLst>
   <p:sldIdLst>
     <p:sldId id="256" r:id="rId6"/>
@@ -17,8 +17,9 @@
     <p:sldId id="309" r:id="rId10"/>
     <p:sldId id="304" r:id="rId11"/>
     <p:sldId id="305" r:id="rId12"/>
-    <p:sldId id="306" r:id="rId13"/>
-    <p:sldId id="307" r:id="rId14"/>
+    <p:sldId id="310" r:id="rId13"/>
+    <p:sldId id="306" r:id="rId14"/>
+    <p:sldId id="307" r:id="rId15"/>
   </p:sldIdLst>
   <p:sldSz cx="9144000" cy="5143500" type="screen16x9"/>
   <p:notesSz cx="6858000" cy="9144000"/>
@@ -322,7 +323,7 @@
               <a:pPr>
                 <a:defRPr/>
               </a:pPr>
-              <a:t>5/6/2024</a:t>
+              <a:t>5/9/2024</a:t>
             </a:fld>
             <a:endParaRPr lang="en-US"/>
           </a:p>
@@ -698,10 +699,7 @@
           <a:bodyPr/>
           <a:lstStyle/>
           <a:p>
-            <a:r>
-              <a:rPr lang="en-US" dirty="0"/>
-              <a:t>I think everybody knows that lithium-ion batteries is a growing technology with a big future. And that batteries have a shelf life.</a:t>
-            </a:r>
+            <a:endParaRPr lang="en-US" dirty="0"/>
           </a:p>
         </p:txBody>
       </p:sp>
@@ -996,7 +994,7 @@
               <a:pPr>
                 <a:defRPr/>
               </a:pPr>
-              <a:t>5/6/2024</a:t>
+              <a:t>5/9/2024</a:t>
             </a:fld>
             <a:endParaRPr lang="en-US" altLang="en-US"/>
           </a:p>
@@ -1209,7 +1207,7 @@
               <a:pPr>
                 <a:defRPr/>
               </a:pPr>
-              <a:t>5/6/2024</a:t>
+              <a:t>5/9/2024</a:t>
             </a:fld>
             <a:endParaRPr lang="en-US" altLang="en-US"/>
           </a:p>
@@ -1432,7 +1430,7 @@
               <a:pPr>
                 <a:defRPr/>
               </a:pPr>
-              <a:t>5/6/2024</a:t>
+              <a:t>5/9/2024</a:t>
             </a:fld>
             <a:endParaRPr lang="en-US" altLang="en-US"/>
           </a:p>
@@ -1715,7 +1713,7 @@
           <a:p>
             <a:fld id="{E50E5C25-56AA-4438-AD6E-26640E642245}" type="datetime1">
               <a:rPr lang="en-US" altLang="en-US" smtClean="0"/>
-              <a:t>5/6/2024</a:t>
+              <a:t>5/9/2024</a:t>
             </a:fld>
             <a:endParaRPr lang="en-US" altLang="en-US"/>
           </a:p>
@@ -1856,7 +1854,7 @@
           <a:p>
             <a:fld id="{67F32251-6916-45C2-A272-6283A0536015}" type="datetime1">
               <a:rPr lang="en-US" altLang="en-US" smtClean="0"/>
-              <a:t>5/6/2024</a:t>
+              <a:t>5/9/2024</a:t>
             </a:fld>
             <a:endParaRPr lang="en-US" altLang="en-US"/>
           </a:p>
@@ -2069,7 +2067,7 @@
           <a:p>
             <a:fld id="{1EC02D62-401F-4E79-A959-973DD4C4BB88}" type="datetime1">
               <a:rPr lang="en-US" altLang="en-US" smtClean="0"/>
-              <a:t>5/6/2024</a:t>
+              <a:t>5/9/2024</a:t>
             </a:fld>
             <a:endParaRPr lang="en-US" altLang="en-US"/>
           </a:p>
@@ -2322,7 +2320,7 @@
           <a:p>
             <a:fld id="{DC4C5EDA-51DA-4F30-9D87-867196E31CA7}" type="datetime1">
               <a:rPr lang="en-US" altLang="en-US" smtClean="0"/>
-              <a:t>5/6/2024</a:t>
+              <a:t>5/9/2024</a:t>
             </a:fld>
             <a:endParaRPr lang="en-US" altLang="en-US"/>
           </a:p>
@@ -2729,7 +2727,7 @@
           <a:p>
             <a:fld id="{D2012CD1-D44A-4319-A627-10B0DDD5EB0B}" type="datetime1">
               <a:rPr lang="en-US" altLang="en-US" smtClean="0"/>
-              <a:t>5/6/2024</a:t>
+              <a:t>5/9/2024</a:t>
             </a:fld>
             <a:endParaRPr lang="en-US" altLang="en-US"/>
           </a:p>
@@ -2899,7 +2897,7 @@
           <a:p>
             <a:fld id="{44FE3290-3C8F-4E6C-AC44-105D50CA132B}" type="datetime1">
               <a:rPr lang="en-US" altLang="en-US" smtClean="0"/>
-              <a:t>5/6/2024</a:t>
+              <a:t>5/9/2024</a:t>
             </a:fld>
             <a:endParaRPr lang="en-US" altLang="en-US"/>
           </a:p>
@@ -2962,7 +2960,7 @@
           <a:p>
             <a:fld id="{B5A37BB2-08EF-48DB-B15F-3284930E03D6}" type="datetime1">
               <a:rPr lang="en-US" altLang="en-US" smtClean="0"/>
-              <a:t>5/6/2024</a:t>
+              <a:t>5/9/2024</a:t>
             </a:fld>
             <a:endParaRPr lang="en-US" altLang="en-US"/>
           </a:p>
@@ -3217,7 +3215,7 @@
           <a:p>
             <a:fld id="{A7E9E4C9-05D0-4299-8997-4155B0A825E6}" type="datetime1">
               <a:rPr lang="en-US" altLang="en-US" smtClean="0"/>
-              <a:t>5/6/2024</a:t>
+              <a:t>5/9/2024</a:t>
             </a:fld>
             <a:endParaRPr lang="en-US" altLang="en-US"/>
           </a:p>
@@ -3369,7 +3367,7 @@
               <a:pPr>
                 <a:defRPr/>
               </a:pPr>
-              <a:t>5/6/2024</a:t>
+              <a:t>5/9/2024</a:t>
             </a:fld>
             <a:endParaRPr lang="en-US" altLang="en-US"/>
           </a:p>
@@ -3663,7 +3661,7 @@
           <a:p>
             <a:fld id="{D717D05F-7A65-46D0-979F-093BDE2DBDEF}" type="datetime1">
               <a:rPr lang="en-US" altLang="en-US" smtClean="0"/>
-              <a:t>5/6/2024</a:t>
+              <a:t>5/9/2024</a:t>
             </a:fld>
             <a:endParaRPr lang="en-US" altLang="en-US"/>
           </a:p>
@@ -3825,7 +3823,7 @@
           <a:p>
             <a:fld id="{55DF9BD9-DAFE-4A80-A823-DFF01A0C119F}" type="datetime1">
               <a:rPr lang="en-US" altLang="en-US" smtClean="0"/>
-              <a:t>5/6/2024</a:t>
+              <a:t>5/9/2024</a:t>
             </a:fld>
             <a:endParaRPr lang="en-US" altLang="en-US"/>
           </a:p>
@@ -3975,7 +3973,7 @@
           <a:p>
             <a:fld id="{477543E7-97B5-4574-B373-7D0521B8F418}" type="datetime1">
               <a:rPr lang="en-US" altLang="en-US" smtClean="0"/>
-              <a:t>5/6/2024</a:t>
+              <a:t>5/9/2024</a:t>
             </a:fld>
             <a:endParaRPr lang="en-US" altLang="en-US"/>
           </a:p>
@@ -4183,7 +4181,7 @@
           <a:p>
             <a:fld id="{EA10C001-7378-4DAD-9F44-DC6AA92FE8CF}" type="datetime1">
               <a:rPr lang="en-US" altLang="en-US" smtClean="0"/>
-              <a:t>5/6/2024</a:t>
+              <a:t>5/9/2024</a:t>
             </a:fld>
             <a:endParaRPr lang="en-US" altLang="en-US"/>
           </a:p>
@@ -4406,7 +4404,7 @@
           <a:p>
             <a:fld id="{90A0E91D-AA81-4926-9A54-B28918612F01}" type="datetime1">
               <a:rPr lang="en-US" altLang="en-US" smtClean="0"/>
-              <a:t>5/6/2024</a:t>
+              <a:t>5/9/2024</a:t>
             </a:fld>
             <a:endParaRPr lang="en-US" altLang="en-US"/>
           </a:p>
@@ -4688,7 +4686,7 @@
           <a:p>
             <a:fld id="{47F791DC-7B58-46F7-A1B0-D56EEA83221C}" type="datetime1">
               <a:rPr lang="en-US" altLang="en-US" smtClean="0"/>
-              <a:t>5/6/2024</a:t>
+              <a:t>5/9/2024</a:t>
             </a:fld>
             <a:endParaRPr lang="en-US" altLang="en-US"/>
           </a:p>
@@ -4988,7 +4986,7 @@
           <a:p>
             <a:fld id="{CEBF0440-8247-4136-97B9-8B41AA6C8536}" type="datetime1">
               <a:rPr lang="en-US" altLang="en-US" smtClean="0"/>
-              <a:t>5/6/2024</a:t>
+              <a:t>5/9/2024</a:t>
             </a:fld>
             <a:endParaRPr lang="en-US" altLang="en-US"/>
           </a:p>
@@ -5459,7 +5457,7 @@
           <a:p>
             <a:fld id="{5B8244A5-54A8-4791-B32E-AD96B9812175}" type="datetime1">
               <a:rPr lang="en-US" altLang="en-US" smtClean="0"/>
-              <a:t>5/6/2024</a:t>
+              <a:t>5/9/2024</a:t>
             </a:fld>
             <a:endParaRPr lang="en-US" altLang="en-US"/>
           </a:p>
@@ -5632,7 +5630,7 @@
           <a:p>
             <a:fld id="{75D2BB9B-578B-4216-8B17-0AE947C5976D}" type="datetime1">
               <a:rPr lang="en-US" altLang="en-US" smtClean="0"/>
-              <a:t>5/6/2024</a:t>
+              <a:t>5/9/2024</a:t>
             </a:fld>
             <a:endParaRPr lang="en-US" altLang="en-US"/>
           </a:p>
@@ -5805,7 +5803,7 @@
           <a:p>
             <a:fld id="{D3F7117F-74BD-4C0E-95BB-065470FB80E4}" type="datetime1">
               <a:rPr lang="en-US" altLang="en-US" smtClean="0"/>
-              <a:t>5/6/2024</a:t>
+              <a:t>5/9/2024</a:t>
             </a:fld>
             <a:endParaRPr lang="en-US" altLang="en-US"/>
           </a:p>
@@ -6093,7 +6091,7 @@
               <a:pPr>
                 <a:defRPr/>
               </a:pPr>
-              <a:t>5/6/2024</a:t>
+              <a:t>5/9/2024</a:t>
             </a:fld>
             <a:endParaRPr lang="en-US" altLang="en-US"/>
           </a:p>
@@ -6407,7 +6405,7 @@
           <a:p>
             <a:fld id="{0B6DCB02-C3ED-439B-9BC5-8A766F38DD0C}" type="datetime1">
               <a:rPr lang="en-US" altLang="en-US" smtClean="0"/>
-              <a:t>5/6/2024</a:t>
+              <a:t>5/9/2024</a:t>
             </a:fld>
             <a:endParaRPr lang="en-US" altLang="en-US"/>
           </a:p>
@@ -6706,7 +6704,7 @@
           <a:p>
             <a:fld id="{7BEF7774-06E3-4B6E-A02C-0698D9521A63}" type="datetime1">
               <a:rPr lang="en-US" altLang="en-US" smtClean="0"/>
-              <a:t>5/6/2024</a:t>
+              <a:t>5/9/2024</a:t>
             </a:fld>
             <a:endParaRPr lang="en-US" altLang="en-US"/>
           </a:p>
@@ -6894,7 +6892,7 @@
           <a:p>
             <a:fld id="{10814916-2284-4DC6-85F3-E9D769B30417}" type="datetime1">
               <a:rPr lang="en-US" altLang="en-US" smtClean="0"/>
-              <a:t>5/6/2024</a:t>
+              <a:t>5/9/2024</a:t>
             </a:fld>
             <a:endParaRPr lang="en-US" altLang="en-US"/>
           </a:p>
@@ -7150,7 +7148,7 @@
           <a:p>
             <a:fld id="{A063EDB7-6E96-468D-98AD-385D8C1330C6}" type="datetime1">
               <a:rPr lang="en-US" altLang="en-US" smtClean="0"/>
-              <a:t>5/6/2024</a:t>
+              <a:t>5/9/2024</a:t>
             </a:fld>
             <a:endParaRPr lang="en-US" altLang="en-US"/>
           </a:p>
@@ -7478,7 +7476,7 @@
               <a:pPr>
                 <a:defRPr/>
               </a:pPr>
-              <a:t>5/6/2024</a:t>
+              <a:t>5/9/2024</a:t>
             </a:fld>
             <a:endParaRPr lang="en-US" altLang="en-US"/>
           </a:p>
@@ -7942,7 +7940,7 @@
               <a:pPr>
                 <a:defRPr/>
               </a:pPr>
-              <a:t>5/6/2024</a:t>
+              <a:t>5/9/2024</a:t>
             </a:fld>
             <a:endParaRPr lang="en-US" altLang="en-US"/>
           </a:p>
@@ -8109,7 +8107,7 @@
               <a:pPr>
                 <a:defRPr/>
               </a:pPr>
-              <a:t>5/6/2024</a:t>
+              <a:t>5/9/2024</a:t>
             </a:fld>
             <a:endParaRPr lang="en-US" altLang="en-US"/>
           </a:p>
@@ -8249,7 +8247,7 @@
               <a:pPr>
                 <a:defRPr/>
               </a:pPr>
-              <a:t>5/6/2024</a:t>
+              <a:t>5/9/2024</a:t>
             </a:fld>
             <a:endParaRPr lang="en-US" altLang="en-US"/>
           </a:p>
@@ -8569,7 +8567,7 @@
               <a:pPr>
                 <a:defRPr/>
               </a:pPr>
-              <a:t>5/6/2024</a:t>
+              <a:t>5/9/2024</a:t>
             </a:fld>
             <a:endParaRPr lang="en-US" altLang="en-US"/>
           </a:p>
@@ -8873,7 +8871,7 @@
               <a:pPr>
                 <a:defRPr/>
               </a:pPr>
-              <a:t>5/6/2024</a:t>
+              <a:t>5/9/2024</a:t>
             </a:fld>
             <a:endParaRPr lang="en-US" altLang="en-US"/>
           </a:p>
@@ -9189,7 +9187,7 @@
               <a:pPr>
                 <a:defRPr/>
               </a:pPr>
-              <a:t>5/6/2024</a:t>
+              <a:t>5/9/2024</a:t>
             </a:fld>
             <a:endParaRPr lang="en-US" altLang="en-US"/>
           </a:p>
@@ -9949,7 +9947,7 @@
           <a:p>
             <a:fld id="{4A7B1C05-EA21-4143-BF9B-5A7AE622790B}" type="datetime1">
               <a:rPr lang="en-US" altLang="en-US" smtClean="0"/>
-              <a:t>5/6/2024</a:t>
+              <a:t>5/9/2024</a:t>
             </a:fld>
             <a:endParaRPr lang="en-US" altLang="en-US"/>
           </a:p>
@@ -10603,7 +10601,7 @@
           <a:p>
             <a:fld id="{DB56B676-FD35-4A81-AE7E-A88C163C26B0}" type="datetime1">
               <a:rPr lang="en-US" altLang="en-US" smtClean="0"/>
-              <a:t>5/6/2024</a:t>
+              <a:t>5/9/2024</a:t>
             </a:fld>
             <a:endParaRPr lang="en-US" altLang="en-US"/>
           </a:p>
@@ -12081,6 +12079,135 @@
 </p:sld>
 </file>
 
+<file path=ppt/slides/slide10.xml><?xml version="1.0" encoding="utf-8"?>
+<p:sld xmlns:a="http://schemas.openxmlformats.org/drawingml/2006/main" xmlns:r="http://schemas.openxmlformats.org/officeDocument/2006/relationships" xmlns:p="http://schemas.openxmlformats.org/presentationml/2006/main">
+  <p:cSld>
+    <p:spTree>
+      <p:nvGrpSpPr>
+        <p:cNvPr id="1" name=""/>
+        <p:cNvGrpSpPr/>
+        <p:nvPr/>
+      </p:nvGrpSpPr>
+      <p:grpSpPr>
+        <a:xfrm>
+          <a:off x="0" y="0"/>
+          <a:ext cx="0" cy="0"/>
+          <a:chOff x="0" y="0"/>
+          <a:chExt cx="0" cy="0"/>
+        </a:xfrm>
+      </p:grpSpPr>
+      <p:sp>
+        <p:nvSpPr>
+          <p:cNvPr id="2" name="Title 1">
+            <a:extLst>
+              <a:ext uri="{FF2B5EF4-FFF2-40B4-BE49-F238E27FC236}">
+                <a16:creationId xmlns:a16="http://schemas.microsoft.com/office/drawing/2014/main" id="{6E42C2A6-D2E4-D27C-448F-085F90722D91}"/>
+              </a:ext>
+            </a:extLst>
+          </p:cNvPr>
+          <p:cNvSpPr>
+            <a:spLocks noGrp="1"/>
+          </p:cNvSpPr>
+          <p:nvPr>
+            <p:ph type="title"/>
+          </p:nvPr>
+        </p:nvSpPr>
+        <p:spPr>
+          <a:xfrm>
+            <a:off x="1565631" y="69385"/>
+            <a:ext cx="8229600" cy="457200"/>
+          </a:xfrm>
+        </p:spPr>
+        <p:txBody>
+          <a:bodyPr/>
+          <a:lstStyle/>
+          <a:p>
+            <a:r>
+              <a:rPr lang="en-US" dirty="0"/>
+              <a:t>NFL Application Walkthrough</a:t>
+            </a:r>
+          </a:p>
+        </p:txBody>
+      </p:sp>
+      <p:sp>
+        <p:nvSpPr>
+          <p:cNvPr id="6" name="Content Placeholder 2">
+            <a:extLst>
+              <a:ext uri="{FF2B5EF4-FFF2-40B4-BE49-F238E27FC236}">
+                <a16:creationId xmlns:a16="http://schemas.microsoft.com/office/drawing/2014/main" id="{8F722032-BD2C-7BC9-D033-4E89EA68C4ED}"/>
+              </a:ext>
+            </a:extLst>
+          </p:cNvPr>
+          <p:cNvSpPr>
+            <a:spLocks noGrp="1"/>
+          </p:cNvSpPr>
+          <p:nvPr>
+            <p:ph idx="1"/>
+          </p:nvPr>
+        </p:nvSpPr>
+        <p:spPr>
+          <a:xfrm>
+            <a:off x="931498" y="1680040"/>
+            <a:ext cx="8425861" cy="3394075"/>
+          </a:xfrm>
+        </p:spPr>
+        <p:txBody>
+          <a:bodyPr/>
+          <a:lstStyle/>
+          <a:p>
+            <a:r>
+              <a:rPr lang="en-US" dirty="0"/>
+              <a:t>Demonstrate the NFL application</a:t>
+            </a:r>
+          </a:p>
+        </p:txBody>
+      </p:sp>
+      <p:sp>
+        <p:nvSpPr>
+          <p:cNvPr id="3" name="Slide Number Placeholder 4">
+            <a:extLst>
+              <a:ext uri="{FF2B5EF4-FFF2-40B4-BE49-F238E27FC236}">
+                <a16:creationId xmlns:a16="http://schemas.microsoft.com/office/drawing/2014/main" id="{4DB66EF3-82F4-2A28-D4F6-1105B9DF350A}"/>
+              </a:ext>
+            </a:extLst>
+          </p:cNvPr>
+          <p:cNvSpPr>
+            <a:spLocks noGrp="1"/>
+          </p:cNvSpPr>
+          <p:nvPr>
+            <p:ph type="sldNum" sz="quarter" idx="12"/>
+          </p:nvPr>
+        </p:nvSpPr>
+        <p:spPr>
+          <a:xfrm>
+            <a:off x="6553200" y="4767263"/>
+            <a:ext cx="2133600" cy="274637"/>
+          </a:xfrm>
+        </p:spPr>
+        <p:txBody>
+          <a:bodyPr/>
+          <a:lstStyle/>
+          <a:p>
+            <a:r>
+              <a:rPr lang="en-US" altLang="en-US" dirty="0"/>
+              <a:t>10</a:t>
+            </a:r>
+          </a:p>
+        </p:txBody>
+      </p:sp>
+    </p:spTree>
+    <p:extLst>
+      <p:ext uri="{BB962C8B-B14F-4D97-AF65-F5344CB8AC3E}">
+        <p14:creationId xmlns:p14="http://schemas.microsoft.com/office/powerpoint/2010/main" val="492451578"/>
+      </p:ext>
+    </p:extLst>
+  </p:cSld>
+  <p:clrMapOvr>
+    <a:masterClrMapping/>
+  </p:clrMapOvr>
+</p:sld>
+</file>
+
 <file path=ppt/slides/slide2.xml><?xml version="1.0" encoding="utf-8"?>
 <p:sld xmlns:a="http://schemas.openxmlformats.org/drawingml/2006/main" xmlns:r="http://schemas.openxmlformats.org/officeDocument/2006/relationships" xmlns:p="http://schemas.openxmlformats.org/presentationml/2006/main">
   <p:cSld>
@@ -13994,7 +14121,7 @@
           <a:p>
             <a:r>
               <a:rPr lang="en-US" altLang="en-US" dirty="0"/>
-              <a:t>4</a:t>
+              <a:t>6</a:t>
             </a:r>
           </a:p>
         </p:txBody>
@@ -14091,34 +14218,6 @@
           </a:xfrm>
         </p:spPr>
       </p:pic>
-      <p:sp>
-        <p:nvSpPr>
-          <p:cNvPr id="5" name="Slide Number Placeholder 4">
-            <a:extLst>
-              <a:ext uri="{FF2B5EF4-FFF2-40B4-BE49-F238E27FC236}">
-                <a16:creationId xmlns:a16="http://schemas.microsoft.com/office/drawing/2014/main" id="{1D89623B-67A3-0C03-F480-E090C66D7BB8}"/>
-              </a:ext>
-            </a:extLst>
-          </p:cNvPr>
-          <p:cNvSpPr>
-            <a:spLocks noGrp="1"/>
-          </p:cNvSpPr>
-          <p:nvPr>
-            <p:ph type="sldNum" sz="quarter" idx="12"/>
-          </p:nvPr>
-        </p:nvSpPr>
-        <p:spPr/>
-        <p:txBody>
-          <a:bodyPr/>
-          <a:lstStyle/>
-          <a:p>
-            <a:r>
-              <a:rPr lang="en-US" altLang="en-US" dirty="0"/>
-              <a:t>5</a:t>
-            </a:r>
-          </a:p>
-        </p:txBody>
-      </p:sp>
       <p:sp>
         <p:nvSpPr>
           <p:cNvPr id="8" name="Content Placeholder 2">
@@ -14430,6 +14529,39 @@
           </a:p>
         </p:txBody>
       </p:sp>
+      <p:sp>
+        <p:nvSpPr>
+          <p:cNvPr id="3" name="Slide Number Placeholder 4">
+            <a:extLst>
+              <a:ext uri="{FF2B5EF4-FFF2-40B4-BE49-F238E27FC236}">
+                <a16:creationId xmlns:a16="http://schemas.microsoft.com/office/drawing/2014/main" id="{D852727F-AD26-CB53-42EE-621244AA5023}"/>
+              </a:ext>
+            </a:extLst>
+          </p:cNvPr>
+          <p:cNvSpPr>
+            <a:spLocks noGrp="1"/>
+          </p:cNvSpPr>
+          <p:nvPr>
+            <p:ph type="sldNum" sz="quarter" idx="12"/>
+          </p:nvPr>
+        </p:nvSpPr>
+        <p:spPr>
+          <a:xfrm>
+            <a:off x="6553200" y="4767263"/>
+            <a:ext cx="2133600" cy="274637"/>
+          </a:xfrm>
+        </p:spPr>
+        <p:txBody>
+          <a:bodyPr/>
+          <a:lstStyle/>
+          <a:p>
+            <a:r>
+              <a:rPr lang="en-US" altLang="en-US" dirty="0"/>
+              <a:t>7</a:t>
+            </a:r>
+          </a:p>
+        </p:txBody>
+      </p:sp>
     </p:spTree>
     <p:extLst>
       <p:ext uri="{BB962C8B-B14F-4D97-AF65-F5344CB8AC3E}">
@@ -14465,7 +14597,7 @@
           <p:cNvPr id="2" name="Title 1">
             <a:extLst>
               <a:ext uri="{FF2B5EF4-FFF2-40B4-BE49-F238E27FC236}">
-                <a16:creationId xmlns:a16="http://schemas.microsoft.com/office/drawing/2014/main" id="{4D1A28EE-D621-2727-1712-AF3BBE0B05C5}"/>
+                <a16:creationId xmlns:a16="http://schemas.microsoft.com/office/drawing/2014/main" id="{6E42C2A6-D2E4-D27C-448F-085F90722D91}"/>
               </a:ext>
             </a:extLst>
           </p:cNvPr>
@@ -14478,7 +14610,7 @@
         </p:nvSpPr>
         <p:spPr>
           <a:xfrm>
-            <a:off x="1818392" y="94808"/>
+            <a:off x="412266" y="69385"/>
             <a:ext cx="8229600" cy="457200"/>
           </a:xfrm>
         </p:spPr>
@@ -14486,19 +14618,20 @@
           <a:bodyPr/>
           <a:lstStyle/>
           <a:p>
+            <a:pPr algn="ctr"/>
             <a:r>
               <a:rPr lang="en-US" dirty="0"/>
-              <a:t>NFL Application Installation</a:t>
-            </a:r>
-          </a:p>
-        </p:txBody>
-      </p:sp>
-      <p:sp>
-        <p:nvSpPr>
-          <p:cNvPr id="3" name="Content Placeholder 2">
+              <a:t>Schema - 11 tables</a:t>
+            </a:r>
+          </a:p>
+        </p:txBody>
+      </p:sp>
+      <p:sp>
+        <p:nvSpPr>
+          <p:cNvPr id="6" name="Content Placeholder 2">
             <a:extLst>
               <a:ext uri="{FF2B5EF4-FFF2-40B4-BE49-F238E27FC236}">
-                <a16:creationId xmlns:a16="http://schemas.microsoft.com/office/drawing/2014/main" id="{6A451591-3C3C-BDA9-131E-C63C25ADAEC7}"/>
+                <a16:creationId xmlns:a16="http://schemas.microsoft.com/office/drawing/2014/main" id="{8F722032-BD2C-7BC9-D033-4E89EA68C4ED}"/>
               </a:ext>
             </a:extLst>
           </p:cNvPr>
@@ -14511,51 +14644,661 @@
         </p:nvSpPr>
         <p:spPr>
           <a:xfrm>
-            <a:off x="359069" y="874712"/>
-            <a:ext cx="8425861" cy="3394075"/>
+            <a:off x="139962" y="1016254"/>
+            <a:ext cx="8864075" cy="3394075"/>
           </a:xfrm>
         </p:spPr>
         <p:txBody>
           <a:bodyPr/>
           <a:lstStyle/>
           <a:p>
-            <a:r>
-              <a:rPr lang="en-US" dirty="0"/>
-              <a:t>NFL application publicly available at GitHub</a:t>
-            </a:r>
-          </a:p>
-          <a:p>
             <a:pPr marL="0" indent="0">
               <a:buNone/>
             </a:pPr>
-            <a:endParaRPr lang="en-US" dirty="0"/>
-          </a:p>
-          <a:p>
-            <a:r>
-              <a:rPr lang="en-US" dirty="0">
-                <a:hlinkClick r:id="rId2"/>
+            <a:endParaRPr lang="en-US" sz="1400" dirty="0"/>
+          </a:p>
+          <a:p>
+            <a:pPr algn="l"/>
+            <a:r>
+              <a:rPr lang="en-US" sz="1400" b="0" i="0" u="none" strike="noStrike" baseline="0" dirty="0">
+                <a:latin typeface="LMRoman10-Regular"/>
               </a:rPr>
-              <a:t>https://github.com/JamesChapmanNV/NFL_database</a:t>
-            </a:r>
-            <a:endParaRPr lang="en-US" dirty="0"/>
-          </a:p>
-          <a:p>
-            <a:endParaRPr lang="en-US" dirty="0"/>
-          </a:p>
-          <a:p>
-            <a:r>
-              <a:rPr lang="en-US" dirty="0"/>
-              <a:t>Read the documentation for installation</a:t>
-            </a:r>
-          </a:p>
-        </p:txBody>
-      </p:sp>
-      <p:sp>
-        <p:nvSpPr>
-          <p:cNvPr id="5" name="Slide Number Placeholder 4">
+              <a:t>Teams		(</a:t>
+            </a:r>
+            <a:r>
+              <a:rPr lang="en-US" sz="1400" b="0" i="0" u="sng" strike="noStrike" baseline="0" dirty="0">
+                <a:latin typeface="LMRoman10-Regular"/>
+              </a:rPr>
+              <a:t>team_name</a:t>
+            </a:r>
+            <a:r>
+              <a:rPr lang="en-US" sz="1400" b="0" i="0" u="none" strike="noStrike" baseline="0" dirty="0">
+                <a:latin typeface="LMRoman10-Regular"/>
+              </a:rPr>
+              <a:t>, location, abbreviation, </a:t>
+            </a:r>
+            <a:r>
+              <a:rPr lang="en-US" sz="1400" b="0" i="1" u="none" strike="noStrike" baseline="0" dirty="0">
+                <a:latin typeface="LMRoman10-Regular"/>
+              </a:rPr>
+              <a:t>venue_name</a:t>
+            </a:r>
+            <a:r>
+              <a:rPr lang="en-US" sz="1400" b="0" i="0" u="none" strike="noStrike" baseline="0" dirty="0">
+                <a:latin typeface="LMRoman10-Regular"/>
+              </a:rPr>
+              <a:t>, </a:t>
+            </a:r>
+            <a:r>
+              <a:rPr lang="en-US" sz="1400" b="0" i="0" u="none" strike="noStrike" baseline="0" dirty="0" err="1">
+                <a:latin typeface="LMRoman10-Regular"/>
+              </a:rPr>
+              <a:t>primary_color</a:t>
+            </a:r>
+            <a:r>
+              <a:rPr lang="en-US" sz="1400" b="0" i="0" u="none" strike="noStrike" baseline="0" dirty="0">
+                <a:latin typeface="LMRoman10-Regular"/>
+              </a:rPr>
+              <a:t>, </a:t>
+            </a:r>
+            <a:r>
+              <a:rPr lang="en-US" sz="1400" b="0" i="0" u="none" strike="noStrike" baseline="0" dirty="0" err="1">
+                <a:latin typeface="LMRoman10-Regular"/>
+              </a:rPr>
+              <a:t>secondary_color</a:t>
+            </a:r>
+            <a:r>
+              <a:rPr lang="en-US" sz="1400" b="0" i="0" u="none" strike="noStrike" baseline="0" dirty="0">
+                <a:latin typeface="LMRoman10-Regular"/>
+              </a:rPr>
+              <a:t>)</a:t>
+            </a:r>
+          </a:p>
+          <a:p>
+            <a:pPr algn="l"/>
+            <a:r>
+              <a:rPr lang="en-US" sz="1400" b="0" i="0" u="none" strike="noStrike" baseline="0" dirty="0">
+                <a:latin typeface="LMRoman10-Regular"/>
+              </a:rPr>
+              <a:t>Venues		(</a:t>
+            </a:r>
+            <a:r>
+              <a:rPr lang="en-US" sz="1400" b="0" i="0" u="sng" strike="noStrike" baseline="0" dirty="0">
+                <a:latin typeface="LMRoman10-Regular"/>
+              </a:rPr>
+              <a:t>venue_name</a:t>
+            </a:r>
+            <a:r>
+              <a:rPr lang="en-US" sz="1400" b="0" i="0" u="none" strike="noStrike" baseline="0" dirty="0">
+                <a:latin typeface="LMRoman10-Regular"/>
+              </a:rPr>
+              <a:t>, capacity, city, state, grass, indoor)</a:t>
+            </a:r>
+          </a:p>
+          <a:p>
+            <a:pPr algn="l"/>
+            <a:r>
+              <a:rPr lang="en-US" sz="1400" b="0" i="0" u="none" strike="noStrike" baseline="0" dirty="0">
+                <a:latin typeface="LMRoman10-Regular"/>
+              </a:rPr>
+              <a:t>Games		(</a:t>
+            </a:r>
+            <a:r>
+              <a:rPr lang="en-US" sz="1400" b="0" u="sng" strike="noStrike" baseline="0" dirty="0">
+                <a:latin typeface="LMRoman10-Regular"/>
+              </a:rPr>
+              <a:t>game_id</a:t>
+            </a:r>
+            <a:r>
+              <a:rPr lang="en-US" sz="1400" b="0" i="0" u="none" strike="noStrike" baseline="0" dirty="0">
+                <a:latin typeface="LMRoman10-Regular"/>
+              </a:rPr>
+              <a:t>, </a:t>
+            </a:r>
+            <a:r>
+              <a:rPr lang="en-US" sz="1400" b="0" i="1" u="none" strike="noStrike" baseline="0" dirty="0">
+                <a:latin typeface="LMRoman10-Regular"/>
+              </a:rPr>
+              <a:t>date</a:t>
+            </a:r>
+            <a:r>
+              <a:rPr lang="en-US" sz="1400" b="0" i="0" u="none" strike="noStrike" baseline="0" dirty="0">
+                <a:latin typeface="LMRoman10-Regular"/>
+              </a:rPr>
+              <a:t>, attendance, </a:t>
+            </a:r>
+            <a:r>
+              <a:rPr lang="en-US" sz="1400" b="0" i="1" u="none" strike="noStrike" baseline="0" dirty="0" err="1">
+                <a:latin typeface="LMRoman10-Regular"/>
+              </a:rPr>
+              <a:t>home_team_name</a:t>
+            </a:r>
+            <a:r>
+              <a:rPr lang="en-US" sz="1400" b="0" i="1" u="none" strike="noStrike" baseline="0" dirty="0">
+                <a:latin typeface="LMRoman10-Regular"/>
+              </a:rPr>
+              <a:t>, </a:t>
+            </a:r>
+            <a:r>
+              <a:rPr lang="en-US" sz="1400" b="0" i="1" u="none" strike="noStrike" baseline="0" dirty="0" err="1">
+                <a:latin typeface="LMRoman10-Regular"/>
+              </a:rPr>
+              <a:t>away_team_name</a:t>
+            </a:r>
+            <a:r>
+              <a:rPr lang="en-US" sz="1400" b="0" i="1" u="none" strike="noStrike" baseline="0" dirty="0">
+                <a:latin typeface="LMRoman10-Regular"/>
+              </a:rPr>
+              <a:t>, venue_name</a:t>
+            </a:r>
+            <a:r>
+              <a:rPr lang="en-US" sz="1400" b="0" i="0" u="none" strike="noStrike" baseline="0" dirty="0">
+                <a:latin typeface="LMRoman10-Regular"/>
+              </a:rPr>
+              <a:t>, </a:t>
+            </a:r>
+            <a:r>
+              <a:rPr lang="en-US" sz="1400" b="0" i="0" u="none" strike="noStrike" baseline="0" dirty="0" err="1">
+                <a:latin typeface="LMRoman10-Regular"/>
+              </a:rPr>
+              <a:t>utc_time</a:t>
+            </a:r>
+            <a:r>
+              <a:rPr lang="en-US" sz="1400" b="0" i="0" u="none" strike="noStrike" baseline="0" dirty="0">
+                <a:latin typeface="LMRoman10-Regular"/>
+              </a:rPr>
+              <a:t>)</a:t>
+            </a:r>
+          </a:p>
+          <a:p>
+            <a:pPr algn="l"/>
+            <a:r>
+              <a:rPr lang="en-US" sz="1400" b="0" i="0" u="none" strike="noStrike" baseline="0" dirty="0" err="1">
+                <a:latin typeface="LMRoman10-Regular"/>
+              </a:rPr>
+              <a:t>Season_dates</a:t>
+            </a:r>
+            <a:r>
+              <a:rPr lang="en-US" sz="1400" b="0" i="0" u="none" strike="noStrike" baseline="0" dirty="0">
+                <a:latin typeface="LMRoman10-Regular"/>
+              </a:rPr>
+              <a:t>	(</a:t>
+            </a:r>
+            <a:r>
+              <a:rPr lang="en-US" sz="1400" b="0" i="0" u="sng" strike="noStrike" baseline="0" dirty="0">
+                <a:latin typeface="LMRoman10-Regular"/>
+              </a:rPr>
+              <a:t>date</a:t>
+            </a:r>
+            <a:r>
+              <a:rPr lang="en-US" sz="1400" b="0" i="0" u="none" strike="noStrike" baseline="0" dirty="0">
+                <a:latin typeface="LMRoman10-Regular"/>
+              </a:rPr>
+              <a:t>, </a:t>
+            </a:r>
+            <a:r>
+              <a:rPr lang="en-US" sz="1400" b="0" i="0" u="none" strike="noStrike" baseline="0" dirty="0" err="1">
+                <a:latin typeface="LMRoman10-Regular"/>
+              </a:rPr>
+              <a:t>season_year</a:t>
+            </a:r>
+            <a:r>
+              <a:rPr lang="en-US" sz="1400" b="0" i="0" u="none" strike="noStrike" baseline="0" dirty="0">
+                <a:latin typeface="LMRoman10-Regular"/>
+              </a:rPr>
+              <a:t>, </a:t>
+            </a:r>
+            <a:r>
+              <a:rPr lang="en-US" sz="1400" b="0" i="0" u="none" strike="noStrike" baseline="0" dirty="0" err="1">
+                <a:latin typeface="LMRoman10-Regular"/>
+              </a:rPr>
+              <a:t>season_type</a:t>
+            </a:r>
+            <a:r>
+              <a:rPr lang="en-US" sz="1400" b="0" i="0" u="none" strike="noStrike" baseline="0" dirty="0">
+                <a:latin typeface="LMRoman10-Regular"/>
+              </a:rPr>
+              <a:t>, week)</a:t>
+            </a:r>
+          </a:p>
+          <a:p>
+            <a:pPr algn="l"/>
+            <a:r>
+              <a:rPr lang="en-US" sz="1400" b="0" i="0" u="none" strike="noStrike" baseline="0" dirty="0">
+                <a:latin typeface="LMRoman10-Regular"/>
+              </a:rPr>
+              <a:t>Athletes	(</a:t>
+            </a:r>
+            <a:r>
+              <a:rPr lang="en-US" sz="1400" b="0" i="0" u="sng" strike="noStrike" baseline="0" dirty="0" err="1">
+                <a:latin typeface="LMRoman10-Regular"/>
+              </a:rPr>
+              <a:t>athlete_id</a:t>
+            </a:r>
+            <a:r>
+              <a:rPr lang="en-US" sz="1400" b="0" i="0" u="none" strike="noStrike" baseline="0" dirty="0">
+                <a:latin typeface="LMRoman10-Regular"/>
+              </a:rPr>
+              <a:t>, </a:t>
+            </a:r>
+            <a:r>
+              <a:rPr lang="en-US" sz="1400" b="0" i="0" u="none" strike="noStrike" baseline="0" dirty="0" err="1">
+                <a:latin typeface="LMRoman10-Regular"/>
+              </a:rPr>
+              <a:t>first_name</a:t>
+            </a:r>
+            <a:r>
+              <a:rPr lang="en-US" sz="1400" b="0" i="0" u="none" strike="noStrike" baseline="0" dirty="0">
+                <a:latin typeface="LMRoman10-Regular"/>
+              </a:rPr>
+              <a:t>, </a:t>
+            </a:r>
+            <a:r>
+              <a:rPr lang="en-US" sz="1400" b="0" i="0" u="none" strike="noStrike" baseline="0" dirty="0" err="1">
+                <a:latin typeface="LMRoman10-Regular"/>
+              </a:rPr>
+              <a:t>last_name</a:t>
+            </a:r>
+            <a:r>
+              <a:rPr lang="en-US" sz="1400" b="0" i="0" u="none" strike="noStrike" baseline="0" dirty="0">
+                <a:latin typeface="LMRoman10-Regular"/>
+              </a:rPr>
+              <a:t>, dob, height, weight, </a:t>
+            </a:r>
+            <a:r>
+              <a:rPr lang="en-US" sz="1400" b="0" i="0" u="none" strike="noStrike" baseline="0" dirty="0" err="1">
+                <a:latin typeface="LMRoman10-Regular"/>
+              </a:rPr>
+              <a:t>birth_city</a:t>
+            </a:r>
+            <a:r>
+              <a:rPr lang="en-US" sz="1400" b="0" i="0" u="none" strike="noStrike" baseline="0" dirty="0">
+                <a:latin typeface="LMRoman10-Regular"/>
+              </a:rPr>
+              <a:t>, </a:t>
+            </a:r>
+            <a:r>
+              <a:rPr lang="en-US" sz="1400" b="0" i="0" u="none" strike="noStrike" baseline="0" dirty="0" err="1">
+                <a:latin typeface="LMRoman10-Regular"/>
+              </a:rPr>
+              <a:t>birth_state</a:t>
+            </a:r>
+            <a:r>
+              <a:rPr lang="en-US" sz="1400" b="0" i="0" u="none" strike="noStrike" baseline="0" dirty="0">
+                <a:latin typeface="LMRoman10-Regular"/>
+              </a:rPr>
+              <a:t>)</a:t>
+            </a:r>
+          </a:p>
+          <a:p>
+            <a:pPr algn="l"/>
+            <a:r>
+              <a:rPr lang="en-US" sz="1400" b="0" i="0" u="none" strike="noStrike" baseline="0" dirty="0">
+                <a:latin typeface="LMRoman10-Regular"/>
+              </a:rPr>
+              <a:t>Positions</a:t>
+            </a:r>
+            <a:r>
+              <a:rPr lang="en-US" sz="1400" dirty="0">
+                <a:latin typeface="LMRoman10-Regular"/>
+              </a:rPr>
+              <a:t> 	</a:t>
+            </a:r>
+            <a:r>
+              <a:rPr lang="en-US" sz="1400" b="0" i="0" u="none" strike="noStrike" baseline="0" dirty="0">
+                <a:latin typeface="LMRoman10-Regular"/>
+              </a:rPr>
+              <a:t>(</a:t>
+            </a:r>
+            <a:r>
+              <a:rPr lang="en-US" sz="1400" b="0" i="0" u="sng" strike="noStrike" baseline="0" dirty="0" err="1">
+                <a:latin typeface="LMRoman10-Regular"/>
+              </a:rPr>
+              <a:t>position_name</a:t>
+            </a:r>
+            <a:r>
+              <a:rPr lang="en-US" sz="1400" b="0" i="0" u="none" strike="noStrike" baseline="0" dirty="0">
+                <a:latin typeface="LMRoman10-Regular"/>
+              </a:rPr>
+              <a:t>, abbreviation, platoon)</a:t>
+            </a:r>
+          </a:p>
+          <a:p>
+            <a:pPr algn="l"/>
+            <a:r>
+              <a:rPr lang="en-US" sz="1400" b="0" i="0" u="none" strike="noStrike" baseline="0" dirty="0">
+                <a:latin typeface="LMRoman10-Regular"/>
+              </a:rPr>
+              <a:t>Rosters		(</a:t>
+            </a:r>
+            <a:r>
+              <a:rPr lang="en-US" sz="1400" b="0" i="0" u="sng" strike="noStrike" baseline="0" dirty="0" err="1">
+                <a:latin typeface="LMRoman10-Regular"/>
+              </a:rPr>
+              <a:t>team_name</a:t>
+            </a:r>
+            <a:r>
+              <a:rPr lang="en-US" sz="1400" b="0" i="0" u="none" strike="noStrike" baseline="0" dirty="0">
+                <a:latin typeface="LMRoman10-Regular"/>
+              </a:rPr>
+              <a:t>, </a:t>
+            </a:r>
+            <a:r>
+              <a:rPr lang="en-US" sz="1400" b="0" i="0" u="none" strike="noStrike" baseline="0" dirty="0" err="1">
+                <a:latin typeface="LMRoman10-Regular"/>
+              </a:rPr>
+              <a:t>athlete_id</a:t>
+            </a:r>
+            <a:r>
+              <a:rPr lang="en-US" sz="1400" b="0" i="0" u="none" strike="noStrike" baseline="0" dirty="0">
+                <a:latin typeface="LMRoman10-Regular"/>
+              </a:rPr>
+              <a:t>, </a:t>
+            </a:r>
+            <a:r>
+              <a:rPr lang="en-US" sz="1400" b="0" i="0" u="none" strike="noStrike" baseline="0" dirty="0" err="1">
+                <a:latin typeface="LMRoman10-Regular"/>
+              </a:rPr>
+              <a:t>position_name</a:t>
+            </a:r>
+            <a:r>
+              <a:rPr lang="en-US" sz="1400" b="0" i="0" u="none" strike="noStrike" baseline="0" dirty="0">
+                <a:latin typeface="LMRoman10-Regular"/>
+              </a:rPr>
+              <a:t>, </a:t>
+            </a:r>
+            <a:r>
+              <a:rPr lang="en-US" sz="1400" b="0" i="0" u="none" strike="noStrike" baseline="0" dirty="0" err="1">
+                <a:latin typeface="LMRoman10-Regular"/>
+              </a:rPr>
+              <a:t>start_date</a:t>
+            </a:r>
+            <a:r>
+              <a:rPr lang="en-US" sz="1400" b="0" i="0" u="none" strike="noStrike" baseline="0" dirty="0">
+                <a:latin typeface="LMRoman10-Regular"/>
+              </a:rPr>
+              <a:t>, </a:t>
+            </a:r>
+            <a:r>
+              <a:rPr lang="en-US" sz="1400" b="0" i="0" u="none" strike="noStrike" baseline="0" dirty="0" err="1">
+                <a:latin typeface="LMRoman10-Regular"/>
+              </a:rPr>
+              <a:t>end_date</a:t>
+            </a:r>
+            <a:r>
+              <a:rPr lang="en-US" sz="1400" b="0" i="0" u="none" strike="noStrike" baseline="0" dirty="0">
+                <a:latin typeface="LMRoman10-Regular"/>
+              </a:rPr>
+              <a:t>)</a:t>
+            </a:r>
+          </a:p>
+          <a:p>
+            <a:pPr algn="l"/>
+            <a:r>
+              <a:rPr lang="en-US" sz="1400" b="0" i="0" u="none" strike="noStrike" baseline="0" dirty="0" err="1">
+                <a:latin typeface="LMRoman10-Regular"/>
+              </a:rPr>
+              <a:t>Linescores</a:t>
+            </a:r>
+            <a:r>
+              <a:rPr lang="en-US" sz="1400" b="0" i="0" u="none" strike="noStrike" baseline="0" dirty="0">
+                <a:latin typeface="LMRoman10-Regular"/>
+              </a:rPr>
+              <a:t>	(</a:t>
+            </a:r>
+            <a:r>
+              <a:rPr lang="en-US" sz="1400" b="0" i="0" u="sng" strike="noStrike" baseline="0" dirty="0" err="1">
+                <a:latin typeface="LMRoman10-Regular"/>
+              </a:rPr>
+              <a:t>team_name</a:t>
+            </a:r>
+            <a:r>
+              <a:rPr lang="en-US" sz="1400" b="0" i="0" u="sng" strike="noStrike" baseline="0" dirty="0">
+                <a:latin typeface="LMRoman10-Regular"/>
+              </a:rPr>
+              <a:t>, </a:t>
+            </a:r>
+            <a:r>
+              <a:rPr lang="en-US" sz="1400" b="0" i="0" u="sng" strike="noStrike" baseline="0" dirty="0" err="1">
+                <a:latin typeface="LMRoman10-Regular"/>
+              </a:rPr>
+              <a:t>game_id</a:t>
+            </a:r>
+            <a:r>
+              <a:rPr lang="en-US" sz="1400" b="0" i="0" u="sng" strike="noStrike" baseline="0" dirty="0">
+                <a:latin typeface="LMRoman10-Regular"/>
+              </a:rPr>
+              <a:t>, quarter</a:t>
+            </a:r>
+            <a:r>
+              <a:rPr lang="en-US" sz="1400" b="0" i="0" u="none" strike="noStrike" baseline="0" dirty="0">
+                <a:latin typeface="LMRoman10-Regular"/>
+              </a:rPr>
+              <a:t>, score)</a:t>
+            </a:r>
+          </a:p>
+          <a:p>
+            <a:pPr algn="l"/>
+            <a:r>
+              <a:rPr lang="en-US" sz="1400" b="0" i="0" u="none" strike="noStrike" baseline="0" dirty="0">
+                <a:latin typeface="LMRoman10-Regular"/>
+              </a:rPr>
+              <a:t>Plays		(</a:t>
+            </a:r>
+            <a:r>
+              <a:rPr lang="en-US" sz="1400" b="0" i="0" u="sng" strike="noStrike" baseline="0" dirty="0" err="1">
+                <a:latin typeface="LMRoman10-Regular"/>
+              </a:rPr>
+              <a:t>play_id</a:t>
+            </a:r>
+            <a:r>
+              <a:rPr lang="en-US" sz="1400" b="0" i="0" u="none" strike="noStrike" baseline="0" dirty="0">
+                <a:latin typeface="LMRoman10-Regular"/>
+              </a:rPr>
+              <a:t>, quarter, yards, </a:t>
+            </a:r>
+            <a:r>
+              <a:rPr lang="en-US" sz="1400" b="0" i="0" u="none" strike="noStrike" baseline="0" dirty="0" err="1">
+                <a:latin typeface="LMRoman10-Regular"/>
+              </a:rPr>
+              <a:t>score_value</a:t>
+            </a:r>
+            <a:r>
+              <a:rPr lang="en-US" sz="1400" b="0" i="0" u="none" strike="noStrike" baseline="0" dirty="0">
+                <a:latin typeface="LMRoman10-Regular"/>
+              </a:rPr>
+              <a:t>, </a:t>
+            </a:r>
+            <a:r>
+              <a:rPr lang="en-US" sz="1400" b="0" i="0" u="none" strike="noStrike" baseline="0" dirty="0" err="1">
+                <a:latin typeface="LMRoman10-Regular"/>
+              </a:rPr>
+              <a:t>play_type</a:t>
+            </a:r>
+            <a:r>
+              <a:rPr lang="en-US" sz="1400" b="0" i="0" u="none" strike="noStrike" baseline="0" dirty="0">
+                <a:latin typeface="LMRoman10-Regular"/>
+              </a:rPr>
+              <a:t>, text, </a:t>
+            </a:r>
+            <a:r>
+              <a:rPr lang="en-US" sz="1400" b="0" i="0" u="none" strike="noStrike" baseline="0" dirty="0" err="1">
+                <a:latin typeface="LMRoman10-Regular"/>
+              </a:rPr>
+              <a:t>seconds_remaining</a:t>
+            </a:r>
+            <a:r>
+              <a:rPr lang="en-US" sz="1400" b="0" i="0" u="none" strike="noStrike" baseline="0" dirty="0">
+                <a:latin typeface="LMRoman10-Regular"/>
+              </a:rPr>
+              <a:t>, </a:t>
+            </a:r>
+            <a:r>
+              <a:rPr lang="en-US" sz="1400" b="0" i="0" u="none" strike="noStrike" baseline="0" dirty="0" err="1">
+                <a:latin typeface="LMRoman10-Regular"/>
+              </a:rPr>
+              <a:t>start_down</a:t>
+            </a:r>
+            <a:r>
+              <a:rPr lang="en-US" sz="1400" b="0" i="0" u="none" strike="noStrike" baseline="0" dirty="0">
+                <a:latin typeface="LMRoman10-Regular"/>
+              </a:rPr>
+              <a:t>, </a:t>
+            </a:r>
+            <a:r>
+              <a:rPr lang="en-US" sz="1400" b="0" i="0" u="none" strike="noStrike" baseline="0" dirty="0" err="1">
+                <a:latin typeface="LMRoman10-Regular"/>
+              </a:rPr>
+              <a:t>end_down</a:t>
+            </a:r>
+            <a:r>
+              <a:rPr lang="en-US" sz="1400" b="0" i="0" u="none" strike="noStrike" baseline="0" dirty="0">
+                <a:latin typeface="LMRoman10-Regular"/>
+              </a:rPr>
+              <a:t>)</a:t>
+            </a:r>
+          </a:p>
+          <a:p>
+            <a:pPr algn="l"/>
+            <a:r>
+              <a:rPr lang="en-US" sz="1400" b="0" i="0" u="none" strike="noStrike" baseline="0" dirty="0" err="1">
+                <a:latin typeface="LMRoman10-Regular"/>
+              </a:rPr>
+              <a:t>Player_Plays</a:t>
+            </a:r>
+            <a:r>
+              <a:rPr lang="en-US" sz="1400" b="0" i="0" u="none" strike="noStrike" baseline="0" dirty="0">
+                <a:latin typeface="LMRoman10-Regular"/>
+              </a:rPr>
+              <a:t>	(</a:t>
+            </a:r>
+            <a:r>
+              <a:rPr lang="en-US" sz="1400" b="0" i="0" u="sng" strike="noStrike" baseline="0" dirty="0" err="1">
+                <a:latin typeface="LMRoman10-Regular"/>
+              </a:rPr>
+              <a:t>play_id</a:t>
+            </a:r>
+            <a:r>
+              <a:rPr lang="en-US" sz="1400" b="0" i="0" u="sng" strike="noStrike" baseline="0" dirty="0">
+                <a:latin typeface="LMRoman10-Regular"/>
+              </a:rPr>
+              <a:t>, </a:t>
+            </a:r>
+            <a:r>
+              <a:rPr lang="en-US" sz="1400" b="0" i="0" u="sng" strike="noStrike" baseline="0" dirty="0" err="1">
+                <a:latin typeface="LMRoman10-Regular"/>
+              </a:rPr>
+              <a:t>player_id</a:t>
+            </a:r>
+            <a:r>
+              <a:rPr lang="en-US" sz="1400" b="0" i="0" u="sng" strike="noStrike" baseline="0" dirty="0">
+                <a:latin typeface="LMRoman10-Regular"/>
+              </a:rPr>
+              <a:t>, game_id</a:t>
+            </a:r>
+            <a:r>
+              <a:rPr lang="en-US" sz="1400" b="0" i="0" u="none" strike="noStrike" baseline="0" dirty="0">
+                <a:latin typeface="LMRoman10-Regular"/>
+              </a:rPr>
+              <a:t>, type)</a:t>
+            </a:r>
+          </a:p>
+          <a:p>
+            <a:r>
+              <a:rPr lang="en-US" sz="1400" b="0" i="0" u="none" strike="noStrike" baseline="0" dirty="0">
+                <a:latin typeface="LMRoman10-Regular"/>
+              </a:rPr>
+              <a:t>Users		(</a:t>
+            </a:r>
+            <a:r>
+              <a:rPr lang="en-US" sz="1400" b="0" i="0" u="sng" strike="noStrike" baseline="0" dirty="0">
+                <a:latin typeface="LMRoman10-Regular"/>
+              </a:rPr>
+              <a:t>uid</a:t>
+            </a:r>
+            <a:r>
+              <a:rPr lang="en-US" sz="1400" b="0" i="0" u="none" strike="noStrike" baseline="0" dirty="0">
+                <a:latin typeface="LMRoman10-Regular"/>
+              </a:rPr>
+              <a:t>, username, password, </a:t>
+            </a:r>
+            <a:r>
+              <a:rPr lang="en-US" sz="1400" b="0" i="0" u="none" strike="noStrike" baseline="0" dirty="0" err="1">
+                <a:latin typeface="LMRoman10-Regular"/>
+              </a:rPr>
+              <a:t>first_name</a:t>
+            </a:r>
+            <a:r>
+              <a:rPr lang="en-US" sz="1400" b="0" i="0" u="none" strike="noStrike" baseline="0" dirty="0">
+                <a:latin typeface="LMRoman10-Regular"/>
+              </a:rPr>
+              <a:t>, </a:t>
+            </a:r>
+            <a:r>
+              <a:rPr lang="en-US" sz="1400" b="0" i="0" u="none" strike="noStrike" baseline="0" dirty="0" err="1">
+                <a:latin typeface="LMRoman10-Regular"/>
+              </a:rPr>
+              <a:t>last_name</a:t>
+            </a:r>
+            <a:r>
+              <a:rPr lang="en-US" sz="1400" b="0" i="0" u="none" strike="noStrike" baseline="0" dirty="0">
+                <a:latin typeface="LMRoman10-Regular"/>
+              </a:rPr>
+              <a:t>, </a:t>
+            </a:r>
+            <a:r>
+              <a:rPr lang="en-US" sz="1400" b="0" i="0" u="none" strike="noStrike" baseline="0" dirty="0" err="1">
+                <a:latin typeface="LMRoman10-Regular"/>
+              </a:rPr>
+              <a:t>created_on</a:t>
+            </a:r>
+            <a:r>
+              <a:rPr lang="en-US" sz="1400" b="0" i="0" u="none" strike="noStrike" baseline="0" dirty="0">
+                <a:latin typeface="LMRoman10-Regular"/>
+              </a:rPr>
+              <a:t>, </a:t>
+            </a:r>
+            <a:r>
+              <a:rPr lang="en-US" sz="1400" b="0" i="1" u="none" strike="noStrike" baseline="0" dirty="0" err="1">
+                <a:latin typeface="LMRoman10-Regular"/>
+              </a:rPr>
+              <a:t>fav_team_name</a:t>
+            </a:r>
+            <a:r>
+              <a:rPr lang="en-US" sz="1400" b="0" i="1" u="none" strike="noStrike" baseline="0" dirty="0">
+                <a:latin typeface="LMRoman10-Regular"/>
+              </a:rPr>
+              <a:t>, </a:t>
+            </a:r>
+            <a:r>
+              <a:rPr lang="en-US" sz="1400" b="0" i="1" u="none" strike="noStrike" baseline="0" dirty="0" err="1">
+                <a:latin typeface="LMRoman10-Regular"/>
+              </a:rPr>
+              <a:t>fav_athlete_id</a:t>
+            </a:r>
+            <a:r>
+              <a:rPr lang="en-US" sz="1400" b="0" i="0" u="none" strike="noStrike" baseline="0" dirty="0">
+                <a:latin typeface="LMRoman10-Regular"/>
+              </a:rPr>
+              <a:t>)</a:t>
+            </a:r>
+          </a:p>
+          <a:p>
+            <a:pPr marL="0" indent="0" algn="l">
+              <a:buNone/>
+            </a:pPr>
+            <a:endParaRPr lang="en-US" sz="1400" b="0" i="0" u="none" strike="noStrike" baseline="0" dirty="0">
+              <a:latin typeface="LMRoman10-Regular"/>
+            </a:endParaRPr>
+          </a:p>
+        </p:txBody>
+      </p:sp>
+      <p:sp>
+        <p:nvSpPr>
+          <p:cNvPr id="3" name="Slide Number Placeholder 4">
             <a:extLst>
               <a:ext uri="{FF2B5EF4-FFF2-40B4-BE49-F238E27FC236}">
-                <a16:creationId xmlns:a16="http://schemas.microsoft.com/office/drawing/2014/main" id="{BD99D30E-5827-6BDA-966D-9E353D9D3F3D}"/>
+                <a16:creationId xmlns:a16="http://schemas.microsoft.com/office/drawing/2014/main" id="{9586B94A-6FA3-396F-75DD-6C413BCD320E}"/>
               </a:ext>
             </a:extLst>
           </p:cNvPr>
@@ -14566,14 +15309,19 @@
             <p:ph type="sldNum" sz="quarter" idx="12"/>
           </p:nvPr>
         </p:nvSpPr>
-        <p:spPr/>
+        <p:spPr>
+          <a:xfrm>
+            <a:off x="6553200" y="4767263"/>
+            <a:ext cx="2133600" cy="274637"/>
+          </a:xfrm>
+        </p:spPr>
         <p:txBody>
           <a:bodyPr/>
           <a:lstStyle/>
           <a:p>
             <a:r>
               <a:rPr lang="en-US" altLang="en-US" dirty="0"/>
-              <a:t>6</a:t>
+              <a:t>8</a:t>
             </a:r>
           </a:p>
         </p:txBody>
@@ -14581,7 +15329,7 @@
     </p:spTree>
     <p:extLst>
       <p:ext uri="{BB962C8B-B14F-4D97-AF65-F5344CB8AC3E}">
-        <p14:creationId xmlns:p14="http://schemas.microsoft.com/office/powerpoint/2010/main" val="2622792960"/>
+        <p14:creationId xmlns:p14="http://schemas.microsoft.com/office/powerpoint/2010/main" val="340015356"/>
       </p:ext>
     </p:extLst>
   </p:cSld>
@@ -14613,7 +15361,7 @@
           <p:cNvPr id="2" name="Title 1">
             <a:extLst>
               <a:ext uri="{FF2B5EF4-FFF2-40B4-BE49-F238E27FC236}">
-                <a16:creationId xmlns:a16="http://schemas.microsoft.com/office/drawing/2014/main" id="{6E42C2A6-D2E4-D27C-448F-085F90722D91}"/>
+                <a16:creationId xmlns:a16="http://schemas.microsoft.com/office/drawing/2014/main" id="{4D1A28EE-D621-2727-1712-AF3BBE0B05C5}"/>
               </a:ext>
             </a:extLst>
           </p:cNvPr>
@@ -14626,7 +15374,7 @@
         </p:nvSpPr>
         <p:spPr>
           <a:xfrm>
-            <a:off x="1565631" y="69385"/>
+            <a:off x="1818392" y="94808"/>
             <a:ext cx="8229600" cy="457200"/>
           </a:xfrm>
         </p:spPr>
@@ -14636,17 +15384,17 @@
           <a:p>
             <a:r>
               <a:rPr lang="en-US" dirty="0"/>
-              <a:t>NFL Application Walkthrough</a:t>
-            </a:r>
-          </a:p>
-        </p:txBody>
-      </p:sp>
-      <p:sp>
-        <p:nvSpPr>
-          <p:cNvPr id="6" name="Content Placeholder 2">
+              <a:t>NFL Application Installation</a:t>
+            </a:r>
+          </a:p>
+        </p:txBody>
+      </p:sp>
+      <p:sp>
+        <p:nvSpPr>
+          <p:cNvPr id="3" name="Content Placeholder 2">
             <a:extLst>
               <a:ext uri="{FF2B5EF4-FFF2-40B4-BE49-F238E27FC236}">
-                <a16:creationId xmlns:a16="http://schemas.microsoft.com/office/drawing/2014/main" id="{8F722032-BD2C-7BC9-D033-4E89EA68C4ED}"/>
+                <a16:creationId xmlns:a16="http://schemas.microsoft.com/office/drawing/2014/main" id="{6A451591-3C3C-BDA9-131E-C63C25ADAEC7}"/>
               </a:ext>
             </a:extLst>
           </p:cNvPr>
@@ -14659,7 +15407,7 @@
         </p:nvSpPr>
         <p:spPr>
           <a:xfrm>
-            <a:off x="931498" y="1680040"/>
+            <a:off x="359069" y="874712"/>
             <a:ext cx="8425861" cy="3394075"/>
           </a:xfrm>
         </p:spPr>
@@ -14669,7 +15417,59 @@
           <a:p>
             <a:r>
               <a:rPr lang="en-US" dirty="0"/>
-              <a:t>Demonstrate the NFL application</a:t>
+              <a:t>NFL application publicly available at GitHub</a:t>
+            </a:r>
+          </a:p>
+          <a:p>
+            <a:pPr marL="0" indent="0">
+              <a:buNone/>
+            </a:pPr>
+            <a:endParaRPr lang="en-US" dirty="0"/>
+          </a:p>
+          <a:p>
+            <a:r>
+              <a:rPr lang="en-US" dirty="0">
+                <a:hlinkClick r:id="rId2"/>
+              </a:rPr>
+              <a:t>https://github.com/JamesChapmanNV/NFL_database</a:t>
+            </a:r>
+            <a:endParaRPr lang="en-US" dirty="0"/>
+          </a:p>
+          <a:p>
+            <a:endParaRPr lang="en-US" dirty="0"/>
+          </a:p>
+          <a:p>
+            <a:r>
+              <a:rPr lang="en-US" dirty="0"/>
+              <a:t>Read the documentation for installation</a:t>
+            </a:r>
+          </a:p>
+        </p:txBody>
+      </p:sp>
+      <p:sp>
+        <p:nvSpPr>
+          <p:cNvPr id="5" name="Slide Number Placeholder 4">
+            <a:extLst>
+              <a:ext uri="{FF2B5EF4-FFF2-40B4-BE49-F238E27FC236}">
+                <a16:creationId xmlns:a16="http://schemas.microsoft.com/office/drawing/2014/main" id="{BD99D30E-5827-6BDA-966D-9E353D9D3F3D}"/>
+              </a:ext>
+            </a:extLst>
+          </p:cNvPr>
+          <p:cNvSpPr>
+            <a:spLocks noGrp="1"/>
+          </p:cNvSpPr>
+          <p:nvPr>
+            <p:ph type="sldNum" sz="quarter" idx="12"/>
+          </p:nvPr>
+        </p:nvSpPr>
+        <p:spPr/>
+        <p:txBody>
+          <a:bodyPr/>
+          <a:lstStyle/>
+          <a:p>
+            <a:r>
+              <a:rPr lang="en-US" altLang="en-US" dirty="0"/>
+              <a:t>9</a:t>
             </a:r>
           </a:p>
         </p:txBody>
@@ -14677,7 +15477,7 @@
     </p:spTree>
     <p:extLst>
       <p:ext uri="{BB962C8B-B14F-4D97-AF65-F5344CB8AC3E}">
-        <p14:creationId xmlns:p14="http://schemas.microsoft.com/office/powerpoint/2010/main" val="492451578"/>
+        <p14:creationId xmlns:p14="http://schemas.microsoft.com/office/powerpoint/2010/main" val="2622792960"/>
       </p:ext>
     </p:extLst>
   </p:cSld>
@@ -15919,6 +16719,15 @@
 </file>
 
 <file path=customXml/item1.xml><?xml version="1.0" encoding="utf-8"?>
+<p:properties xmlns:p="http://schemas.microsoft.com/office/2006/metadata/properties" xmlns:xsi="http://www.w3.org/2001/XMLSchema-instance" xmlns:pc="http://schemas.microsoft.com/office/infopath/2007/PartnerControls">
+  <documentManagement>
+    <_Version xmlns="http://schemas.microsoft.com/sharepoint/v3/fields" xsi:nil="true"/>
+    <_Status xmlns="http://schemas.microsoft.com/sharepoint/v3/fields" xsi:nil="true"/>
+  </documentManagement>
+</p:properties>
+</file>
+
+<file path=customXml/item2.xml><?xml version="1.0" encoding="utf-8"?>
 <ct:contentTypeSchema xmlns:ct="http://schemas.microsoft.com/office/2006/metadata/contentType" xmlns:ma="http://schemas.microsoft.com/office/2006/metadata/properties/metaAttributes" ct:_="" ma:_="" ma:contentTypeName="Document" ma:contentTypeID="0x0101000DE64AEEDD9B7A4D93545ACBE97D4615" ma:contentTypeVersion="2" ma:contentTypeDescription="Create a new document." ma:contentTypeScope="" ma:versionID="f49002b78e3a4a71b814eef46a983816">
   <xsd:schema xmlns:xsd="http://www.w3.org/2001/XMLSchema" xmlns:xs="http://www.w3.org/2001/XMLSchema" xmlns:p="http://schemas.microsoft.com/office/2006/metadata/properties" xmlns:ns2="http://schemas.microsoft.com/sharepoint/v3/fields" targetNamespace="http://schemas.microsoft.com/office/2006/metadata/properties" ma:root="true" ma:fieldsID="38f6db2dd0d9a0cf6a8dc37be32b365b" ns2:_="">
     <xsd:import namespace="http://schemas.microsoft.com/sharepoint/v3/fields"/>
@@ -16062,16 +16871,23 @@
 </ct:contentTypeSchema>
 </file>
 
-<file path=customXml/item2.xml><?xml version="1.0" encoding="utf-8"?>
-<p:properties xmlns:p="http://schemas.microsoft.com/office/2006/metadata/properties" xmlns:xsi="http://www.w3.org/2001/XMLSchema-instance" xmlns:pc="http://schemas.microsoft.com/office/infopath/2007/PartnerControls">
-  <documentManagement>
-    <_Version xmlns="http://schemas.microsoft.com/sharepoint/v3/fields" xsi:nil="true"/>
-    <_Status xmlns="http://schemas.microsoft.com/sharepoint/v3/fields" xsi:nil="true"/>
-  </documentManagement>
-</p:properties>
+<file path=customXml/itemProps1.xml><?xml version="1.0" encoding="utf-8"?>
+<ds:datastoreItem xmlns:ds="http://schemas.openxmlformats.org/officeDocument/2006/customXml" ds:itemID="{7B6F2769-7194-4217-93D3-3AF3A4742282}">
+  <ds:schemaRefs>
+    <ds:schemaRef ds:uri="http://schemas.openxmlformats.org/package/2006/metadata/core-properties"/>
+    <ds:schemaRef ds:uri="http://purl.org/dc/terms/"/>
+    <ds:schemaRef ds:uri="http://purl.org/dc/elements/1.1/"/>
+    <ds:schemaRef ds:uri="http://schemas.microsoft.com/office/2006/metadata/properties"/>
+    <ds:schemaRef ds:uri="http://purl.org/dc/dcmitype/"/>
+    <ds:schemaRef ds:uri="http://schemas.microsoft.com/office/2006/documentManagement/types"/>
+    <ds:schemaRef ds:uri="http://schemas.microsoft.com/office/infopath/2007/PartnerControls"/>
+    <ds:schemaRef ds:uri="http://schemas.microsoft.com/sharepoint/v3/fields"/>
+    <ds:schemaRef ds:uri="http://www.w3.org/XML/1998/namespace"/>
+  </ds:schemaRefs>
+</ds:datastoreItem>
 </file>
 
-<file path=customXml/itemProps1.xml><?xml version="1.0" encoding="utf-8"?>
+<file path=customXml/itemProps2.xml><?xml version="1.0" encoding="utf-8"?>
 <ds:datastoreItem xmlns:ds="http://schemas.openxmlformats.org/officeDocument/2006/customXml" ds:itemID="{E4214858-785C-42F7-BE66-6D0E79395FC8}">
   <ds:schemaRefs>
     <ds:schemaRef ds:uri="http://schemas.microsoft.com/office/2006/metadata/contentType"/>
@@ -16087,20 +16903,4 @@
     <ds:schemaRef ds:uri="http://schemas.microsoft.com/internal/obd"/>
   </ds:schemaRefs>
 </ds:datastoreItem>
-</file>
-
-<file path=customXml/itemProps2.xml><?xml version="1.0" encoding="utf-8"?>
-<ds:datastoreItem xmlns:ds="http://schemas.openxmlformats.org/officeDocument/2006/customXml" ds:itemID="{7B6F2769-7194-4217-93D3-3AF3A4742282}">
-  <ds:schemaRefs>
-    <ds:schemaRef ds:uri="http://schemas.openxmlformats.org/package/2006/metadata/core-properties"/>
-    <ds:schemaRef ds:uri="http://purl.org/dc/terms/"/>
-    <ds:schemaRef ds:uri="http://purl.org/dc/elements/1.1/"/>
-    <ds:schemaRef ds:uri="http://schemas.microsoft.com/office/2006/metadata/properties"/>
-    <ds:schemaRef ds:uri="http://purl.org/dc/dcmitype/"/>
-    <ds:schemaRef ds:uri="http://schemas.microsoft.com/office/2006/documentManagement/types"/>
-    <ds:schemaRef ds:uri="http://schemas.microsoft.com/office/infopath/2007/PartnerControls"/>
-    <ds:schemaRef ds:uri="http://schemas.microsoft.com/sharepoint/v3/fields"/>
-    <ds:schemaRef ds:uri="http://www.w3.org/XML/1998/namespace"/>
-  </ds:schemaRefs>
-</ds:datastoreItem>
 </file>